--- a/docs/planning/PinDiagramFlowChart.pptx
+++ b/docs/planning/PinDiagramFlowChart.pptx
@@ -6,10 +6,12 @@
   </p:sldMasterIdLst>
   <p:sldIdLst>
     <p:sldId id="260" r:id="rId2"/>
-    <p:sldId id="256" r:id="rId3"/>
-    <p:sldId id="262" r:id="rId4"/>
-    <p:sldId id="263" r:id="rId5"/>
-    <p:sldId id="265" r:id="rId6"/>
+    <p:sldId id="266" r:id="rId3"/>
+    <p:sldId id="267" r:id="rId4"/>
+    <p:sldId id="256" r:id="rId5"/>
+    <p:sldId id="262" r:id="rId6"/>
+    <p:sldId id="263" r:id="rId7"/>
+    <p:sldId id="265" r:id="rId8"/>
   </p:sldIdLst>
   <p:sldSz cx="12192000" cy="6858000"/>
   <p:notesSz cx="6858000" cy="9144000"/>
@@ -263,7 +265,7 @@
           <a:p>
             <a:fld id="{43859641-87B3-4D4C-932C-222F1A0ADC66}" type="datetimeFigureOut">
               <a:rPr lang="en-US" smtClean="0"/>
-              <a:t>2/27/2025</a:t>
+              <a:t>3/6/2025</a:t>
             </a:fld>
             <a:endParaRPr lang="en-US"/>
           </a:p>
@@ -461,7 +463,7 @@
           <a:p>
             <a:fld id="{43859641-87B3-4D4C-932C-222F1A0ADC66}" type="datetimeFigureOut">
               <a:rPr lang="en-US" smtClean="0"/>
-              <a:t>2/27/2025</a:t>
+              <a:t>3/6/2025</a:t>
             </a:fld>
             <a:endParaRPr lang="en-US"/>
           </a:p>
@@ -669,7 +671,7 @@
           <a:p>
             <a:fld id="{43859641-87B3-4D4C-932C-222F1A0ADC66}" type="datetimeFigureOut">
               <a:rPr lang="en-US" smtClean="0"/>
-              <a:t>2/27/2025</a:t>
+              <a:t>3/6/2025</a:t>
             </a:fld>
             <a:endParaRPr lang="en-US"/>
           </a:p>
@@ -867,7 +869,7 @@
           <a:p>
             <a:fld id="{43859641-87B3-4D4C-932C-222F1A0ADC66}" type="datetimeFigureOut">
               <a:rPr lang="en-US" smtClean="0"/>
-              <a:t>2/27/2025</a:t>
+              <a:t>3/6/2025</a:t>
             </a:fld>
             <a:endParaRPr lang="en-US"/>
           </a:p>
@@ -1142,7 +1144,7 @@
           <a:p>
             <a:fld id="{43859641-87B3-4D4C-932C-222F1A0ADC66}" type="datetimeFigureOut">
               <a:rPr lang="en-US" smtClean="0"/>
-              <a:t>2/27/2025</a:t>
+              <a:t>3/6/2025</a:t>
             </a:fld>
             <a:endParaRPr lang="en-US"/>
           </a:p>
@@ -1407,7 +1409,7 @@
           <a:p>
             <a:fld id="{43859641-87B3-4D4C-932C-222F1A0ADC66}" type="datetimeFigureOut">
               <a:rPr lang="en-US" smtClean="0"/>
-              <a:t>2/27/2025</a:t>
+              <a:t>3/6/2025</a:t>
             </a:fld>
             <a:endParaRPr lang="en-US"/>
           </a:p>
@@ -1819,7 +1821,7 @@
           <a:p>
             <a:fld id="{43859641-87B3-4D4C-932C-222F1A0ADC66}" type="datetimeFigureOut">
               <a:rPr lang="en-US" smtClean="0"/>
-              <a:t>2/27/2025</a:t>
+              <a:t>3/6/2025</a:t>
             </a:fld>
             <a:endParaRPr lang="en-US"/>
           </a:p>
@@ -1960,7 +1962,7 @@
           <a:p>
             <a:fld id="{43859641-87B3-4D4C-932C-222F1A0ADC66}" type="datetimeFigureOut">
               <a:rPr lang="en-US" smtClean="0"/>
-              <a:t>2/27/2025</a:t>
+              <a:t>3/6/2025</a:t>
             </a:fld>
             <a:endParaRPr lang="en-US"/>
           </a:p>
@@ -2073,7 +2075,7 @@
           <a:p>
             <a:fld id="{43859641-87B3-4D4C-932C-222F1A0ADC66}" type="datetimeFigureOut">
               <a:rPr lang="en-US" smtClean="0"/>
-              <a:t>2/27/2025</a:t>
+              <a:t>3/6/2025</a:t>
             </a:fld>
             <a:endParaRPr lang="en-US"/>
           </a:p>
@@ -2384,7 +2386,7 @@
           <a:p>
             <a:fld id="{43859641-87B3-4D4C-932C-222F1A0ADC66}" type="datetimeFigureOut">
               <a:rPr lang="en-US" smtClean="0"/>
-              <a:t>2/27/2025</a:t>
+              <a:t>3/6/2025</a:t>
             </a:fld>
             <a:endParaRPr lang="en-US"/>
           </a:p>
@@ -2672,7 +2674,7 @@
           <a:p>
             <a:fld id="{43859641-87B3-4D4C-932C-222F1A0ADC66}" type="datetimeFigureOut">
               <a:rPr lang="en-US" smtClean="0"/>
-              <a:t>2/27/2025</a:t>
+              <a:t>3/6/2025</a:t>
             </a:fld>
             <a:endParaRPr lang="en-US"/>
           </a:p>
@@ -2913,7 +2915,7 @@
           <a:p>
             <a:fld id="{43859641-87B3-4D4C-932C-222F1A0ADC66}" type="datetimeFigureOut">
               <a:rPr lang="en-US" smtClean="0"/>
-              <a:t>2/27/2025</a:t>
+              <a:t>3/6/2025</a:t>
             </a:fld>
             <a:endParaRPr lang="en-US"/>
           </a:p>
@@ -3350,8 +3352,8 @@
         </p:nvSpPr>
         <p:spPr>
           <a:xfrm>
-            <a:off x="3119178" y="268098"/>
-            <a:ext cx="4900701" cy="707886"/>
+            <a:off x="2623007" y="284876"/>
+            <a:ext cx="6812378" cy="707886"/>
           </a:xfrm>
           <a:prstGeom prst="rect">
             <a:avLst/>
@@ -3366,7 +3368,7 @@
           <a:p>
             <a:r>
               <a:rPr lang="en-US" sz="4000" dirty="0"/>
-              <a:t>Project 3 Pin Diagram</a:t>
+              <a:t>Project 3 Pin Diagram - Master</a:t>
             </a:r>
           </a:p>
         </p:txBody>
@@ -3438,7 +3440,7 @@
         <p:spPr>
           <a:xfrm>
             <a:off x="6848242" y="2504389"/>
-            <a:ext cx="2469273" cy="1998213"/>
+            <a:ext cx="2469273" cy="2215508"/>
           </a:xfrm>
           <a:prstGeom prst="rect">
             <a:avLst/>
@@ -3467,7 +3469,7 @@
             <a:pPr algn="ctr"/>
             <a:r>
               <a:rPr lang="en-US" dirty="0"/>
-              <a:t>Keypad</a:t>
+              <a:t>LCD</a:t>
             </a:r>
           </a:p>
         </p:txBody>
@@ -3487,7 +3489,7 @@
         <p:spPr>
           <a:xfrm>
             <a:off x="6848432" y="2768982"/>
-            <a:ext cx="471604" cy="369332"/>
+            <a:ext cx="636713" cy="369332"/>
           </a:xfrm>
           <a:prstGeom prst="rect">
             <a:avLst/>
@@ -3502,7 +3504,7 @@
           <a:p>
             <a:r>
               <a:rPr lang="en-US" b="1" dirty="0"/>
-              <a:t>C2</a:t>
+              <a:t>R/W</a:t>
             </a:r>
           </a:p>
         </p:txBody>
@@ -3522,7 +3524,7 @@
         <p:spPr>
           <a:xfrm>
             <a:off x="6848432" y="2999577"/>
-            <a:ext cx="471604" cy="369332"/>
+            <a:ext cx="614271" cy="369332"/>
           </a:xfrm>
           <a:prstGeom prst="rect">
             <a:avLst/>
@@ -3537,7 +3539,7 @@
           <a:p>
             <a:r>
               <a:rPr lang="en-US" b="1" dirty="0"/>
-              <a:t>C3</a:t>
+              <a:t>DB7</a:t>
             </a:r>
           </a:p>
         </p:txBody>
@@ -3557,7 +3559,7 @@
         <p:spPr>
           <a:xfrm>
             <a:off x="6848432" y="3224411"/>
-            <a:ext cx="471604" cy="369332"/>
+            <a:ext cx="614271" cy="369332"/>
           </a:xfrm>
           <a:prstGeom prst="rect">
             <a:avLst/>
@@ -3572,7 +3574,7 @@
           <a:p>
             <a:r>
               <a:rPr lang="en-US" b="1" dirty="0"/>
-              <a:t>C4</a:t>
+              <a:t>DB6</a:t>
             </a:r>
           </a:p>
         </p:txBody>
@@ -3592,7 +3594,7 @@
         <p:spPr>
           <a:xfrm>
             <a:off x="6848432" y="3453295"/>
-            <a:ext cx="453970" cy="369332"/>
+            <a:ext cx="614271" cy="369332"/>
           </a:xfrm>
           <a:prstGeom prst="rect">
             <a:avLst/>
@@ -3607,7 +3609,7 @@
           <a:p>
             <a:r>
               <a:rPr lang="en-US" b="1" dirty="0"/>
-              <a:t>R1</a:t>
+              <a:t>DB5</a:t>
             </a:r>
           </a:p>
         </p:txBody>
@@ -3814,7 +3816,7 @@
           <a:p>
             <a:r>
               <a:rPr lang="en-US" b="1" dirty="0"/>
-              <a:t>P5.3</a:t>
+              <a:t>P2.1</a:t>
             </a:r>
           </a:p>
         </p:txBody>
@@ -3849,7 +3851,7 @@
           <a:p>
             <a:r>
               <a:rPr lang="en-US" b="1" dirty="0"/>
-              <a:t>P5.1</a:t>
+              <a:t>P2.2</a:t>
             </a:r>
           </a:p>
         </p:txBody>
@@ -3884,7 +3886,7 @@
           <a:p>
             <a:r>
               <a:rPr lang="en-US" b="1" dirty="0"/>
-              <a:t>P5.0</a:t>
+              <a:t>P6.0</a:t>
             </a:r>
           </a:p>
         </p:txBody>
@@ -3919,7 +3921,7 @@
           <a:p>
             <a:r>
               <a:rPr lang="en-US" b="1" dirty="0"/>
-              <a:t>P5.4</a:t>
+              <a:t>P6.1</a:t>
             </a:r>
           </a:p>
         </p:txBody>
@@ -4628,7 +4630,7 @@
         <p:spPr>
           <a:xfrm>
             <a:off x="6853351" y="2543823"/>
-            <a:ext cx="471604" cy="369332"/>
+            <a:ext cx="551305" cy="369332"/>
           </a:xfrm>
           <a:prstGeom prst="rect">
             <a:avLst/>
@@ -4643,7 +4645,7 @@
           <a:p>
             <a:r>
               <a:rPr lang="en-US" b="1" dirty="0"/>
-              <a:t>C1</a:t>
+              <a:t>R/S</a:t>
             </a:r>
           </a:p>
         </p:txBody>
@@ -4721,7 +4723,7 @@
           <a:p>
             <a:r>
               <a:rPr lang="en-US" b="1" dirty="0"/>
-              <a:t>P1.4</a:t>
+              <a:t>P2.0</a:t>
             </a:r>
           </a:p>
         </p:txBody>
@@ -4741,7 +4743,7 @@
         <p:spPr>
           <a:xfrm>
             <a:off x="6841551" y="3682395"/>
-            <a:ext cx="453970" cy="369332"/>
+            <a:ext cx="614271" cy="369332"/>
           </a:xfrm>
           <a:prstGeom prst="rect">
             <a:avLst/>
@@ -4756,7 +4758,7 @@
           <a:p>
             <a:r>
               <a:rPr lang="en-US" b="1" dirty="0"/>
-              <a:t>R2</a:t>
+              <a:t>DB4</a:t>
             </a:r>
           </a:p>
         </p:txBody>
@@ -4834,7 +4836,7 @@
           <a:p>
             <a:r>
               <a:rPr lang="en-US" b="1" dirty="0"/>
-              <a:t>P1.1</a:t>
+              <a:t>P6.2</a:t>
             </a:r>
           </a:p>
         </p:txBody>
@@ -4854,7 +4856,7 @@
         <p:spPr>
           <a:xfrm>
             <a:off x="6840571" y="3899689"/>
-            <a:ext cx="453970" cy="369332"/>
+            <a:ext cx="614271" cy="369332"/>
           </a:xfrm>
           <a:prstGeom prst="rect">
             <a:avLst/>
@@ -4869,7 +4871,7 @@
           <a:p>
             <a:r>
               <a:rPr lang="en-US" b="1" dirty="0"/>
-              <a:t>R3</a:t>
+              <a:t>DB3</a:t>
             </a:r>
           </a:p>
         </p:txBody>
@@ -4947,7 +4949,7 @@
           <a:p>
             <a:r>
               <a:rPr lang="en-US" b="1" dirty="0"/>
-              <a:t>P3.5</a:t>
+              <a:t>P6.3</a:t>
             </a:r>
           </a:p>
         </p:txBody>
@@ -4967,7 +4969,7 @@
         <p:spPr>
           <a:xfrm>
             <a:off x="6839591" y="4116983"/>
-            <a:ext cx="453970" cy="369332"/>
+            <a:ext cx="614271" cy="369332"/>
           </a:xfrm>
           <a:prstGeom prst="rect">
             <a:avLst/>
@@ -4982,7 +4984,7 @@
           <a:p>
             <a:r>
               <a:rPr lang="en-US" b="1" dirty="0"/>
-              <a:t>R4</a:t>
+              <a:t>DB1</a:t>
             </a:r>
           </a:p>
         </p:txBody>
@@ -5060,17 +5062,616 @@
           <a:p>
             <a:r>
               <a:rPr lang="en-US" b="1" dirty="0"/>
-              <a:t>P3.1</a:t>
-            </a:r>
-          </a:p>
-        </p:txBody>
-      </p:sp>
+              <a:t>P6.4</a:t>
+            </a:r>
+          </a:p>
+        </p:txBody>
+      </p:sp>
+      <p:cxnSp>
+        <p:nvCxnSpPr>
+          <p:cNvPr id="4" name="Straight Connector 3">
+            <a:extLst>
+              <a:ext uri="{FF2B5EF4-FFF2-40B4-BE49-F238E27FC236}">
+                <a16:creationId xmlns:a16="http://schemas.microsoft.com/office/drawing/2014/main" id="{8DB8E72F-F65E-1965-0812-DEE797661B3D}"/>
+              </a:ext>
+            </a:extLst>
+          </p:cNvPr>
+          <p:cNvCxnSpPr>
+            <a:cxnSpLocks/>
+          </p:cNvCxnSpPr>
+          <p:nvPr/>
+        </p:nvCxnSpPr>
+        <p:spPr>
+          <a:xfrm>
+            <a:off x="5698402" y="4537465"/>
+            <a:ext cx="1205865" cy="0"/>
+          </a:xfrm>
+          <a:prstGeom prst="line">
+            <a:avLst/>
+          </a:prstGeom>
+          <a:ln w="57150">
+            <a:solidFill>
+              <a:schemeClr val="tx1"/>
+            </a:solidFill>
+          </a:ln>
+        </p:spPr>
+        <p:style>
+          <a:lnRef idx="2">
+            <a:schemeClr val="accent1"/>
+          </a:lnRef>
+          <a:fillRef idx="0">
+            <a:schemeClr val="accent1"/>
+          </a:fillRef>
+          <a:effectRef idx="1">
+            <a:schemeClr val="accent1"/>
+          </a:effectRef>
+          <a:fontRef idx="minor">
+            <a:schemeClr val="tx1"/>
+          </a:fontRef>
+        </p:style>
+      </p:cxnSp>
+      <p:sp>
+        <p:nvSpPr>
+          <p:cNvPr id="5" name="TextBox 4">
+            <a:extLst>
+              <a:ext uri="{FF2B5EF4-FFF2-40B4-BE49-F238E27FC236}">
+                <a16:creationId xmlns:a16="http://schemas.microsoft.com/office/drawing/2014/main" id="{E3DEE09A-2333-9133-0A6F-993240A019DC}"/>
+              </a:ext>
+            </a:extLst>
+          </p:cNvPr>
+          <p:cNvSpPr txBox="1"/>
+          <p:nvPr/>
+        </p:nvSpPr>
+        <p:spPr>
+          <a:xfrm>
+            <a:off x="5119150" y="4350565"/>
+            <a:ext cx="639919" cy="369332"/>
+          </a:xfrm>
+          <a:prstGeom prst="rect">
+            <a:avLst/>
+          </a:prstGeom>
+          <a:noFill/>
+        </p:spPr>
+        <p:txBody>
+          <a:bodyPr wrap="none" rtlCol="0">
+            <a:spAutoFit/>
+          </a:bodyPr>
+          <a:lstStyle/>
+          <a:p>
+            <a:r>
+              <a:rPr lang="en-US" b="1" dirty="0"/>
+              <a:t>P6.4</a:t>
+            </a:r>
+          </a:p>
+        </p:txBody>
+      </p:sp>
+      <p:sp>
+        <p:nvSpPr>
+          <p:cNvPr id="6" name="TextBox 5">
+            <a:extLst>
+              <a:ext uri="{FF2B5EF4-FFF2-40B4-BE49-F238E27FC236}">
+                <a16:creationId xmlns:a16="http://schemas.microsoft.com/office/drawing/2014/main" id="{4FB7BF06-703F-AC3A-271B-4126D769E98F}"/>
+              </a:ext>
+            </a:extLst>
+          </p:cNvPr>
+          <p:cNvSpPr txBox="1"/>
+          <p:nvPr/>
+        </p:nvSpPr>
+        <p:spPr>
+          <a:xfrm>
+            <a:off x="6838611" y="4352386"/>
+            <a:ext cx="614271" cy="369332"/>
+          </a:xfrm>
+          <a:prstGeom prst="rect">
+            <a:avLst/>
+          </a:prstGeom>
+          <a:noFill/>
+        </p:spPr>
+        <p:txBody>
+          <a:bodyPr wrap="none" rtlCol="0">
+            <a:spAutoFit/>
+          </a:bodyPr>
+          <a:lstStyle/>
+          <a:p>
+            <a:r>
+              <a:rPr lang="en-US" b="1" dirty="0"/>
+              <a:t>DB0</a:t>
+            </a:r>
+          </a:p>
+        </p:txBody>
+      </p:sp>
+    </p:spTree>
+    <p:extLst>
+      <p:ext uri="{BB962C8B-B14F-4D97-AF65-F5344CB8AC3E}">
+        <p14:creationId xmlns:p14="http://schemas.microsoft.com/office/powerpoint/2010/main" val="3058246117"/>
+      </p:ext>
+    </p:extLst>
+  </p:cSld>
+  <p:clrMapOvr>
+    <a:masterClrMapping/>
+  </p:clrMapOvr>
+</p:sld>
+</file>
+
+<file path=ppt/slides/slide2.xml><?xml version="1.0" encoding="utf-8"?>
+<p:sld xmlns:a="http://schemas.openxmlformats.org/drawingml/2006/main" xmlns:r="http://schemas.openxmlformats.org/officeDocument/2006/relationships" xmlns:p="http://schemas.openxmlformats.org/presentationml/2006/main">
+  <p:cSld>
+    <p:spTree>
+      <p:nvGrpSpPr>
+        <p:cNvPr id="1" name="">
+          <a:extLst>
+            <a:ext uri="{FF2B5EF4-FFF2-40B4-BE49-F238E27FC236}">
+              <a16:creationId xmlns:a16="http://schemas.microsoft.com/office/drawing/2014/main" id="{A6A0138E-481D-F682-50F5-FCF9BA3A60A7}"/>
+            </a:ext>
+          </a:extLst>
+        </p:cNvPr>
+        <p:cNvGrpSpPr/>
+        <p:nvPr/>
+      </p:nvGrpSpPr>
+      <p:grpSpPr>
+        <a:xfrm>
+          <a:off x="0" y="0"/>
+          <a:ext cx="0" cy="0"/>
+          <a:chOff x="0" y="0"/>
+          <a:chExt cx="0" cy="0"/>
+        </a:xfrm>
+      </p:grpSpPr>
+      <p:sp>
+        <p:nvSpPr>
+          <p:cNvPr id="2" name="TextBox 1">
+            <a:extLst>
+              <a:ext uri="{FF2B5EF4-FFF2-40B4-BE49-F238E27FC236}">
+                <a16:creationId xmlns:a16="http://schemas.microsoft.com/office/drawing/2014/main" id="{2C24910B-FE30-066C-56AD-E13229C35391}"/>
+              </a:ext>
+            </a:extLst>
+          </p:cNvPr>
+          <p:cNvSpPr txBox="1"/>
+          <p:nvPr/>
+        </p:nvSpPr>
+        <p:spPr>
+          <a:xfrm>
+            <a:off x="2271265" y="284876"/>
+            <a:ext cx="7536935" cy="707886"/>
+          </a:xfrm>
+          <a:prstGeom prst="rect">
+            <a:avLst/>
+          </a:prstGeom>
+          <a:noFill/>
+        </p:spPr>
+        <p:txBody>
+          <a:bodyPr wrap="none" rtlCol="0">
+            <a:spAutoFit/>
+          </a:bodyPr>
+          <a:lstStyle/>
+          <a:p>
+            <a:r>
+              <a:rPr lang="en-US" sz="4000" dirty="0"/>
+              <a:t>Project 3 Pin Diagram – LED Slave</a:t>
+            </a:r>
+          </a:p>
+        </p:txBody>
+      </p:sp>
+      <p:sp>
+        <p:nvSpPr>
+          <p:cNvPr id="8" name="Rectangle 7">
+            <a:extLst>
+              <a:ext uri="{FF2B5EF4-FFF2-40B4-BE49-F238E27FC236}">
+                <a16:creationId xmlns:a16="http://schemas.microsoft.com/office/drawing/2014/main" id="{555416B4-E10E-6269-2AA9-87F6FB524E4C}"/>
+              </a:ext>
+            </a:extLst>
+          </p:cNvPr>
+          <p:cNvSpPr/>
+          <p:nvPr/>
+        </p:nvSpPr>
+        <p:spPr>
+          <a:xfrm>
+            <a:off x="4651883" y="1860425"/>
+            <a:ext cx="2340591" cy="3899763"/>
+          </a:xfrm>
+          <a:prstGeom prst="rect">
+            <a:avLst/>
+          </a:prstGeom>
+          <a:solidFill>
+            <a:srgbClr val="C00000"/>
+          </a:solidFill>
+        </p:spPr>
+        <p:style>
+          <a:lnRef idx="2">
+            <a:schemeClr val="accent1">
+              <a:shade val="15000"/>
+            </a:schemeClr>
+          </a:lnRef>
+          <a:fillRef idx="1">
+            <a:schemeClr val="accent1"/>
+          </a:fillRef>
+          <a:effectRef idx="0">
+            <a:schemeClr val="accent1"/>
+          </a:effectRef>
+          <a:fontRef idx="minor">
+            <a:schemeClr val="lt1"/>
+          </a:fontRef>
+        </p:style>
+        <p:txBody>
+          <a:bodyPr rtlCol="0" anchor="ctr"/>
+          <a:lstStyle/>
+          <a:p>
+            <a:pPr algn="ctr"/>
+            <a:r>
+              <a:rPr lang="en-US" dirty="0"/>
+              <a:t>MSP430</a:t>
+            </a:r>
+          </a:p>
+        </p:txBody>
+      </p:sp>
+      <p:sp>
+        <p:nvSpPr>
+          <p:cNvPr id="146" name="TextBox 145">
+            <a:extLst>
+              <a:ext uri="{FF2B5EF4-FFF2-40B4-BE49-F238E27FC236}">
+                <a16:creationId xmlns:a16="http://schemas.microsoft.com/office/drawing/2014/main" id="{EC124724-CA11-C98B-DF30-E0E6A7024ACA}"/>
+              </a:ext>
+            </a:extLst>
+          </p:cNvPr>
+          <p:cNvSpPr txBox="1"/>
+          <p:nvPr/>
+        </p:nvSpPr>
+        <p:spPr>
+          <a:xfrm>
+            <a:off x="5467287" y="5401449"/>
+            <a:ext cx="679994" cy="369332"/>
+          </a:xfrm>
+          <a:prstGeom prst="rect">
+            <a:avLst/>
+          </a:prstGeom>
+          <a:noFill/>
+        </p:spPr>
+        <p:txBody>
+          <a:bodyPr wrap="none" rtlCol="0">
+            <a:spAutoFit/>
+          </a:bodyPr>
+          <a:lstStyle/>
+          <a:p>
+            <a:r>
+              <a:rPr lang="en-US" b="1" dirty="0"/>
+              <a:t>GND</a:t>
+            </a:r>
+          </a:p>
+        </p:txBody>
+      </p:sp>
+      <p:cxnSp>
+        <p:nvCxnSpPr>
+          <p:cNvPr id="147" name="Straight Connector 146">
+            <a:extLst>
+              <a:ext uri="{FF2B5EF4-FFF2-40B4-BE49-F238E27FC236}">
+                <a16:creationId xmlns:a16="http://schemas.microsoft.com/office/drawing/2014/main" id="{FF1CE471-5863-76D3-D63D-E339E2C58EA5}"/>
+              </a:ext>
+            </a:extLst>
+          </p:cNvPr>
+          <p:cNvCxnSpPr>
+            <a:cxnSpLocks/>
+          </p:cNvCxnSpPr>
+          <p:nvPr/>
+        </p:nvCxnSpPr>
+        <p:spPr>
+          <a:xfrm flipV="1">
+            <a:off x="5807284" y="5706748"/>
+            <a:ext cx="0" cy="321885"/>
+          </a:xfrm>
+          <a:prstGeom prst="line">
+            <a:avLst/>
+          </a:prstGeom>
+          <a:ln w="57150">
+            <a:solidFill>
+              <a:schemeClr val="tx1"/>
+            </a:solidFill>
+          </a:ln>
+        </p:spPr>
+        <p:style>
+          <a:lnRef idx="2">
+            <a:schemeClr val="accent1"/>
+          </a:lnRef>
+          <a:fillRef idx="0">
+            <a:schemeClr val="accent1"/>
+          </a:fillRef>
+          <a:effectRef idx="1">
+            <a:schemeClr val="accent1"/>
+          </a:effectRef>
+          <a:fontRef idx="minor">
+            <a:schemeClr val="tx1"/>
+          </a:fontRef>
+        </p:style>
+      </p:cxnSp>
+      <p:cxnSp>
+        <p:nvCxnSpPr>
+          <p:cNvPr id="148" name="Straight Connector 147">
+            <a:extLst>
+              <a:ext uri="{FF2B5EF4-FFF2-40B4-BE49-F238E27FC236}">
+                <a16:creationId xmlns:a16="http://schemas.microsoft.com/office/drawing/2014/main" id="{2821C5E0-9AFB-E899-E3F2-DD93FF2BEAA9}"/>
+              </a:ext>
+            </a:extLst>
+          </p:cNvPr>
+          <p:cNvCxnSpPr>
+            <a:cxnSpLocks/>
+          </p:cNvCxnSpPr>
+          <p:nvPr/>
+        </p:nvCxnSpPr>
+        <p:spPr>
+          <a:xfrm>
+            <a:off x="5658181" y="6028633"/>
+            <a:ext cx="280276" cy="0"/>
+          </a:xfrm>
+          <a:prstGeom prst="line">
+            <a:avLst/>
+          </a:prstGeom>
+          <a:ln w="57150">
+            <a:solidFill>
+              <a:schemeClr val="tx1"/>
+            </a:solidFill>
+          </a:ln>
+        </p:spPr>
+        <p:style>
+          <a:lnRef idx="2">
+            <a:schemeClr val="accent1"/>
+          </a:lnRef>
+          <a:fillRef idx="0">
+            <a:schemeClr val="accent1"/>
+          </a:fillRef>
+          <a:effectRef idx="1">
+            <a:schemeClr val="accent1"/>
+          </a:effectRef>
+          <a:fontRef idx="minor">
+            <a:schemeClr val="tx1"/>
+          </a:fontRef>
+        </p:style>
+      </p:cxnSp>
+      <p:cxnSp>
+        <p:nvCxnSpPr>
+          <p:cNvPr id="149" name="Straight Connector 148">
+            <a:extLst>
+              <a:ext uri="{FF2B5EF4-FFF2-40B4-BE49-F238E27FC236}">
+                <a16:creationId xmlns:a16="http://schemas.microsoft.com/office/drawing/2014/main" id="{CF1ECCA7-5C13-A551-9838-EA7397F66F73}"/>
+              </a:ext>
+            </a:extLst>
+          </p:cNvPr>
+          <p:cNvCxnSpPr>
+            <a:cxnSpLocks/>
+          </p:cNvCxnSpPr>
+          <p:nvPr/>
+        </p:nvCxnSpPr>
+        <p:spPr>
+          <a:xfrm>
+            <a:off x="5744544" y="6128024"/>
+            <a:ext cx="119344" cy="0"/>
+          </a:xfrm>
+          <a:prstGeom prst="line">
+            <a:avLst/>
+          </a:prstGeom>
+          <a:ln w="57150">
+            <a:solidFill>
+              <a:schemeClr val="tx1"/>
+            </a:solidFill>
+          </a:ln>
+        </p:spPr>
+        <p:style>
+          <a:lnRef idx="2">
+            <a:schemeClr val="accent1"/>
+          </a:lnRef>
+          <a:fillRef idx="0">
+            <a:schemeClr val="accent1"/>
+          </a:fillRef>
+          <a:effectRef idx="1">
+            <a:schemeClr val="accent1"/>
+          </a:effectRef>
+          <a:fontRef idx="minor">
+            <a:schemeClr val="tx1"/>
+          </a:fontRef>
+        </p:style>
+      </p:cxnSp>
+      <p:sp>
+        <p:nvSpPr>
+          <p:cNvPr id="155" name="TextBox 154">
+            <a:extLst>
+              <a:ext uri="{FF2B5EF4-FFF2-40B4-BE49-F238E27FC236}">
+                <a16:creationId xmlns:a16="http://schemas.microsoft.com/office/drawing/2014/main" id="{61B29970-62B9-DFB5-21FB-125DB6F116A8}"/>
+              </a:ext>
+            </a:extLst>
+          </p:cNvPr>
+          <p:cNvSpPr txBox="1"/>
+          <p:nvPr/>
+        </p:nvSpPr>
+        <p:spPr>
+          <a:xfrm>
+            <a:off x="5465805" y="1896947"/>
+            <a:ext cx="648575" cy="369332"/>
+          </a:xfrm>
+          <a:prstGeom prst="rect">
+            <a:avLst/>
+          </a:prstGeom>
+          <a:noFill/>
+        </p:spPr>
+        <p:txBody>
+          <a:bodyPr wrap="none" rtlCol="0">
+            <a:spAutoFit/>
+          </a:bodyPr>
+          <a:lstStyle/>
+          <a:p>
+            <a:r>
+              <a:rPr lang="en-US" b="1" dirty="0"/>
+              <a:t>VCC</a:t>
+            </a:r>
+          </a:p>
+        </p:txBody>
+      </p:sp>
+      <p:cxnSp>
+        <p:nvCxnSpPr>
+          <p:cNvPr id="156" name="Straight Connector 155">
+            <a:extLst>
+              <a:ext uri="{FF2B5EF4-FFF2-40B4-BE49-F238E27FC236}">
+                <a16:creationId xmlns:a16="http://schemas.microsoft.com/office/drawing/2014/main" id="{9F962D76-AC2C-907B-B3DD-D5805642D285}"/>
+              </a:ext>
+            </a:extLst>
+          </p:cNvPr>
+          <p:cNvCxnSpPr>
+            <a:cxnSpLocks/>
+          </p:cNvCxnSpPr>
+          <p:nvPr/>
+        </p:nvCxnSpPr>
+        <p:spPr>
+          <a:xfrm flipV="1">
+            <a:off x="5807284" y="1495057"/>
+            <a:ext cx="0" cy="446685"/>
+          </a:xfrm>
+          <a:prstGeom prst="line">
+            <a:avLst/>
+          </a:prstGeom>
+          <a:ln w="57150">
+            <a:solidFill>
+              <a:srgbClr val="FF0000"/>
+            </a:solidFill>
+          </a:ln>
+        </p:spPr>
+        <p:style>
+          <a:lnRef idx="2">
+            <a:schemeClr val="accent1"/>
+          </a:lnRef>
+          <a:fillRef idx="0">
+            <a:schemeClr val="accent1"/>
+          </a:fillRef>
+          <a:effectRef idx="1">
+            <a:schemeClr val="accent1"/>
+          </a:effectRef>
+          <a:fontRef idx="minor">
+            <a:schemeClr val="tx1"/>
+          </a:fontRef>
+        </p:style>
+      </p:cxnSp>
+      <p:sp>
+        <p:nvSpPr>
+          <p:cNvPr id="157" name="TextBox 156">
+            <a:extLst>
+              <a:ext uri="{FF2B5EF4-FFF2-40B4-BE49-F238E27FC236}">
+                <a16:creationId xmlns:a16="http://schemas.microsoft.com/office/drawing/2014/main" id="{BFB703C3-52BE-7C22-CEF3-728E2A8D8945}"/>
+              </a:ext>
+            </a:extLst>
+          </p:cNvPr>
+          <p:cNvSpPr txBox="1"/>
+          <p:nvPr/>
+        </p:nvSpPr>
+        <p:spPr>
+          <a:xfrm>
+            <a:off x="5590654" y="1189903"/>
+            <a:ext cx="450764" cy="369332"/>
+          </a:xfrm>
+          <a:prstGeom prst="rect">
+            <a:avLst/>
+          </a:prstGeom>
+          <a:noFill/>
+        </p:spPr>
+        <p:txBody>
+          <a:bodyPr wrap="none" rtlCol="0">
+            <a:spAutoFit/>
+          </a:bodyPr>
+          <a:lstStyle/>
+          <a:p>
+            <a:r>
+              <a:rPr lang="en-US" b="1" dirty="0"/>
+              <a:t>5V</a:t>
+            </a:r>
+          </a:p>
+        </p:txBody>
+      </p:sp>
+      <p:cxnSp>
+        <p:nvCxnSpPr>
+          <p:cNvPr id="158" name="Straight Connector 157">
+            <a:extLst>
+              <a:ext uri="{FF2B5EF4-FFF2-40B4-BE49-F238E27FC236}">
+                <a16:creationId xmlns:a16="http://schemas.microsoft.com/office/drawing/2014/main" id="{56BD896F-E064-E0E2-6814-FBFCA6E75124}"/>
+              </a:ext>
+            </a:extLst>
+          </p:cNvPr>
+          <p:cNvCxnSpPr>
+            <a:cxnSpLocks/>
+          </p:cNvCxnSpPr>
+          <p:nvPr/>
+        </p:nvCxnSpPr>
+        <p:spPr>
+          <a:xfrm flipH="1" flipV="1">
+            <a:off x="5816295" y="1513802"/>
+            <a:ext cx="114300" cy="155969"/>
+          </a:xfrm>
+          <a:prstGeom prst="line">
+            <a:avLst/>
+          </a:prstGeom>
+          <a:ln w="57150">
+            <a:solidFill>
+              <a:srgbClr val="FF0000"/>
+            </a:solidFill>
+          </a:ln>
+        </p:spPr>
+        <p:style>
+          <a:lnRef idx="2">
+            <a:schemeClr val="accent1"/>
+          </a:lnRef>
+          <a:fillRef idx="0">
+            <a:schemeClr val="accent1"/>
+          </a:fillRef>
+          <a:effectRef idx="1">
+            <a:schemeClr val="accent1"/>
+          </a:effectRef>
+          <a:fontRef idx="minor">
+            <a:schemeClr val="tx1"/>
+          </a:fontRef>
+        </p:style>
+      </p:cxnSp>
+      <p:cxnSp>
+        <p:nvCxnSpPr>
+          <p:cNvPr id="159" name="Straight Connector 158">
+            <a:extLst>
+              <a:ext uri="{FF2B5EF4-FFF2-40B4-BE49-F238E27FC236}">
+                <a16:creationId xmlns:a16="http://schemas.microsoft.com/office/drawing/2014/main" id="{54B77810-FA98-550C-29C1-3610ECB4CFA1}"/>
+              </a:ext>
+            </a:extLst>
+          </p:cNvPr>
+          <p:cNvCxnSpPr>
+            <a:cxnSpLocks/>
+          </p:cNvCxnSpPr>
+          <p:nvPr/>
+        </p:nvCxnSpPr>
+        <p:spPr>
+          <a:xfrm flipV="1">
+            <a:off x="5687269" y="1513802"/>
+            <a:ext cx="111005" cy="155969"/>
+          </a:xfrm>
+          <a:prstGeom prst="line">
+            <a:avLst/>
+          </a:prstGeom>
+          <a:ln w="57150">
+            <a:solidFill>
+              <a:srgbClr val="FF0000"/>
+            </a:solidFill>
+          </a:ln>
+        </p:spPr>
+        <p:style>
+          <a:lnRef idx="2">
+            <a:schemeClr val="accent1"/>
+          </a:lnRef>
+          <a:fillRef idx="0">
+            <a:schemeClr val="accent1"/>
+          </a:fillRef>
+          <a:effectRef idx="1">
+            <a:schemeClr val="accent1"/>
+          </a:effectRef>
+          <a:fontRef idx="minor">
+            <a:schemeClr val="tx1"/>
+          </a:fontRef>
+        </p:style>
+      </p:cxnSp>
       <p:pic>
         <p:nvPicPr>
           <p:cNvPr id="72" name="Picture 71">
             <a:extLst>
               <a:ext uri="{FF2B5EF4-FFF2-40B4-BE49-F238E27FC236}">
-                <a16:creationId xmlns:a16="http://schemas.microsoft.com/office/drawing/2014/main" id="{8A3BD672-AA16-90B4-A485-F1D8B0DCB217}"/>
+                <a16:creationId xmlns:a16="http://schemas.microsoft.com/office/drawing/2014/main" id="{9F108290-F84A-37F0-03F0-E8C0C4F41E20}"/>
               </a:ext>
             </a:extLst>
           </p:cNvPr>
@@ -5094,7 +5695,7 @@
         </p:blipFill>
         <p:spPr>
           <a:xfrm flipH="1">
-            <a:off x="2979603" y="3839479"/>
+            <a:off x="4112279" y="3562210"/>
             <a:ext cx="339589" cy="369332"/>
           </a:xfrm>
           <a:prstGeom prst="rect">
@@ -5107,7 +5708,7 @@
           <p:cNvPr id="96" name="TextBox 95">
             <a:extLst>
               <a:ext uri="{FF2B5EF4-FFF2-40B4-BE49-F238E27FC236}">
-                <a16:creationId xmlns:a16="http://schemas.microsoft.com/office/drawing/2014/main" id="{663CE2E1-7CE1-3AE8-4889-34082B970725}"/>
+                <a16:creationId xmlns:a16="http://schemas.microsoft.com/office/drawing/2014/main" id="{3F39034F-F80F-3F94-2AC5-CCEFED75CA30}"/>
               </a:ext>
             </a:extLst>
           </p:cNvPr>
@@ -5116,7 +5717,7 @@
         </p:nvSpPr>
         <p:spPr>
           <a:xfrm>
-            <a:off x="3535083" y="4147248"/>
+            <a:off x="4667759" y="3869979"/>
             <a:ext cx="639919" cy="369332"/>
           </a:xfrm>
           <a:prstGeom prst="rect">
@@ -5142,7 +5743,7 @@
           <p:cNvPr id="99" name="TextBox 98">
             <a:extLst>
               <a:ext uri="{FF2B5EF4-FFF2-40B4-BE49-F238E27FC236}">
-                <a16:creationId xmlns:a16="http://schemas.microsoft.com/office/drawing/2014/main" id="{1E5A6346-CF17-AEB7-4230-EDC82801251E}"/>
+                <a16:creationId xmlns:a16="http://schemas.microsoft.com/office/drawing/2014/main" id="{AFC62121-C63F-A07C-B307-B2575CDD4FF0}"/>
               </a:ext>
             </a:extLst>
           </p:cNvPr>
@@ -5151,7 +5752,7 @@
         </p:nvSpPr>
         <p:spPr>
           <a:xfrm>
-            <a:off x="3534789" y="4372773"/>
+            <a:off x="4667465" y="4095504"/>
             <a:ext cx="639919" cy="369332"/>
           </a:xfrm>
           <a:prstGeom prst="rect">
@@ -5177,7 +5778,7 @@
           <p:cNvPr id="109" name="TextBox 108">
             <a:extLst>
               <a:ext uri="{FF2B5EF4-FFF2-40B4-BE49-F238E27FC236}">
-                <a16:creationId xmlns:a16="http://schemas.microsoft.com/office/drawing/2014/main" id="{0E7BE731-07EC-7A6C-4DE4-A69522166B7E}"/>
+                <a16:creationId xmlns:a16="http://schemas.microsoft.com/office/drawing/2014/main" id="{54B698A9-4621-679A-CBBC-3C172C91EE16}"/>
               </a:ext>
             </a:extLst>
           </p:cNvPr>
@@ -5186,7 +5787,7 @@
         </p:nvSpPr>
         <p:spPr>
           <a:xfrm>
-            <a:off x="3533415" y="4610413"/>
+            <a:off x="4666091" y="4333144"/>
             <a:ext cx="639919" cy="369332"/>
           </a:xfrm>
           <a:prstGeom prst="rect">
@@ -5212,7 +5813,7 @@
           <p:cNvPr id="112" name="TextBox 111">
             <a:extLst>
               <a:ext uri="{FF2B5EF4-FFF2-40B4-BE49-F238E27FC236}">
-                <a16:creationId xmlns:a16="http://schemas.microsoft.com/office/drawing/2014/main" id="{083D61CE-3870-20F3-523E-000202DDFA5F}"/>
+                <a16:creationId xmlns:a16="http://schemas.microsoft.com/office/drawing/2014/main" id="{84CBE59F-0144-5BA3-1A78-6B2E0E27F214}"/>
               </a:ext>
             </a:extLst>
           </p:cNvPr>
@@ -5221,7 +5822,7 @@
         </p:nvSpPr>
         <p:spPr>
           <a:xfrm>
-            <a:off x="3528417" y="4836023"/>
+            <a:off x="4661093" y="4558754"/>
             <a:ext cx="639919" cy="369332"/>
           </a:xfrm>
           <a:prstGeom prst="rect">
@@ -5247,7 +5848,7 @@
           <p:cNvPr id="113" name="TextBox 112">
             <a:extLst>
               <a:ext uri="{FF2B5EF4-FFF2-40B4-BE49-F238E27FC236}">
-                <a16:creationId xmlns:a16="http://schemas.microsoft.com/office/drawing/2014/main" id="{E607DDD0-22E2-2BE7-39D9-3B9663F34205}"/>
+                <a16:creationId xmlns:a16="http://schemas.microsoft.com/office/drawing/2014/main" id="{BA2A60EA-C0B6-7828-83FF-E3D6C6067F4D}"/>
               </a:ext>
             </a:extLst>
           </p:cNvPr>
@@ -5256,7 +5857,7 @@
         </p:nvSpPr>
         <p:spPr>
           <a:xfrm>
-            <a:off x="3540002" y="3916190"/>
+            <a:off x="4672678" y="3638921"/>
             <a:ext cx="639919" cy="369332"/>
           </a:xfrm>
           <a:prstGeom prst="rect">
@@ -5282,7 +5883,7 @@
           <p:cNvPr id="114" name="TextBox 113">
             <a:extLst>
               <a:ext uri="{FF2B5EF4-FFF2-40B4-BE49-F238E27FC236}">
-                <a16:creationId xmlns:a16="http://schemas.microsoft.com/office/drawing/2014/main" id="{FC46E518-E1BF-AD35-EA88-ECCD408E318B}"/>
+                <a16:creationId xmlns:a16="http://schemas.microsoft.com/office/drawing/2014/main" id="{C024E9E5-7B07-7539-C1D5-C49413C1F33E}"/>
               </a:ext>
             </a:extLst>
           </p:cNvPr>
@@ -5291,7 +5892,7 @@
         </p:nvSpPr>
         <p:spPr>
           <a:xfrm>
-            <a:off x="3528202" y="5060661"/>
+            <a:off x="4660878" y="4783392"/>
             <a:ext cx="639919" cy="369332"/>
           </a:xfrm>
           <a:prstGeom prst="rect">
@@ -5317,7 +5918,7 @@
           <p:cNvPr id="122" name="Picture 4">
             <a:extLst>
               <a:ext uri="{FF2B5EF4-FFF2-40B4-BE49-F238E27FC236}">
-                <a16:creationId xmlns:a16="http://schemas.microsoft.com/office/drawing/2014/main" id="{AE578B82-C184-E7C7-018B-8D4DA76E795B}"/>
+                <a16:creationId xmlns:a16="http://schemas.microsoft.com/office/drawing/2014/main" id="{4DAA04EC-2C6D-B8D8-7F39-B05B76E6351B}"/>
               </a:ext>
             </a:extLst>
           </p:cNvPr>
@@ -5341,7 +5942,7 @@
         </p:blipFill>
         <p:spPr bwMode="auto">
           <a:xfrm>
-            <a:off x="2312864" y="3957768"/>
+            <a:off x="3445540" y="3680499"/>
             <a:ext cx="762000" cy="285750"/>
           </a:xfrm>
           <a:prstGeom prst="rect">
@@ -5364,7 +5965,7 @@
           <p:cNvPr id="125" name="Straight Connector 124">
             <a:extLst>
               <a:ext uri="{FF2B5EF4-FFF2-40B4-BE49-F238E27FC236}">
-                <a16:creationId xmlns:a16="http://schemas.microsoft.com/office/drawing/2014/main" id="{F9F7D47C-AB75-EF35-2707-1EB43C24BF3E}"/>
+                <a16:creationId xmlns:a16="http://schemas.microsoft.com/office/drawing/2014/main" id="{E94E6CA5-493D-023A-7474-CC3C1E15672D}"/>
               </a:ext>
             </a:extLst>
           </p:cNvPr>
@@ -5375,7 +5976,7 @@
         </p:nvCxnSpPr>
         <p:spPr>
           <a:xfrm>
-            <a:off x="3319192" y="4102644"/>
+            <a:off x="4451868" y="3825375"/>
             <a:ext cx="271137" cy="0"/>
           </a:xfrm>
           <a:prstGeom prst="line">
@@ -5407,7 +6008,7 @@
           <p:cNvPr id="127" name="Picture 126">
             <a:extLst>
               <a:ext uri="{FF2B5EF4-FFF2-40B4-BE49-F238E27FC236}">
-                <a16:creationId xmlns:a16="http://schemas.microsoft.com/office/drawing/2014/main" id="{4935B89C-48FF-F9AF-DC0D-33B6BC323D32}"/>
+                <a16:creationId xmlns:a16="http://schemas.microsoft.com/office/drawing/2014/main" id="{93BC881A-D7D7-F243-36D0-238D12EF0DC3}"/>
               </a:ext>
             </a:extLst>
           </p:cNvPr>
@@ -5431,7 +6032,7 @@
         </p:blipFill>
         <p:spPr>
           <a:xfrm flipH="1">
-            <a:off x="2978621" y="4062667"/>
+            <a:off x="4111297" y="3785398"/>
             <a:ext cx="339589" cy="369332"/>
           </a:xfrm>
           <a:prstGeom prst="rect">
@@ -5444,7 +6045,7 @@
           <p:cNvPr id="132" name="Picture 4">
             <a:extLst>
               <a:ext uri="{FF2B5EF4-FFF2-40B4-BE49-F238E27FC236}">
-                <a16:creationId xmlns:a16="http://schemas.microsoft.com/office/drawing/2014/main" id="{8AD01509-CBCE-48A7-CC94-647122DB12F8}"/>
+                <a16:creationId xmlns:a16="http://schemas.microsoft.com/office/drawing/2014/main" id="{D18E097E-7DBA-2A80-2300-C4C308B2AB08}"/>
               </a:ext>
             </a:extLst>
           </p:cNvPr>
@@ -5468,7 +6069,7 @@
         </p:blipFill>
         <p:spPr bwMode="auto">
           <a:xfrm>
-            <a:off x="2311882" y="4180956"/>
+            <a:off x="3444558" y="3903687"/>
             <a:ext cx="762000" cy="285750"/>
           </a:xfrm>
           <a:prstGeom prst="rect">
@@ -5491,7 +6092,7 @@
           <p:cNvPr id="135" name="Straight Connector 134">
             <a:extLst>
               <a:ext uri="{FF2B5EF4-FFF2-40B4-BE49-F238E27FC236}">
-                <a16:creationId xmlns:a16="http://schemas.microsoft.com/office/drawing/2014/main" id="{164777E3-A74D-D94F-AAA2-867EA820A944}"/>
+                <a16:creationId xmlns:a16="http://schemas.microsoft.com/office/drawing/2014/main" id="{A238D513-ED34-5D70-04FF-08AC62C1B1BD}"/>
               </a:ext>
             </a:extLst>
           </p:cNvPr>
@@ -5502,7 +6103,7 @@
         </p:nvCxnSpPr>
         <p:spPr>
           <a:xfrm>
-            <a:off x="3318210" y="4325832"/>
+            <a:off x="4450886" y="4048563"/>
             <a:ext cx="271137" cy="0"/>
           </a:xfrm>
           <a:prstGeom prst="line">
@@ -5534,7 +6135,7 @@
           <p:cNvPr id="143" name="Picture 142">
             <a:extLst>
               <a:ext uri="{FF2B5EF4-FFF2-40B4-BE49-F238E27FC236}">
-                <a16:creationId xmlns:a16="http://schemas.microsoft.com/office/drawing/2014/main" id="{F079838A-4174-5CB2-A16F-D1EAFAEAD90B}"/>
+                <a16:creationId xmlns:a16="http://schemas.microsoft.com/office/drawing/2014/main" id="{570E2CA7-4577-47E2-6A5F-9FAE710C30F3}"/>
               </a:ext>
             </a:extLst>
           </p:cNvPr>
@@ -5558,7 +6159,7 @@
         </p:blipFill>
         <p:spPr>
           <a:xfrm flipH="1">
-            <a:off x="2977639" y="4285855"/>
+            <a:off x="4110315" y="4008586"/>
             <a:ext cx="339589" cy="369332"/>
           </a:xfrm>
           <a:prstGeom prst="rect">
@@ -5571,7 +6172,7 @@
           <p:cNvPr id="150" name="Picture 4">
             <a:extLst>
               <a:ext uri="{FF2B5EF4-FFF2-40B4-BE49-F238E27FC236}">
-                <a16:creationId xmlns:a16="http://schemas.microsoft.com/office/drawing/2014/main" id="{CB623A85-1E40-EC74-7C4E-16FA968F3BA2}"/>
+                <a16:creationId xmlns:a16="http://schemas.microsoft.com/office/drawing/2014/main" id="{89D143A6-A5C0-291A-737D-A39B6DF7B26C}"/>
               </a:ext>
             </a:extLst>
           </p:cNvPr>
@@ -5595,7 +6196,7 @@
         </p:blipFill>
         <p:spPr bwMode="auto">
           <a:xfrm>
-            <a:off x="2310900" y="4404144"/>
+            <a:off x="3443576" y="4126875"/>
             <a:ext cx="762000" cy="285750"/>
           </a:xfrm>
           <a:prstGeom prst="rect">
@@ -5618,7 +6219,7 @@
           <p:cNvPr id="151" name="Straight Connector 150">
             <a:extLst>
               <a:ext uri="{FF2B5EF4-FFF2-40B4-BE49-F238E27FC236}">
-                <a16:creationId xmlns:a16="http://schemas.microsoft.com/office/drawing/2014/main" id="{80E78921-8BB4-6586-46F5-EE996F01699B}"/>
+                <a16:creationId xmlns:a16="http://schemas.microsoft.com/office/drawing/2014/main" id="{C58884CA-F596-6A5C-A369-2D5F176A7619}"/>
               </a:ext>
             </a:extLst>
           </p:cNvPr>
@@ -5629,7 +6230,7 @@
         </p:nvCxnSpPr>
         <p:spPr>
           <a:xfrm>
-            <a:off x="3317228" y="4549020"/>
+            <a:off x="4449904" y="4271751"/>
             <a:ext cx="271137" cy="0"/>
           </a:xfrm>
           <a:prstGeom prst="line">
@@ -5661,7 +6262,7 @@
           <p:cNvPr id="152" name="Picture 151">
             <a:extLst>
               <a:ext uri="{FF2B5EF4-FFF2-40B4-BE49-F238E27FC236}">
-                <a16:creationId xmlns:a16="http://schemas.microsoft.com/office/drawing/2014/main" id="{C0687686-C640-1A17-FD83-625F50755F5C}"/>
+                <a16:creationId xmlns:a16="http://schemas.microsoft.com/office/drawing/2014/main" id="{92330EB7-BD86-3B3A-B79A-6D11EA19E25E}"/>
               </a:ext>
             </a:extLst>
           </p:cNvPr>
@@ -5685,7 +6286,7 @@
         </p:blipFill>
         <p:spPr>
           <a:xfrm flipH="1">
-            <a:off x="2976657" y="4509043"/>
+            <a:off x="4109333" y="4231774"/>
             <a:ext cx="339589" cy="369332"/>
           </a:xfrm>
           <a:prstGeom prst="rect">
@@ -5698,7 +6299,7 @@
           <p:cNvPr id="153" name="Picture 4">
             <a:extLst>
               <a:ext uri="{FF2B5EF4-FFF2-40B4-BE49-F238E27FC236}">
-                <a16:creationId xmlns:a16="http://schemas.microsoft.com/office/drawing/2014/main" id="{3B7834BD-4C79-BE0C-5A87-4294B3C2F62C}"/>
+                <a16:creationId xmlns:a16="http://schemas.microsoft.com/office/drawing/2014/main" id="{29033DD0-42AC-E2AE-48C5-CF7CE5322F87}"/>
               </a:ext>
             </a:extLst>
           </p:cNvPr>
@@ -5722,7 +6323,7 @@
         </p:blipFill>
         <p:spPr bwMode="auto">
           <a:xfrm>
-            <a:off x="2309918" y="4627332"/>
+            <a:off x="3442594" y="4350063"/>
             <a:ext cx="762000" cy="285750"/>
           </a:xfrm>
           <a:prstGeom prst="rect">
@@ -5745,7 +6346,7 @@
           <p:cNvPr id="154" name="Straight Connector 153">
             <a:extLst>
               <a:ext uri="{FF2B5EF4-FFF2-40B4-BE49-F238E27FC236}">
-                <a16:creationId xmlns:a16="http://schemas.microsoft.com/office/drawing/2014/main" id="{1A43E890-6E6B-85BD-6805-6477CC02FD55}"/>
+                <a16:creationId xmlns:a16="http://schemas.microsoft.com/office/drawing/2014/main" id="{5BF96081-A275-4608-796C-15DC150DFE37}"/>
               </a:ext>
             </a:extLst>
           </p:cNvPr>
@@ -5756,7 +6357,7 @@
         </p:nvCxnSpPr>
         <p:spPr>
           <a:xfrm>
-            <a:off x="3316246" y="4772208"/>
+            <a:off x="4448922" y="4494939"/>
             <a:ext cx="271137" cy="0"/>
           </a:xfrm>
           <a:prstGeom prst="line">
@@ -5788,7 +6389,7 @@
           <p:cNvPr id="160" name="Picture 159">
             <a:extLst>
               <a:ext uri="{FF2B5EF4-FFF2-40B4-BE49-F238E27FC236}">
-                <a16:creationId xmlns:a16="http://schemas.microsoft.com/office/drawing/2014/main" id="{2BE66068-ECC2-3CEA-3068-3FC45F8B2018}"/>
+                <a16:creationId xmlns:a16="http://schemas.microsoft.com/office/drawing/2014/main" id="{72F9A3C2-D393-9855-E168-4CE580AD9088}"/>
               </a:ext>
             </a:extLst>
           </p:cNvPr>
@@ -5812,7 +6413,7 @@
         </p:blipFill>
         <p:spPr>
           <a:xfrm flipH="1">
-            <a:off x="2975675" y="4732231"/>
+            <a:off x="4108351" y="4454962"/>
             <a:ext cx="339589" cy="369332"/>
           </a:xfrm>
           <a:prstGeom prst="rect">
@@ -5825,7 +6426,7 @@
           <p:cNvPr id="161" name="Picture 4">
             <a:extLst>
               <a:ext uri="{FF2B5EF4-FFF2-40B4-BE49-F238E27FC236}">
-                <a16:creationId xmlns:a16="http://schemas.microsoft.com/office/drawing/2014/main" id="{1266EDD8-A7C8-1B2E-A5EB-9EDEC8413551}"/>
+                <a16:creationId xmlns:a16="http://schemas.microsoft.com/office/drawing/2014/main" id="{4A776240-242C-2237-F249-7FAA02548D24}"/>
               </a:ext>
             </a:extLst>
           </p:cNvPr>
@@ -5849,7 +6450,7 @@
         </p:blipFill>
         <p:spPr bwMode="auto">
           <a:xfrm>
-            <a:off x="2308936" y="4850520"/>
+            <a:off x="3441612" y="4573251"/>
             <a:ext cx="762000" cy="285750"/>
           </a:xfrm>
           <a:prstGeom prst="rect">
@@ -5872,7 +6473,7 @@
           <p:cNvPr id="162" name="Straight Connector 161">
             <a:extLst>
               <a:ext uri="{FF2B5EF4-FFF2-40B4-BE49-F238E27FC236}">
-                <a16:creationId xmlns:a16="http://schemas.microsoft.com/office/drawing/2014/main" id="{7ED1ECA9-0E75-14AA-4D3D-F2490799BF21}"/>
+                <a16:creationId xmlns:a16="http://schemas.microsoft.com/office/drawing/2014/main" id="{D6D74F24-EA05-E63F-5ACE-124F01D049DA}"/>
               </a:ext>
             </a:extLst>
           </p:cNvPr>
@@ -5883,7 +6484,7 @@
         </p:nvCxnSpPr>
         <p:spPr>
           <a:xfrm>
-            <a:off x="3315264" y="4995396"/>
+            <a:off x="4447940" y="4718127"/>
             <a:ext cx="271137" cy="0"/>
           </a:xfrm>
           <a:prstGeom prst="line">
@@ -5915,7 +6516,7 @@
           <p:cNvPr id="163" name="Picture 162">
             <a:extLst>
               <a:ext uri="{FF2B5EF4-FFF2-40B4-BE49-F238E27FC236}">
-                <a16:creationId xmlns:a16="http://schemas.microsoft.com/office/drawing/2014/main" id="{FCF23327-EA08-565B-1A2C-0293FF7F47DF}"/>
+                <a16:creationId xmlns:a16="http://schemas.microsoft.com/office/drawing/2014/main" id="{FC834858-3FF2-CF65-63C0-11DEE44C33FF}"/>
               </a:ext>
             </a:extLst>
           </p:cNvPr>
@@ -5939,7 +6540,7 @@
         </p:blipFill>
         <p:spPr>
           <a:xfrm flipH="1">
-            <a:off x="2974693" y="4955419"/>
+            <a:off x="4107369" y="4678150"/>
             <a:ext cx="339589" cy="369332"/>
           </a:xfrm>
           <a:prstGeom prst="rect">
@@ -5952,7 +6553,7 @@
           <p:cNvPr id="164" name="Picture 4">
             <a:extLst>
               <a:ext uri="{FF2B5EF4-FFF2-40B4-BE49-F238E27FC236}">
-                <a16:creationId xmlns:a16="http://schemas.microsoft.com/office/drawing/2014/main" id="{B9813A80-4887-8D34-2E1F-E0E4181D21BC}"/>
+                <a16:creationId xmlns:a16="http://schemas.microsoft.com/office/drawing/2014/main" id="{0607684D-C584-73B8-8F49-EE53A8C466F2}"/>
               </a:ext>
             </a:extLst>
           </p:cNvPr>
@@ -5976,7 +6577,7 @@
         </p:blipFill>
         <p:spPr bwMode="auto">
           <a:xfrm>
-            <a:off x="2307954" y="5073708"/>
+            <a:off x="3440630" y="4796439"/>
             <a:ext cx="762000" cy="285750"/>
           </a:xfrm>
           <a:prstGeom prst="rect">
@@ -5999,7 +6600,7 @@
           <p:cNvPr id="165" name="Straight Connector 164">
             <a:extLst>
               <a:ext uri="{FF2B5EF4-FFF2-40B4-BE49-F238E27FC236}">
-                <a16:creationId xmlns:a16="http://schemas.microsoft.com/office/drawing/2014/main" id="{51BAFD11-B058-AC73-7915-661D9CD59BB5}"/>
+                <a16:creationId xmlns:a16="http://schemas.microsoft.com/office/drawing/2014/main" id="{52D32DC4-B510-FDBF-DBEC-FA70294A1762}"/>
               </a:ext>
             </a:extLst>
           </p:cNvPr>
@@ -6010,7 +6611,7 @@
         </p:nvCxnSpPr>
         <p:spPr>
           <a:xfrm>
-            <a:off x="3314282" y="5218584"/>
+            <a:off x="4446958" y="4941315"/>
             <a:ext cx="271137" cy="0"/>
           </a:xfrm>
           <a:prstGeom prst="line">
@@ -6042,7 +6643,7 @@
           <p:cNvPr id="172" name="Straight Connector 171">
             <a:extLst>
               <a:ext uri="{FF2B5EF4-FFF2-40B4-BE49-F238E27FC236}">
-                <a16:creationId xmlns:a16="http://schemas.microsoft.com/office/drawing/2014/main" id="{5A8BB0FF-9C9B-A1FD-0554-1230F239305F}"/>
+                <a16:creationId xmlns:a16="http://schemas.microsoft.com/office/drawing/2014/main" id="{CE086583-C834-8E7E-28EC-C149FBDE862D}"/>
               </a:ext>
             </a:extLst>
           </p:cNvPr>
@@ -6053,7 +6654,7 @@
         </p:nvCxnSpPr>
         <p:spPr>
           <a:xfrm flipH="1" flipV="1">
-            <a:off x="2372100" y="4069855"/>
+            <a:off x="3504776" y="3792586"/>
             <a:ext cx="9376" cy="1904676"/>
           </a:xfrm>
           <a:prstGeom prst="line">
@@ -6085,7 +6686,7 @@
           <p:cNvPr id="173" name="Straight Connector 172">
             <a:extLst>
               <a:ext uri="{FF2B5EF4-FFF2-40B4-BE49-F238E27FC236}">
-                <a16:creationId xmlns:a16="http://schemas.microsoft.com/office/drawing/2014/main" id="{E672D7EF-EF4B-8672-AFFC-3582887E0CEE}"/>
+                <a16:creationId xmlns:a16="http://schemas.microsoft.com/office/drawing/2014/main" id="{2FA1CD0C-C328-4892-8EB1-76CC001E1B76}"/>
               </a:ext>
             </a:extLst>
           </p:cNvPr>
@@ -6096,7 +6697,7 @@
         </p:nvCxnSpPr>
         <p:spPr>
           <a:xfrm>
-            <a:off x="2232373" y="5974531"/>
+            <a:off x="3365049" y="5697262"/>
             <a:ext cx="280276" cy="0"/>
           </a:xfrm>
           <a:prstGeom prst="line">
@@ -6128,7 +6729,7 @@
           <p:cNvPr id="174" name="Straight Connector 173">
             <a:extLst>
               <a:ext uri="{FF2B5EF4-FFF2-40B4-BE49-F238E27FC236}">
-                <a16:creationId xmlns:a16="http://schemas.microsoft.com/office/drawing/2014/main" id="{51DAAF03-88DA-9111-A25A-FB93864C72F7}"/>
+                <a16:creationId xmlns:a16="http://schemas.microsoft.com/office/drawing/2014/main" id="{238A8364-2C8C-1A7C-460B-9C33B192FBA3}"/>
               </a:ext>
             </a:extLst>
           </p:cNvPr>
@@ -6139,7 +6740,7 @@
         </p:nvCxnSpPr>
         <p:spPr>
           <a:xfrm>
-            <a:off x="2318736" y="6073922"/>
+            <a:off x="3451412" y="5796653"/>
             <a:ext cx="119344" cy="0"/>
           </a:xfrm>
           <a:prstGeom prst="line">
@@ -6168,10 +6769,2101 @@
       </p:cxnSp>
       <p:pic>
         <p:nvPicPr>
-          <p:cNvPr id="180" name="Picture 179">
-            <a:extLst>
-              <a:ext uri="{FF2B5EF4-FFF2-40B4-BE49-F238E27FC236}">
-                <a16:creationId xmlns:a16="http://schemas.microsoft.com/office/drawing/2014/main" id="{4C7E04D0-6D66-8E5B-5C31-FBEA82E0AD0B}"/>
+          <p:cNvPr id="4" name="Picture 3">
+            <a:extLst>
+              <a:ext uri="{FF2B5EF4-FFF2-40B4-BE49-F238E27FC236}">
+                <a16:creationId xmlns:a16="http://schemas.microsoft.com/office/drawing/2014/main" id="{1FA1BE5D-1818-F9D4-3A6A-CEC1BE08A1A3}"/>
+              </a:ext>
+            </a:extLst>
+          </p:cNvPr>
+          <p:cNvPicPr>
+            <a:picLocks noChangeAspect="1"/>
+          </p:cNvPicPr>
+          <p:nvPr/>
+        </p:nvPicPr>
+        <p:blipFill>
+          <a:blip r:embed="rId2">
+            <a:duotone>
+              <a:schemeClr val="accent3">
+                <a:shade val="45000"/>
+                <a:satMod val="135000"/>
+              </a:schemeClr>
+              <a:prstClr val="white"/>
+            </a:duotone>
+          </a:blip>
+          <a:srcRect l="20829" r="19585"/>
+          <a:stretch/>
+        </p:blipFill>
+        <p:spPr>
+          <a:xfrm>
+            <a:off x="7178622" y="4378377"/>
+            <a:ext cx="564627" cy="637680"/>
+          </a:xfrm>
+          <a:prstGeom prst="rect">
+            <a:avLst/>
+          </a:prstGeom>
+        </p:spPr>
+      </p:pic>
+      <p:pic>
+        <p:nvPicPr>
+          <p:cNvPr id="5" name="Picture 4">
+            <a:extLst>
+              <a:ext uri="{FF2B5EF4-FFF2-40B4-BE49-F238E27FC236}">
+                <a16:creationId xmlns:a16="http://schemas.microsoft.com/office/drawing/2014/main" id="{91FAF6F4-27CF-7ADD-CB7C-DB9D2C4A5BC6}"/>
+              </a:ext>
+            </a:extLst>
+          </p:cNvPr>
+          <p:cNvPicPr>
+            <a:picLocks noChangeAspect="1" noChangeArrowheads="1"/>
+          </p:cNvPicPr>
+          <p:nvPr/>
+        </p:nvPicPr>
+        <p:blipFill>
+          <a:blip r:embed="rId3">
+            <a:extLst>
+              <a:ext uri="{28A0092B-C50C-407E-A947-70E740481C1C}">
+                <a14:useLocalDpi xmlns:a14="http://schemas.microsoft.com/office/drawing/2010/main" val="0"/>
+              </a:ext>
+            </a:extLst>
+          </a:blip>
+          <a:srcRect/>
+          <a:stretch>
+            <a:fillRect/>
+          </a:stretch>
+        </p:blipFill>
+        <p:spPr bwMode="auto">
+          <a:xfrm>
+            <a:off x="7634737" y="4679783"/>
+            <a:ext cx="762000" cy="285750"/>
+          </a:xfrm>
+          <a:prstGeom prst="rect">
+            <a:avLst/>
+          </a:prstGeom>
+          <a:noFill/>
+          <a:extLst>
+            <a:ext uri="{909E8E84-426E-40DD-AFC4-6F175D3DCCD1}">
+              <a14:hiddenFill xmlns:a14="http://schemas.microsoft.com/office/drawing/2010/main">
+                <a:solidFill>
+                  <a:srgbClr val="FFFFFF"/>
+                </a:solidFill>
+              </a14:hiddenFill>
+            </a:ext>
+          </a:extLst>
+        </p:spPr>
+      </p:pic>
+      <p:cxnSp>
+        <p:nvCxnSpPr>
+          <p:cNvPr id="6" name="Straight Connector 5">
+            <a:extLst>
+              <a:ext uri="{FF2B5EF4-FFF2-40B4-BE49-F238E27FC236}">
+                <a16:creationId xmlns:a16="http://schemas.microsoft.com/office/drawing/2014/main" id="{549793E0-0333-3CB6-2855-E4F853CA1213}"/>
+              </a:ext>
+            </a:extLst>
+          </p:cNvPr>
+          <p:cNvCxnSpPr>
+            <a:cxnSpLocks/>
+          </p:cNvCxnSpPr>
+          <p:nvPr/>
+        </p:nvCxnSpPr>
+        <p:spPr>
+          <a:xfrm flipV="1">
+            <a:off x="8283369" y="4824580"/>
+            <a:ext cx="0" cy="854164"/>
+          </a:xfrm>
+          <a:prstGeom prst="line">
+            <a:avLst/>
+          </a:prstGeom>
+          <a:ln w="57150">
+            <a:solidFill>
+              <a:schemeClr val="tx1"/>
+            </a:solidFill>
+          </a:ln>
+        </p:spPr>
+        <p:style>
+          <a:lnRef idx="2">
+            <a:schemeClr val="accent1"/>
+          </a:lnRef>
+          <a:fillRef idx="0">
+            <a:schemeClr val="accent1"/>
+          </a:fillRef>
+          <a:effectRef idx="1">
+            <a:schemeClr val="accent1"/>
+          </a:effectRef>
+          <a:fontRef idx="minor">
+            <a:schemeClr val="tx1"/>
+          </a:fontRef>
+        </p:style>
+      </p:cxnSp>
+      <p:cxnSp>
+        <p:nvCxnSpPr>
+          <p:cNvPr id="7" name="Straight Connector 6">
+            <a:extLst>
+              <a:ext uri="{FF2B5EF4-FFF2-40B4-BE49-F238E27FC236}">
+                <a16:creationId xmlns:a16="http://schemas.microsoft.com/office/drawing/2014/main" id="{A24AA62D-A37E-1C8C-D577-5AA46652FE7A}"/>
+              </a:ext>
+            </a:extLst>
+          </p:cNvPr>
+          <p:cNvCxnSpPr>
+            <a:cxnSpLocks/>
+          </p:cNvCxnSpPr>
+          <p:nvPr/>
+        </p:nvCxnSpPr>
+        <p:spPr>
+          <a:xfrm>
+            <a:off x="8134266" y="5678744"/>
+            <a:ext cx="280276" cy="0"/>
+          </a:xfrm>
+          <a:prstGeom prst="line">
+            <a:avLst/>
+          </a:prstGeom>
+          <a:ln w="57150">
+            <a:solidFill>
+              <a:schemeClr val="tx1"/>
+            </a:solidFill>
+          </a:ln>
+        </p:spPr>
+        <p:style>
+          <a:lnRef idx="2">
+            <a:schemeClr val="accent1"/>
+          </a:lnRef>
+          <a:fillRef idx="0">
+            <a:schemeClr val="accent1"/>
+          </a:fillRef>
+          <a:effectRef idx="1">
+            <a:schemeClr val="accent1"/>
+          </a:effectRef>
+          <a:fontRef idx="minor">
+            <a:schemeClr val="tx1"/>
+          </a:fontRef>
+        </p:style>
+      </p:cxnSp>
+      <p:cxnSp>
+        <p:nvCxnSpPr>
+          <p:cNvPr id="9" name="Straight Connector 8">
+            <a:extLst>
+              <a:ext uri="{FF2B5EF4-FFF2-40B4-BE49-F238E27FC236}">
+                <a16:creationId xmlns:a16="http://schemas.microsoft.com/office/drawing/2014/main" id="{CD9F8ADD-31CA-5CDF-33C6-F0CFE766FB9B}"/>
+              </a:ext>
+            </a:extLst>
+          </p:cNvPr>
+          <p:cNvCxnSpPr>
+            <a:cxnSpLocks/>
+          </p:cNvCxnSpPr>
+          <p:nvPr/>
+        </p:nvCxnSpPr>
+        <p:spPr>
+          <a:xfrm>
+            <a:off x="8220629" y="5778135"/>
+            <a:ext cx="119344" cy="0"/>
+          </a:xfrm>
+          <a:prstGeom prst="line">
+            <a:avLst/>
+          </a:prstGeom>
+          <a:ln w="57150">
+            <a:solidFill>
+              <a:schemeClr val="tx1"/>
+            </a:solidFill>
+          </a:ln>
+        </p:spPr>
+        <p:style>
+          <a:lnRef idx="2">
+            <a:schemeClr val="accent1"/>
+          </a:lnRef>
+          <a:fillRef idx="0">
+            <a:schemeClr val="accent1"/>
+          </a:fillRef>
+          <a:effectRef idx="1">
+            <a:schemeClr val="accent1"/>
+          </a:effectRef>
+          <a:fontRef idx="minor">
+            <a:schemeClr val="tx1"/>
+          </a:fontRef>
+        </p:style>
+      </p:cxnSp>
+      <p:sp>
+        <p:nvSpPr>
+          <p:cNvPr id="10" name="TextBox 9">
+            <a:extLst>
+              <a:ext uri="{FF2B5EF4-FFF2-40B4-BE49-F238E27FC236}">
+                <a16:creationId xmlns:a16="http://schemas.microsoft.com/office/drawing/2014/main" id="{9074C633-1859-79E3-A2BB-A6750E9FF78C}"/>
+              </a:ext>
+            </a:extLst>
+          </p:cNvPr>
+          <p:cNvSpPr txBox="1"/>
+          <p:nvPr/>
+        </p:nvSpPr>
+        <p:spPr>
+          <a:xfrm>
+            <a:off x="8319241" y="4654590"/>
+            <a:ext cx="737702" cy="369332"/>
+          </a:xfrm>
+          <a:prstGeom prst="rect">
+            <a:avLst/>
+          </a:prstGeom>
+          <a:noFill/>
+        </p:spPr>
+        <p:txBody>
+          <a:bodyPr wrap="none" rtlCol="0">
+            <a:spAutoFit/>
+          </a:bodyPr>
+          <a:lstStyle/>
+          <a:p>
+            <a:r>
+              <a:rPr lang="en-US" b="1" dirty="0"/>
+              <a:t>Led 1</a:t>
+            </a:r>
+          </a:p>
+        </p:txBody>
+      </p:sp>
+      <p:cxnSp>
+        <p:nvCxnSpPr>
+          <p:cNvPr id="11" name="Straight Connector 10">
+            <a:extLst>
+              <a:ext uri="{FF2B5EF4-FFF2-40B4-BE49-F238E27FC236}">
+                <a16:creationId xmlns:a16="http://schemas.microsoft.com/office/drawing/2014/main" id="{DF44EF84-F153-A3AD-3558-EBDA2E23B0C6}"/>
+              </a:ext>
+            </a:extLst>
+          </p:cNvPr>
+          <p:cNvCxnSpPr>
+            <a:cxnSpLocks/>
+          </p:cNvCxnSpPr>
+          <p:nvPr/>
+        </p:nvCxnSpPr>
+        <p:spPr>
+          <a:xfrm>
+            <a:off x="6918970" y="4824580"/>
+            <a:ext cx="271137" cy="0"/>
+          </a:xfrm>
+          <a:prstGeom prst="line">
+            <a:avLst/>
+          </a:prstGeom>
+          <a:ln w="57150">
+            <a:solidFill>
+              <a:schemeClr val="tx1"/>
+            </a:solidFill>
+          </a:ln>
+        </p:spPr>
+        <p:style>
+          <a:lnRef idx="2">
+            <a:schemeClr val="accent1"/>
+          </a:lnRef>
+          <a:fillRef idx="0">
+            <a:schemeClr val="accent1"/>
+          </a:fillRef>
+          <a:effectRef idx="1">
+            <a:schemeClr val="accent1"/>
+          </a:effectRef>
+          <a:fontRef idx="minor">
+            <a:schemeClr val="tx1"/>
+          </a:fontRef>
+        </p:style>
+      </p:cxnSp>
+      <p:sp>
+        <p:nvSpPr>
+          <p:cNvPr id="15" name="TextBox 14">
+            <a:extLst>
+              <a:ext uri="{FF2B5EF4-FFF2-40B4-BE49-F238E27FC236}">
+                <a16:creationId xmlns:a16="http://schemas.microsoft.com/office/drawing/2014/main" id="{299F4909-CDFD-FF95-9C6B-371CDBA66028}"/>
+              </a:ext>
+            </a:extLst>
+          </p:cNvPr>
+          <p:cNvSpPr txBox="1"/>
+          <p:nvPr/>
+        </p:nvSpPr>
+        <p:spPr>
+          <a:xfrm>
+            <a:off x="6340326" y="4632835"/>
+            <a:ext cx="639919" cy="369332"/>
+          </a:xfrm>
+          <a:prstGeom prst="rect">
+            <a:avLst/>
+          </a:prstGeom>
+          <a:noFill/>
+        </p:spPr>
+        <p:txBody>
+          <a:bodyPr wrap="none" rtlCol="0">
+            <a:spAutoFit/>
+          </a:bodyPr>
+          <a:lstStyle/>
+          <a:p>
+            <a:r>
+              <a:rPr lang="en-US" b="1" dirty="0"/>
+              <a:t>P1.0</a:t>
+            </a:r>
+          </a:p>
+        </p:txBody>
+      </p:sp>
+    </p:spTree>
+    <p:extLst>
+      <p:ext uri="{BB962C8B-B14F-4D97-AF65-F5344CB8AC3E}">
+        <p14:creationId xmlns:p14="http://schemas.microsoft.com/office/powerpoint/2010/main" val="1770950937"/>
+      </p:ext>
+    </p:extLst>
+  </p:cSld>
+  <p:clrMapOvr>
+    <a:masterClrMapping/>
+  </p:clrMapOvr>
+</p:sld>
+</file>
+
+<file path=ppt/slides/slide3.xml><?xml version="1.0" encoding="utf-8"?>
+<p:sld xmlns:a="http://schemas.openxmlformats.org/drawingml/2006/main" xmlns:r="http://schemas.openxmlformats.org/officeDocument/2006/relationships" xmlns:p="http://schemas.openxmlformats.org/presentationml/2006/main">
+  <p:cSld>
+    <p:spTree>
+      <p:nvGrpSpPr>
+        <p:cNvPr id="1" name="">
+          <a:extLst>
+            <a:ext uri="{FF2B5EF4-FFF2-40B4-BE49-F238E27FC236}">
+              <a16:creationId xmlns:a16="http://schemas.microsoft.com/office/drawing/2014/main" id="{95627D88-5D81-C577-5E27-4B3B9319675D}"/>
+            </a:ext>
+          </a:extLst>
+        </p:cNvPr>
+        <p:cNvGrpSpPr/>
+        <p:nvPr/>
+      </p:nvGrpSpPr>
+      <p:grpSpPr>
+        <a:xfrm>
+          <a:off x="0" y="0"/>
+          <a:ext cx="0" cy="0"/>
+          <a:chOff x="0" y="0"/>
+          <a:chExt cx="0" cy="0"/>
+        </a:xfrm>
+      </p:grpSpPr>
+      <p:sp>
+        <p:nvSpPr>
+          <p:cNvPr id="2" name="TextBox 1">
+            <a:extLst>
+              <a:ext uri="{FF2B5EF4-FFF2-40B4-BE49-F238E27FC236}">
+                <a16:creationId xmlns:a16="http://schemas.microsoft.com/office/drawing/2014/main" id="{303570E9-FDEA-0C0E-41A1-3D272F8D739B}"/>
+              </a:ext>
+            </a:extLst>
+          </p:cNvPr>
+          <p:cNvSpPr txBox="1"/>
+          <p:nvPr/>
+        </p:nvSpPr>
+        <p:spPr>
+          <a:xfrm>
+            <a:off x="2361033" y="284876"/>
+            <a:ext cx="7593425" cy="707886"/>
+          </a:xfrm>
+          <a:prstGeom prst="rect">
+            <a:avLst/>
+          </a:prstGeom>
+          <a:noFill/>
+        </p:spPr>
+        <p:txBody>
+          <a:bodyPr wrap="none" rtlCol="0">
+            <a:spAutoFit/>
+          </a:bodyPr>
+          <a:lstStyle/>
+          <a:p>
+            <a:r>
+              <a:rPr lang="en-US" sz="4000" dirty="0"/>
+              <a:t>Project 3 Pin Diagram – LCD Slave</a:t>
+            </a:r>
+          </a:p>
+        </p:txBody>
+      </p:sp>
+      <p:sp>
+        <p:nvSpPr>
+          <p:cNvPr id="8" name="Rectangle 7">
+            <a:extLst>
+              <a:ext uri="{FF2B5EF4-FFF2-40B4-BE49-F238E27FC236}">
+                <a16:creationId xmlns:a16="http://schemas.microsoft.com/office/drawing/2014/main" id="{6AF2E3B1-C9A5-CB74-DC50-E10803DE9D95}"/>
+              </a:ext>
+            </a:extLst>
+          </p:cNvPr>
+          <p:cNvSpPr/>
+          <p:nvPr/>
+        </p:nvSpPr>
+        <p:spPr>
+          <a:xfrm>
+            <a:off x="3519207" y="2137694"/>
+            <a:ext cx="2340591" cy="3899763"/>
+          </a:xfrm>
+          <a:prstGeom prst="rect">
+            <a:avLst/>
+          </a:prstGeom>
+          <a:solidFill>
+            <a:srgbClr val="C00000"/>
+          </a:solidFill>
+        </p:spPr>
+        <p:style>
+          <a:lnRef idx="2">
+            <a:schemeClr val="accent1">
+              <a:shade val="15000"/>
+            </a:schemeClr>
+          </a:lnRef>
+          <a:fillRef idx="1">
+            <a:schemeClr val="accent1"/>
+          </a:fillRef>
+          <a:effectRef idx="0">
+            <a:schemeClr val="accent1"/>
+          </a:effectRef>
+          <a:fontRef idx="minor">
+            <a:schemeClr val="lt1"/>
+          </a:fontRef>
+        </p:style>
+        <p:txBody>
+          <a:bodyPr rtlCol="0" anchor="ctr"/>
+          <a:lstStyle/>
+          <a:p>
+            <a:pPr algn="ctr"/>
+            <a:r>
+              <a:rPr lang="en-US" dirty="0"/>
+              <a:t>MSP430</a:t>
+            </a:r>
+          </a:p>
+        </p:txBody>
+      </p:sp>
+      <p:sp>
+        <p:nvSpPr>
+          <p:cNvPr id="86" name="Rectangle 85">
+            <a:extLst>
+              <a:ext uri="{FF2B5EF4-FFF2-40B4-BE49-F238E27FC236}">
+                <a16:creationId xmlns:a16="http://schemas.microsoft.com/office/drawing/2014/main" id="{2194362C-229B-4A8E-0EE7-F5F9AFDC8D10}"/>
+              </a:ext>
+            </a:extLst>
+          </p:cNvPr>
+          <p:cNvSpPr/>
+          <p:nvPr/>
+        </p:nvSpPr>
+        <p:spPr>
+          <a:xfrm>
+            <a:off x="6848242" y="2504389"/>
+            <a:ext cx="2469273" cy="1998213"/>
+          </a:xfrm>
+          <a:prstGeom prst="rect">
+            <a:avLst/>
+          </a:prstGeom>
+        </p:spPr>
+        <p:style>
+          <a:lnRef idx="2">
+            <a:schemeClr val="accent5">
+              <a:shade val="15000"/>
+            </a:schemeClr>
+          </a:lnRef>
+          <a:fillRef idx="1">
+            <a:schemeClr val="accent5"/>
+          </a:fillRef>
+          <a:effectRef idx="0">
+            <a:schemeClr val="accent5"/>
+          </a:effectRef>
+          <a:fontRef idx="minor">
+            <a:schemeClr val="lt1"/>
+          </a:fontRef>
+        </p:style>
+        <p:txBody>
+          <a:bodyPr rtlCol="0" anchor="ctr"/>
+          <a:lstStyle/>
+          <a:p>
+            <a:pPr algn="ctr"/>
+            <a:r>
+              <a:rPr lang="en-US" dirty="0"/>
+              <a:t>Keypad</a:t>
+            </a:r>
+          </a:p>
+        </p:txBody>
+      </p:sp>
+      <p:sp>
+        <p:nvSpPr>
+          <p:cNvPr id="91" name="TextBox 90">
+            <a:extLst>
+              <a:ext uri="{FF2B5EF4-FFF2-40B4-BE49-F238E27FC236}">
+                <a16:creationId xmlns:a16="http://schemas.microsoft.com/office/drawing/2014/main" id="{C7E80A83-A069-BE54-2480-46F0779C688D}"/>
+              </a:ext>
+            </a:extLst>
+          </p:cNvPr>
+          <p:cNvSpPr txBox="1"/>
+          <p:nvPr/>
+        </p:nvSpPr>
+        <p:spPr>
+          <a:xfrm>
+            <a:off x="6848432" y="2768982"/>
+            <a:ext cx="471604" cy="369332"/>
+          </a:xfrm>
+          <a:prstGeom prst="rect">
+            <a:avLst/>
+          </a:prstGeom>
+          <a:noFill/>
+        </p:spPr>
+        <p:txBody>
+          <a:bodyPr wrap="none" rtlCol="0">
+            <a:spAutoFit/>
+          </a:bodyPr>
+          <a:lstStyle/>
+          <a:p>
+            <a:r>
+              <a:rPr lang="en-US" b="1" dirty="0"/>
+              <a:t>C2</a:t>
+            </a:r>
+          </a:p>
+        </p:txBody>
+      </p:sp>
+      <p:sp>
+        <p:nvSpPr>
+          <p:cNvPr id="92" name="TextBox 91">
+            <a:extLst>
+              <a:ext uri="{FF2B5EF4-FFF2-40B4-BE49-F238E27FC236}">
+                <a16:creationId xmlns:a16="http://schemas.microsoft.com/office/drawing/2014/main" id="{23F2515F-64C8-CBB9-4ED7-9570CD1EBEB3}"/>
+              </a:ext>
+            </a:extLst>
+          </p:cNvPr>
+          <p:cNvSpPr txBox="1"/>
+          <p:nvPr/>
+        </p:nvSpPr>
+        <p:spPr>
+          <a:xfrm>
+            <a:off x="6848432" y="2999577"/>
+            <a:ext cx="471604" cy="369332"/>
+          </a:xfrm>
+          <a:prstGeom prst="rect">
+            <a:avLst/>
+          </a:prstGeom>
+          <a:noFill/>
+        </p:spPr>
+        <p:txBody>
+          <a:bodyPr wrap="none" rtlCol="0">
+            <a:spAutoFit/>
+          </a:bodyPr>
+          <a:lstStyle/>
+          <a:p>
+            <a:r>
+              <a:rPr lang="en-US" b="1" dirty="0"/>
+              <a:t>C3</a:t>
+            </a:r>
+          </a:p>
+        </p:txBody>
+      </p:sp>
+      <p:sp>
+        <p:nvSpPr>
+          <p:cNvPr id="93" name="TextBox 92">
+            <a:extLst>
+              <a:ext uri="{FF2B5EF4-FFF2-40B4-BE49-F238E27FC236}">
+                <a16:creationId xmlns:a16="http://schemas.microsoft.com/office/drawing/2014/main" id="{B3F1AE00-5300-264F-0895-CF9117148F05}"/>
+              </a:ext>
+            </a:extLst>
+          </p:cNvPr>
+          <p:cNvSpPr txBox="1"/>
+          <p:nvPr/>
+        </p:nvSpPr>
+        <p:spPr>
+          <a:xfrm>
+            <a:off x="6848432" y="3224411"/>
+            <a:ext cx="471604" cy="369332"/>
+          </a:xfrm>
+          <a:prstGeom prst="rect">
+            <a:avLst/>
+          </a:prstGeom>
+          <a:noFill/>
+        </p:spPr>
+        <p:txBody>
+          <a:bodyPr wrap="none" rtlCol="0">
+            <a:spAutoFit/>
+          </a:bodyPr>
+          <a:lstStyle/>
+          <a:p>
+            <a:r>
+              <a:rPr lang="en-US" b="1" dirty="0"/>
+              <a:t>C4</a:t>
+            </a:r>
+          </a:p>
+        </p:txBody>
+      </p:sp>
+      <p:sp>
+        <p:nvSpPr>
+          <p:cNvPr id="94" name="TextBox 93">
+            <a:extLst>
+              <a:ext uri="{FF2B5EF4-FFF2-40B4-BE49-F238E27FC236}">
+                <a16:creationId xmlns:a16="http://schemas.microsoft.com/office/drawing/2014/main" id="{563CF27B-D8B2-E1B7-C82B-5C03DA0930B9}"/>
+              </a:ext>
+            </a:extLst>
+          </p:cNvPr>
+          <p:cNvSpPr txBox="1"/>
+          <p:nvPr/>
+        </p:nvSpPr>
+        <p:spPr>
+          <a:xfrm>
+            <a:off x="6848432" y="3453295"/>
+            <a:ext cx="453970" cy="369332"/>
+          </a:xfrm>
+          <a:prstGeom prst="rect">
+            <a:avLst/>
+          </a:prstGeom>
+          <a:noFill/>
+        </p:spPr>
+        <p:txBody>
+          <a:bodyPr wrap="none" rtlCol="0">
+            <a:spAutoFit/>
+          </a:bodyPr>
+          <a:lstStyle/>
+          <a:p>
+            <a:r>
+              <a:rPr lang="en-US" b="1" dirty="0"/>
+              <a:t>R1</a:t>
+            </a:r>
+          </a:p>
+        </p:txBody>
+      </p:sp>
+      <p:cxnSp>
+        <p:nvCxnSpPr>
+          <p:cNvPr id="95" name="Straight Connector 94">
+            <a:extLst>
+              <a:ext uri="{FF2B5EF4-FFF2-40B4-BE49-F238E27FC236}">
+                <a16:creationId xmlns:a16="http://schemas.microsoft.com/office/drawing/2014/main" id="{26E5053D-36A5-191F-1DE0-EB07C56711F4}"/>
+              </a:ext>
+            </a:extLst>
+          </p:cNvPr>
+          <p:cNvCxnSpPr>
+            <a:cxnSpLocks/>
+          </p:cNvCxnSpPr>
+          <p:nvPr/>
+        </p:nvCxnSpPr>
+        <p:spPr>
+          <a:xfrm>
+            <a:off x="5708223" y="3658711"/>
+            <a:ext cx="1205865" cy="0"/>
+          </a:xfrm>
+          <a:prstGeom prst="line">
+            <a:avLst/>
+          </a:prstGeom>
+          <a:ln w="57150">
+            <a:solidFill>
+              <a:schemeClr val="tx1"/>
+            </a:solidFill>
+          </a:ln>
+        </p:spPr>
+        <p:style>
+          <a:lnRef idx="2">
+            <a:schemeClr val="accent1"/>
+          </a:lnRef>
+          <a:fillRef idx="0">
+            <a:schemeClr val="accent1"/>
+          </a:fillRef>
+          <a:effectRef idx="1">
+            <a:schemeClr val="accent1"/>
+          </a:effectRef>
+          <a:fontRef idx="minor">
+            <a:schemeClr val="tx1"/>
+          </a:fontRef>
+        </p:style>
+      </p:cxnSp>
+      <p:cxnSp>
+        <p:nvCxnSpPr>
+          <p:cNvPr id="97" name="Straight Connector 96">
+            <a:extLst>
+              <a:ext uri="{FF2B5EF4-FFF2-40B4-BE49-F238E27FC236}">
+                <a16:creationId xmlns:a16="http://schemas.microsoft.com/office/drawing/2014/main" id="{35857663-5229-10CC-8614-123D5DFD7551}"/>
+              </a:ext>
+            </a:extLst>
+          </p:cNvPr>
+          <p:cNvCxnSpPr>
+            <a:cxnSpLocks/>
+          </p:cNvCxnSpPr>
+          <p:nvPr/>
+        </p:nvCxnSpPr>
+        <p:spPr>
+          <a:xfrm>
+            <a:off x="5708223" y="3425888"/>
+            <a:ext cx="1205865" cy="0"/>
+          </a:xfrm>
+          <a:prstGeom prst="line">
+            <a:avLst/>
+          </a:prstGeom>
+          <a:ln w="57150">
+            <a:solidFill>
+              <a:schemeClr val="tx1"/>
+            </a:solidFill>
+          </a:ln>
+        </p:spPr>
+        <p:style>
+          <a:lnRef idx="2">
+            <a:schemeClr val="accent1"/>
+          </a:lnRef>
+          <a:fillRef idx="0">
+            <a:schemeClr val="accent1"/>
+          </a:fillRef>
+          <a:effectRef idx="1">
+            <a:schemeClr val="accent1"/>
+          </a:effectRef>
+          <a:fontRef idx="minor">
+            <a:schemeClr val="tx1"/>
+          </a:fontRef>
+        </p:style>
+      </p:cxnSp>
+      <p:cxnSp>
+        <p:nvCxnSpPr>
+          <p:cNvPr id="98" name="Straight Connector 97">
+            <a:extLst>
+              <a:ext uri="{FF2B5EF4-FFF2-40B4-BE49-F238E27FC236}">
+                <a16:creationId xmlns:a16="http://schemas.microsoft.com/office/drawing/2014/main" id="{4ED932E3-51D9-0645-1814-524B0BE44C12}"/>
+              </a:ext>
+            </a:extLst>
+          </p:cNvPr>
+          <p:cNvCxnSpPr>
+            <a:cxnSpLocks/>
+          </p:cNvCxnSpPr>
+          <p:nvPr/>
+        </p:nvCxnSpPr>
+        <p:spPr>
+          <a:xfrm>
+            <a:off x="5708223" y="3191288"/>
+            <a:ext cx="1205865" cy="0"/>
+          </a:xfrm>
+          <a:prstGeom prst="line">
+            <a:avLst/>
+          </a:prstGeom>
+          <a:ln w="57150">
+            <a:solidFill>
+              <a:schemeClr val="tx1"/>
+            </a:solidFill>
+          </a:ln>
+        </p:spPr>
+        <p:style>
+          <a:lnRef idx="2">
+            <a:schemeClr val="accent1"/>
+          </a:lnRef>
+          <a:fillRef idx="0">
+            <a:schemeClr val="accent1"/>
+          </a:fillRef>
+          <a:effectRef idx="1">
+            <a:schemeClr val="accent1"/>
+          </a:effectRef>
+          <a:fontRef idx="minor">
+            <a:schemeClr val="tx1"/>
+          </a:fontRef>
+        </p:style>
+      </p:cxnSp>
+      <p:cxnSp>
+        <p:nvCxnSpPr>
+          <p:cNvPr id="100" name="Straight Connector 99">
+            <a:extLst>
+              <a:ext uri="{FF2B5EF4-FFF2-40B4-BE49-F238E27FC236}">
+                <a16:creationId xmlns:a16="http://schemas.microsoft.com/office/drawing/2014/main" id="{31655760-5B3A-740E-050C-6BF10E04A590}"/>
+              </a:ext>
+            </a:extLst>
+          </p:cNvPr>
+          <p:cNvCxnSpPr>
+            <a:cxnSpLocks/>
+          </p:cNvCxnSpPr>
+          <p:nvPr/>
+        </p:nvCxnSpPr>
+        <p:spPr>
+          <a:xfrm>
+            <a:off x="5708223" y="2972170"/>
+            <a:ext cx="1205865" cy="0"/>
+          </a:xfrm>
+          <a:prstGeom prst="line">
+            <a:avLst/>
+          </a:prstGeom>
+          <a:ln w="57150">
+            <a:solidFill>
+              <a:schemeClr val="tx1"/>
+            </a:solidFill>
+          </a:ln>
+        </p:spPr>
+        <p:style>
+          <a:lnRef idx="2">
+            <a:schemeClr val="accent1"/>
+          </a:lnRef>
+          <a:fillRef idx="0">
+            <a:schemeClr val="accent1"/>
+          </a:fillRef>
+          <a:effectRef idx="1">
+            <a:schemeClr val="accent1"/>
+          </a:effectRef>
+          <a:fontRef idx="minor">
+            <a:schemeClr val="tx1"/>
+          </a:fontRef>
+        </p:style>
+      </p:cxnSp>
+      <p:sp>
+        <p:nvSpPr>
+          <p:cNvPr id="101" name="TextBox 100">
+            <a:extLst>
+              <a:ext uri="{FF2B5EF4-FFF2-40B4-BE49-F238E27FC236}">
+                <a16:creationId xmlns:a16="http://schemas.microsoft.com/office/drawing/2014/main" id="{A02C4D31-3A39-C278-0507-4031C5483B5A}"/>
+              </a:ext>
+            </a:extLst>
+          </p:cNvPr>
+          <p:cNvSpPr txBox="1"/>
+          <p:nvPr/>
+        </p:nvSpPr>
+        <p:spPr>
+          <a:xfrm>
+            <a:off x="5128971" y="2785270"/>
+            <a:ext cx="639919" cy="369332"/>
+          </a:xfrm>
+          <a:prstGeom prst="rect">
+            <a:avLst/>
+          </a:prstGeom>
+          <a:noFill/>
+        </p:spPr>
+        <p:txBody>
+          <a:bodyPr wrap="none" rtlCol="0">
+            <a:spAutoFit/>
+          </a:bodyPr>
+          <a:lstStyle/>
+          <a:p>
+            <a:r>
+              <a:rPr lang="en-US" b="1" dirty="0"/>
+              <a:t>P5.3</a:t>
+            </a:r>
+          </a:p>
+        </p:txBody>
+      </p:sp>
+      <p:sp>
+        <p:nvSpPr>
+          <p:cNvPr id="102" name="TextBox 101">
+            <a:extLst>
+              <a:ext uri="{FF2B5EF4-FFF2-40B4-BE49-F238E27FC236}">
+                <a16:creationId xmlns:a16="http://schemas.microsoft.com/office/drawing/2014/main" id="{8EA29228-1186-2F86-6231-92AD16F59F59}"/>
+              </a:ext>
+            </a:extLst>
+          </p:cNvPr>
+          <p:cNvSpPr txBox="1"/>
+          <p:nvPr/>
+        </p:nvSpPr>
+        <p:spPr>
+          <a:xfrm>
+            <a:off x="5128677" y="3010795"/>
+            <a:ext cx="639919" cy="369332"/>
+          </a:xfrm>
+          <a:prstGeom prst="rect">
+            <a:avLst/>
+          </a:prstGeom>
+          <a:noFill/>
+        </p:spPr>
+        <p:txBody>
+          <a:bodyPr wrap="none" rtlCol="0">
+            <a:spAutoFit/>
+          </a:bodyPr>
+          <a:lstStyle/>
+          <a:p>
+            <a:r>
+              <a:rPr lang="en-US" b="1" dirty="0"/>
+              <a:t>P5.1</a:t>
+            </a:r>
+          </a:p>
+        </p:txBody>
+      </p:sp>
+      <p:sp>
+        <p:nvSpPr>
+          <p:cNvPr id="103" name="TextBox 102">
+            <a:extLst>
+              <a:ext uri="{FF2B5EF4-FFF2-40B4-BE49-F238E27FC236}">
+                <a16:creationId xmlns:a16="http://schemas.microsoft.com/office/drawing/2014/main" id="{22F0A234-7B9B-2F06-A3F1-1982AF68AF4E}"/>
+              </a:ext>
+            </a:extLst>
+          </p:cNvPr>
+          <p:cNvSpPr txBox="1"/>
+          <p:nvPr/>
+        </p:nvSpPr>
+        <p:spPr>
+          <a:xfrm>
+            <a:off x="5127303" y="3248435"/>
+            <a:ext cx="639919" cy="369332"/>
+          </a:xfrm>
+          <a:prstGeom prst="rect">
+            <a:avLst/>
+          </a:prstGeom>
+          <a:noFill/>
+        </p:spPr>
+        <p:txBody>
+          <a:bodyPr wrap="none" rtlCol="0">
+            <a:spAutoFit/>
+          </a:bodyPr>
+          <a:lstStyle/>
+          <a:p>
+            <a:r>
+              <a:rPr lang="en-US" b="1" dirty="0"/>
+              <a:t>P5.0</a:t>
+            </a:r>
+          </a:p>
+        </p:txBody>
+      </p:sp>
+      <p:sp>
+        <p:nvSpPr>
+          <p:cNvPr id="104" name="TextBox 103">
+            <a:extLst>
+              <a:ext uri="{FF2B5EF4-FFF2-40B4-BE49-F238E27FC236}">
+                <a16:creationId xmlns:a16="http://schemas.microsoft.com/office/drawing/2014/main" id="{141BE45D-4553-DFDD-5A37-8F505D76E5C3}"/>
+              </a:ext>
+            </a:extLst>
+          </p:cNvPr>
+          <p:cNvSpPr txBox="1"/>
+          <p:nvPr/>
+        </p:nvSpPr>
+        <p:spPr>
+          <a:xfrm>
+            <a:off x="5122305" y="3474045"/>
+            <a:ext cx="639919" cy="369332"/>
+          </a:xfrm>
+          <a:prstGeom prst="rect">
+            <a:avLst/>
+          </a:prstGeom>
+          <a:noFill/>
+        </p:spPr>
+        <p:txBody>
+          <a:bodyPr wrap="none" rtlCol="0">
+            <a:spAutoFit/>
+          </a:bodyPr>
+          <a:lstStyle/>
+          <a:p>
+            <a:r>
+              <a:rPr lang="en-US" b="1" dirty="0"/>
+              <a:t>P5.4</a:t>
+            </a:r>
+          </a:p>
+        </p:txBody>
+      </p:sp>
+      <p:sp>
+        <p:nvSpPr>
+          <p:cNvPr id="146" name="TextBox 145">
+            <a:extLst>
+              <a:ext uri="{FF2B5EF4-FFF2-40B4-BE49-F238E27FC236}">
+                <a16:creationId xmlns:a16="http://schemas.microsoft.com/office/drawing/2014/main" id="{83A31934-7289-4503-3A8A-24935C5A0BD1}"/>
+              </a:ext>
+            </a:extLst>
+          </p:cNvPr>
+          <p:cNvSpPr txBox="1"/>
+          <p:nvPr/>
+        </p:nvSpPr>
+        <p:spPr>
+          <a:xfrm>
+            <a:off x="4334611" y="5678718"/>
+            <a:ext cx="679994" cy="369332"/>
+          </a:xfrm>
+          <a:prstGeom prst="rect">
+            <a:avLst/>
+          </a:prstGeom>
+          <a:noFill/>
+        </p:spPr>
+        <p:txBody>
+          <a:bodyPr wrap="none" rtlCol="0">
+            <a:spAutoFit/>
+          </a:bodyPr>
+          <a:lstStyle/>
+          <a:p>
+            <a:r>
+              <a:rPr lang="en-US" b="1" dirty="0"/>
+              <a:t>GND</a:t>
+            </a:r>
+          </a:p>
+        </p:txBody>
+      </p:sp>
+      <p:cxnSp>
+        <p:nvCxnSpPr>
+          <p:cNvPr id="147" name="Straight Connector 146">
+            <a:extLst>
+              <a:ext uri="{FF2B5EF4-FFF2-40B4-BE49-F238E27FC236}">
+                <a16:creationId xmlns:a16="http://schemas.microsoft.com/office/drawing/2014/main" id="{EFAEE168-B11E-7A68-B26E-CAFD72ECB0B6}"/>
+              </a:ext>
+            </a:extLst>
+          </p:cNvPr>
+          <p:cNvCxnSpPr>
+            <a:cxnSpLocks/>
+          </p:cNvCxnSpPr>
+          <p:nvPr/>
+        </p:nvCxnSpPr>
+        <p:spPr>
+          <a:xfrm flipV="1">
+            <a:off x="4674608" y="5984017"/>
+            <a:ext cx="0" cy="321885"/>
+          </a:xfrm>
+          <a:prstGeom prst="line">
+            <a:avLst/>
+          </a:prstGeom>
+          <a:ln w="57150">
+            <a:solidFill>
+              <a:schemeClr val="tx1"/>
+            </a:solidFill>
+          </a:ln>
+        </p:spPr>
+        <p:style>
+          <a:lnRef idx="2">
+            <a:schemeClr val="accent1"/>
+          </a:lnRef>
+          <a:fillRef idx="0">
+            <a:schemeClr val="accent1"/>
+          </a:fillRef>
+          <a:effectRef idx="1">
+            <a:schemeClr val="accent1"/>
+          </a:effectRef>
+          <a:fontRef idx="minor">
+            <a:schemeClr val="tx1"/>
+          </a:fontRef>
+        </p:style>
+      </p:cxnSp>
+      <p:cxnSp>
+        <p:nvCxnSpPr>
+          <p:cNvPr id="148" name="Straight Connector 147">
+            <a:extLst>
+              <a:ext uri="{FF2B5EF4-FFF2-40B4-BE49-F238E27FC236}">
+                <a16:creationId xmlns:a16="http://schemas.microsoft.com/office/drawing/2014/main" id="{CBF08C4B-635C-390D-08E1-4BFFD807610C}"/>
+              </a:ext>
+            </a:extLst>
+          </p:cNvPr>
+          <p:cNvCxnSpPr>
+            <a:cxnSpLocks/>
+          </p:cNvCxnSpPr>
+          <p:nvPr/>
+        </p:nvCxnSpPr>
+        <p:spPr>
+          <a:xfrm>
+            <a:off x="4525505" y="6305902"/>
+            <a:ext cx="280276" cy="0"/>
+          </a:xfrm>
+          <a:prstGeom prst="line">
+            <a:avLst/>
+          </a:prstGeom>
+          <a:ln w="57150">
+            <a:solidFill>
+              <a:schemeClr val="tx1"/>
+            </a:solidFill>
+          </a:ln>
+        </p:spPr>
+        <p:style>
+          <a:lnRef idx="2">
+            <a:schemeClr val="accent1"/>
+          </a:lnRef>
+          <a:fillRef idx="0">
+            <a:schemeClr val="accent1"/>
+          </a:fillRef>
+          <a:effectRef idx="1">
+            <a:schemeClr val="accent1"/>
+          </a:effectRef>
+          <a:fontRef idx="minor">
+            <a:schemeClr val="tx1"/>
+          </a:fontRef>
+        </p:style>
+      </p:cxnSp>
+      <p:cxnSp>
+        <p:nvCxnSpPr>
+          <p:cNvPr id="149" name="Straight Connector 148">
+            <a:extLst>
+              <a:ext uri="{FF2B5EF4-FFF2-40B4-BE49-F238E27FC236}">
+                <a16:creationId xmlns:a16="http://schemas.microsoft.com/office/drawing/2014/main" id="{0FB76799-EA25-B957-1621-474718842FE6}"/>
+              </a:ext>
+            </a:extLst>
+          </p:cNvPr>
+          <p:cNvCxnSpPr>
+            <a:cxnSpLocks/>
+          </p:cNvCxnSpPr>
+          <p:nvPr/>
+        </p:nvCxnSpPr>
+        <p:spPr>
+          <a:xfrm>
+            <a:off x="4611868" y="6405293"/>
+            <a:ext cx="119344" cy="0"/>
+          </a:xfrm>
+          <a:prstGeom prst="line">
+            <a:avLst/>
+          </a:prstGeom>
+          <a:ln w="57150">
+            <a:solidFill>
+              <a:schemeClr val="tx1"/>
+            </a:solidFill>
+          </a:ln>
+        </p:spPr>
+        <p:style>
+          <a:lnRef idx="2">
+            <a:schemeClr val="accent1"/>
+          </a:lnRef>
+          <a:fillRef idx="0">
+            <a:schemeClr val="accent1"/>
+          </a:fillRef>
+          <a:effectRef idx="1">
+            <a:schemeClr val="accent1"/>
+          </a:effectRef>
+          <a:fontRef idx="minor">
+            <a:schemeClr val="tx1"/>
+          </a:fontRef>
+        </p:style>
+      </p:cxnSp>
+      <p:sp>
+        <p:nvSpPr>
+          <p:cNvPr id="155" name="TextBox 154">
+            <a:extLst>
+              <a:ext uri="{FF2B5EF4-FFF2-40B4-BE49-F238E27FC236}">
+                <a16:creationId xmlns:a16="http://schemas.microsoft.com/office/drawing/2014/main" id="{112F19CF-EDE3-E549-0163-74A15BFD6E9C}"/>
+              </a:ext>
+            </a:extLst>
+          </p:cNvPr>
+          <p:cNvSpPr txBox="1"/>
+          <p:nvPr/>
+        </p:nvSpPr>
+        <p:spPr>
+          <a:xfrm>
+            <a:off x="4333129" y="2174216"/>
+            <a:ext cx="648575" cy="369332"/>
+          </a:xfrm>
+          <a:prstGeom prst="rect">
+            <a:avLst/>
+          </a:prstGeom>
+          <a:noFill/>
+        </p:spPr>
+        <p:txBody>
+          <a:bodyPr wrap="none" rtlCol="0">
+            <a:spAutoFit/>
+          </a:bodyPr>
+          <a:lstStyle/>
+          <a:p>
+            <a:r>
+              <a:rPr lang="en-US" b="1" dirty="0"/>
+              <a:t>VCC</a:t>
+            </a:r>
+          </a:p>
+        </p:txBody>
+      </p:sp>
+      <p:cxnSp>
+        <p:nvCxnSpPr>
+          <p:cNvPr id="156" name="Straight Connector 155">
+            <a:extLst>
+              <a:ext uri="{FF2B5EF4-FFF2-40B4-BE49-F238E27FC236}">
+                <a16:creationId xmlns:a16="http://schemas.microsoft.com/office/drawing/2014/main" id="{B7C7B130-E517-E7EC-F864-CC9D30F1DDA7}"/>
+              </a:ext>
+            </a:extLst>
+          </p:cNvPr>
+          <p:cNvCxnSpPr>
+            <a:cxnSpLocks/>
+          </p:cNvCxnSpPr>
+          <p:nvPr/>
+        </p:nvCxnSpPr>
+        <p:spPr>
+          <a:xfrm flipV="1">
+            <a:off x="4674608" y="1772326"/>
+            <a:ext cx="0" cy="446685"/>
+          </a:xfrm>
+          <a:prstGeom prst="line">
+            <a:avLst/>
+          </a:prstGeom>
+          <a:ln w="57150">
+            <a:solidFill>
+              <a:srgbClr val="FF0000"/>
+            </a:solidFill>
+          </a:ln>
+        </p:spPr>
+        <p:style>
+          <a:lnRef idx="2">
+            <a:schemeClr val="accent1"/>
+          </a:lnRef>
+          <a:fillRef idx="0">
+            <a:schemeClr val="accent1"/>
+          </a:fillRef>
+          <a:effectRef idx="1">
+            <a:schemeClr val="accent1"/>
+          </a:effectRef>
+          <a:fontRef idx="minor">
+            <a:schemeClr val="tx1"/>
+          </a:fontRef>
+        </p:style>
+      </p:cxnSp>
+      <p:sp>
+        <p:nvSpPr>
+          <p:cNvPr id="157" name="TextBox 156">
+            <a:extLst>
+              <a:ext uri="{FF2B5EF4-FFF2-40B4-BE49-F238E27FC236}">
+                <a16:creationId xmlns:a16="http://schemas.microsoft.com/office/drawing/2014/main" id="{A5F90E0E-B332-42FE-A8D9-7CFB68D88E16}"/>
+              </a:ext>
+            </a:extLst>
+          </p:cNvPr>
+          <p:cNvSpPr txBox="1"/>
+          <p:nvPr/>
+        </p:nvSpPr>
+        <p:spPr>
+          <a:xfrm>
+            <a:off x="4457978" y="1467172"/>
+            <a:ext cx="450764" cy="369332"/>
+          </a:xfrm>
+          <a:prstGeom prst="rect">
+            <a:avLst/>
+          </a:prstGeom>
+          <a:noFill/>
+        </p:spPr>
+        <p:txBody>
+          <a:bodyPr wrap="none" rtlCol="0">
+            <a:spAutoFit/>
+          </a:bodyPr>
+          <a:lstStyle/>
+          <a:p>
+            <a:r>
+              <a:rPr lang="en-US" b="1" dirty="0"/>
+              <a:t>5V</a:t>
+            </a:r>
+          </a:p>
+        </p:txBody>
+      </p:sp>
+      <p:cxnSp>
+        <p:nvCxnSpPr>
+          <p:cNvPr id="158" name="Straight Connector 157">
+            <a:extLst>
+              <a:ext uri="{FF2B5EF4-FFF2-40B4-BE49-F238E27FC236}">
+                <a16:creationId xmlns:a16="http://schemas.microsoft.com/office/drawing/2014/main" id="{7C92115B-0863-8EAA-024D-7A941FC9D04D}"/>
+              </a:ext>
+            </a:extLst>
+          </p:cNvPr>
+          <p:cNvCxnSpPr>
+            <a:cxnSpLocks/>
+          </p:cNvCxnSpPr>
+          <p:nvPr/>
+        </p:nvCxnSpPr>
+        <p:spPr>
+          <a:xfrm flipH="1" flipV="1">
+            <a:off x="4683619" y="1791071"/>
+            <a:ext cx="114300" cy="155969"/>
+          </a:xfrm>
+          <a:prstGeom prst="line">
+            <a:avLst/>
+          </a:prstGeom>
+          <a:ln w="57150">
+            <a:solidFill>
+              <a:srgbClr val="FF0000"/>
+            </a:solidFill>
+          </a:ln>
+        </p:spPr>
+        <p:style>
+          <a:lnRef idx="2">
+            <a:schemeClr val="accent1"/>
+          </a:lnRef>
+          <a:fillRef idx="0">
+            <a:schemeClr val="accent1"/>
+          </a:fillRef>
+          <a:effectRef idx="1">
+            <a:schemeClr val="accent1"/>
+          </a:effectRef>
+          <a:fontRef idx="minor">
+            <a:schemeClr val="tx1"/>
+          </a:fontRef>
+        </p:style>
+      </p:cxnSp>
+      <p:cxnSp>
+        <p:nvCxnSpPr>
+          <p:cNvPr id="159" name="Straight Connector 158">
+            <a:extLst>
+              <a:ext uri="{FF2B5EF4-FFF2-40B4-BE49-F238E27FC236}">
+                <a16:creationId xmlns:a16="http://schemas.microsoft.com/office/drawing/2014/main" id="{CDF52A04-5E45-2466-FBA4-EBFA9068AE68}"/>
+              </a:ext>
+            </a:extLst>
+          </p:cNvPr>
+          <p:cNvCxnSpPr>
+            <a:cxnSpLocks/>
+          </p:cNvCxnSpPr>
+          <p:nvPr/>
+        </p:nvCxnSpPr>
+        <p:spPr>
+          <a:xfrm flipV="1">
+            <a:off x="4554593" y="1791071"/>
+            <a:ext cx="111005" cy="155969"/>
+          </a:xfrm>
+          <a:prstGeom prst="line">
+            <a:avLst/>
+          </a:prstGeom>
+          <a:ln w="57150">
+            <a:solidFill>
+              <a:srgbClr val="FF0000"/>
+            </a:solidFill>
+          </a:ln>
+        </p:spPr>
+        <p:style>
+          <a:lnRef idx="2">
+            <a:schemeClr val="accent1"/>
+          </a:lnRef>
+          <a:fillRef idx="0">
+            <a:schemeClr val="accent1"/>
+          </a:fillRef>
+          <a:effectRef idx="1">
+            <a:schemeClr val="accent1"/>
+          </a:effectRef>
+          <a:fontRef idx="minor">
+            <a:schemeClr val="tx1"/>
+          </a:fontRef>
+        </p:style>
+      </p:cxnSp>
+      <p:pic>
+        <p:nvPicPr>
+          <p:cNvPr id="44" name="Picture 43">
+            <a:extLst>
+              <a:ext uri="{FF2B5EF4-FFF2-40B4-BE49-F238E27FC236}">
+                <a16:creationId xmlns:a16="http://schemas.microsoft.com/office/drawing/2014/main" id="{58582C94-3981-E33A-6380-6FEB845F60B0}"/>
+              </a:ext>
+            </a:extLst>
+          </p:cNvPr>
+          <p:cNvPicPr>
+            <a:picLocks noChangeAspect="1"/>
+          </p:cNvPicPr>
+          <p:nvPr/>
+        </p:nvPicPr>
+        <p:blipFill>
+          <a:blip r:embed="rId2">
+            <a:duotone>
+              <a:schemeClr val="accent3">
+                <a:shade val="45000"/>
+                <a:satMod val="135000"/>
+              </a:schemeClr>
+              <a:prstClr val="white"/>
+            </a:duotone>
+          </a:blip>
+          <a:srcRect l="20829" r="19585"/>
+          <a:stretch/>
+        </p:blipFill>
+        <p:spPr>
+          <a:xfrm>
+            <a:off x="6028248" y="4621101"/>
+            <a:ext cx="564627" cy="637680"/>
+          </a:xfrm>
+          <a:prstGeom prst="rect">
+            <a:avLst/>
+          </a:prstGeom>
+        </p:spPr>
+      </p:pic>
+      <p:pic>
+        <p:nvPicPr>
+          <p:cNvPr id="1028" name="Picture 4">
+            <a:extLst>
+              <a:ext uri="{FF2B5EF4-FFF2-40B4-BE49-F238E27FC236}">
+                <a16:creationId xmlns:a16="http://schemas.microsoft.com/office/drawing/2014/main" id="{1448BAB3-781C-1572-483E-5E92B97F5AED}"/>
+              </a:ext>
+            </a:extLst>
+          </p:cNvPr>
+          <p:cNvPicPr>
+            <a:picLocks noChangeAspect="1" noChangeArrowheads="1"/>
+          </p:cNvPicPr>
+          <p:nvPr/>
+        </p:nvPicPr>
+        <p:blipFill>
+          <a:blip r:embed="rId3">
+            <a:extLst>
+              <a:ext uri="{28A0092B-C50C-407E-A947-70E740481C1C}">
+                <a14:useLocalDpi xmlns:a14="http://schemas.microsoft.com/office/drawing/2010/main" val="0"/>
+              </a:ext>
+            </a:extLst>
+          </a:blip>
+          <a:srcRect/>
+          <a:stretch>
+            <a:fillRect/>
+          </a:stretch>
+        </p:blipFill>
+        <p:spPr bwMode="auto">
+          <a:xfrm>
+            <a:off x="6484363" y="4922507"/>
+            <a:ext cx="762000" cy="285750"/>
+          </a:xfrm>
+          <a:prstGeom prst="rect">
+            <a:avLst/>
+          </a:prstGeom>
+          <a:noFill/>
+          <a:extLst>
+            <a:ext uri="{909E8E84-426E-40DD-AFC4-6F175D3DCCD1}">
+              <a14:hiddenFill xmlns:a14="http://schemas.microsoft.com/office/drawing/2010/main">
+                <a:solidFill>
+                  <a:srgbClr val="FFFFFF"/>
+                </a:solidFill>
+              </a14:hiddenFill>
+            </a:ext>
+          </a:extLst>
+        </p:spPr>
+      </p:pic>
+      <p:cxnSp>
+        <p:nvCxnSpPr>
+          <p:cNvPr id="48" name="Straight Connector 47">
+            <a:extLst>
+              <a:ext uri="{FF2B5EF4-FFF2-40B4-BE49-F238E27FC236}">
+                <a16:creationId xmlns:a16="http://schemas.microsoft.com/office/drawing/2014/main" id="{095E1799-34A6-A180-A5FD-3260A26E7252}"/>
+              </a:ext>
+            </a:extLst>
+          </p:cNvPr>
+          <p:cNvCxnSpPr>
+            <a:cxnSpLocks/>
+          </p:cNvCxnSpPr>
+          <p:nvPr/>
+        </p:nvCxnSpPr>
+        <p:spPr>
+          <a:xfrm flipV="1">
+            <a:off x="7132995" y="5067304"/>
+            <a:ext cx="0" cy="854164"/>
+          </a:xfrm>
+          <a:prstGeom prst="line">
+            <a:avLst/>
+          </a:prstGeom>
+          <a:ln w="57150">
+            <a:solidFill>
+              <a:schemeClr val="tx1"/>
+            </a:solidFill>
+          </a:ln>
+        </p:spPr>
+        <p:style>
+          <a:lnRef idx="2">
+            <a:schemeClr val="accent1"/>
+          </a:lnRef>
+          <a:fillRef idx="0">
+            <a:schemeClr val="accent1"/>
+          </a:fillRef>
+          <a:effectRef idx="1">
+            <a:schemeClr val="accent1"/>
+          </a:effectRef>
+          <a:fontRef idx="minor">
+            <a:schemeClr val="tx1"/>
+          </a:fontRef>
+        </p:style>
+      </p:cxnSp>
+      <p:cxnSp>
+        <p:nvCxnSpPr>
+          <p:cNvPr id="49" name="Straight Connector 48">
+            <a:extLst>
+              <a:ext uri="{FF2B5EF4-FFF2-40B4-BE49-F238E27FC236}">
+                <a16:creationId xmlns:a16="http://schemas.microsoft.com/office/drawing/2014/main" id="{53D20666-9D88-C855-8509-5672575FEFD8}"/>
+              </a:ext>
+            </a:extLst>
+          </p:cNvPr>
+          <p:cNvCxnSpPr>
+            <a:cxnSpLocks/>
+          </p:cNvCxnSpPr>
+          <p:nvPr/>
+        </p:nvCxnSpPr>
+        <p:spPr>
+          <a:xfrm>
+            <a:off x="6983892" y="5921468"/>
+            <a:ext cx="280276" cy="0"/>
+          </a:xfrm>
+          <a:prstGeom prst="line">
+            <a:avLst/>
+          </a:prstGeom>
+          <a:ln w="57150">
+            <a:solidFill>
+              <a:schemeClr val="tx1"/>
+            </a:solidFill>
+          </a:ln>
+        </p:spPr>
+        <p:style>
+          <a:lnRef idx="2">
+            <a:schemeClr val="accent1"/>
+          </a:lnRef>
+          <a:fillRef idx="0">
+            <a:schemeClr val="accent1"/>
+          </a:fillRef>
+          <a:effectRef idx="1">
+            <a:schemeClr val="accent1"/>
+          </a:effectRef>
+          <a:fontRef idx="minor">
+            <a:schemeClr val="tx1"/>
+          </a:fontRef>
+        </p:style>
+      </p:cxnSp>
+      <p:cxnSp>
+        <p:nvCxnSpPr>
+          <p:cNvPr id="50" name="Straight Connector 49">
+            <a:extLst>
+              <a:ext uri="{FF2B5EF4-FFF2-40B4-BE49-F238E27FC236}">
+                <a16:creationId xmlns:a16="http://schemas.microsoft.com/office/drawing/2014/main" id="{42F79C0A-E6AE-BA11-A671-CEC67A1838B5}"/>
+              </a:ext>
+            </a:extLst>
+          </p:cNvPr>
+          <p:cNvCxnSpPr>
+            <a:cxnSpLocks/>
+          </p:cNvCxnSpPr>
+          <p:nvPr/>
+        </p:nvCxnSpPr>
+        <p:spPr>
+          <a:xfrm>
+            <a:off x="7070255" y="6020859"/>
+            <a:ext cx="119344" cy="0"/>
+          </a:xfrm>
+          <a:prstGeom prst="line">
+            <a:avLst/>
+          </a:prstGeom>
+          <a:ln w="57150">
+            <a:solidFill>
+              <a:schemeClr val="tx1"/>
+            </a:solidFill>
+          </a:ln>
+        </p:spPr>
+        <p:style>
+          <a:lnRef idx="2">
+            <a:schemeClr val="accent1"/>
+          </a:lnRef>
+          <a:fillRef idx="0">
+            <a:schemeClr val="accent1"/>
+          </a:fillRef>
+          <a:effectRef idx="1">
+            <a:schemeClr val="accent1"/>
+          </a:effectRef>
+          <a:fontRef idx="minor">
+            <a:schemeClr val="tx1"/>
+          </a:fontRef>
+        </p:style>
+      </p:cxnSp>
+      <p:sp>
+        <p:nvSpPr>
+          <p:cNvPr id="54" name="TextBox 53">
+            <a:extLst>
+              <a:ext uri="{FF2B5EF4-FFF2-40B4-BE49-F238E27FC236}">
+                <a16:creationId xmlns:a16="http://schemas.microsoft.com/office/drawing/2014/main" id="{F280CBE4-1093-2C34-B1EA-AA6D6886848F}"/>
+              </a:ext>
+            </a:extLst>
+          </p:cNvPr>
+          <p:cNvSpPr txBox="1"/>
+          <p:nvPr/>
+        </p:nvSpPr>
+        <p:spPr>
+          <a:xfrm>
+            <a:off x="7168867" y="4897314"/>
+            <a:ext cx="737702" cy="369332"/>
+          </a:xfrm>
+          <a:prstGeom prst="rect">
+            <a:avLst/>
+          </a:prstGeom>
+          <a:noFill/>
+        </p:spPr>
+        <p:txBody>
+          <a:bodyPr wrap="none" rtlCol="0">
+            <a:spAutoFit/>
+          </a:bodyPr>
+          <a:lstStyle/>
+          <a:p>
+            <a:r>
+              <a:rPr lang="en-US" b="1" dirty="0"/>
+              <a:t>Led 1</a:t>
+            </a:r>
+          </a:p>
+        </p:txBody>
+      </p:sp>
+      <p:cxnSp>
+        <p:nvCxnSpPr>
+          <p:cNvPr id="56" name="Straight Connector 55">
+            <a:extLst>
+              <a:ext uri="{FF2B5EF4-FFF2-40B4-BE49-F238E27FC236}">
+                <a16:creationId xmlns:a16="http://schemas.microsoft.com/office/drawing/2014/main" id="{CA2E36BB-23D8-B142-DDF2-C4382C625E40}"/>
+              </a:ext>
+            </a:extLst>
+          </p:cNvPr>
+          <p:cNvCxnSpPr>
+            <a:cxnSpLocks/>
+          </p:cNvCxnSpPr>
+          <p:nvPr/>
+        </p:nvCxnSpPr>
+        <p:spPr>
+          <a:xfrm>
+            <a:off x="5768596" y="5067304"/>
+            <a:ext cx="271137" cy="0"/>
+          </a:xfrm>
+          <a:prstGeom prst="line">
+            <a:avLst/>
+          </a:prstGeom>
+          <a:ln w="57150">
+            <a:solidFill>
+              <a:schemeClr val="tx1"/>
+            </a:solidFill>
+          </a:ln>
+        </p:spPr>
+        <p:style>
+          <a:lnRef idx="2">
+            <a:schemeClr val="accent1"/>
+          </a:lnRef>
+          <a:fillRef idx="0">
+            <a:schemeClr val="accent1"/>
+          </a:fillRef>
+          <a:effectRef idx="1">
+            <a:schemeClr val="accent1"/>
+          </a:effectRef>
+          <a:fontRef idx="minor">
+            <a:schemeClr val="tx1"/>
+          </a:fontRef>
+        </p:style>
+      </p:cxnSp>
+      <p:sp>
+        <p:nvSpPr>
+          <p:cNvPr id="62" name="TextBox 61">
+            <a:extLst>
+              <a:ext uri="{FF2B5EF4-FFF2-40B4-BE49-F238E27FC236}">
+                <a16:creationId xmlns:a16="http://schemas.microsoft.com/office/drawing/2014/main" id="{3F047B4A-C6C5-2D8A-2E81-6276E879910B}"/>
+              </a:ext>
+            </a:extLst>
+          </p:cNvPr>
+          <p:cNvSpPr txBox="1"/>
+          <p:nvPr/>
+        </p:nvSpPr>
+        <p:spPr>
+          <a:xfrm>
+            <a:off x="5189952" y="4875559"/>
+            <a:ext cx="639919" cy="369332"/>
+          </a:xfrm>
+          <a:prstGeom prst="rect">
+            <a:avLst/>
+          </a:prstGeom>
+          <a:noFill/>
+        </p:spPr>
+        <p:txBody>
+          <a:bodyPr wrap="none" rtlCol="0">
+            <a:spAutoFit/>
+          </a:bodyPr>
+          <a:lstStyle/>
+          <a:p>
+            <a:r>
+              <a:rPr lang="en-US" b="1" dirty="0"/>
+              <a:t>P1.0</a:t>
+            </a:r>
+          </a:p>
+        </p:txBody>
+      </p:sp>
+      <p:sp>
+        <p:nvSpPr>
+          <p:cNvPr id="3" name="TextBox 2">
+            <a:extLst>
+              <a:ext uri="{FF2B5EF4-FFF2-40B4-BE49-F238E27FC236}">
+                <a16:creationId xmlns:a16="http://schemas.microsoft.com/office/drawing/2014/main" id="{D3D93527-5DB4-F351-8E4B-253CABDE263B}"/>
+              </a:ext>
+            </a:extLst>
+          </p:cNvPr>
+          <p:cNvSpPr txBox="1"/>
+          <p:nvPr/>
+        </p:nvSpPr>
+        <p:spPr>
+          <a:xfrm>
+            <a:off x="6853351" y="2543823"/>
+            <a:ext cx="471604" cy="369332"/>
+          </a:xfrm>
+          <a:prstGeom prst="rect">
+            <a:avLst/>
+          </a:prstGeom>
+          <a:noFill/>
+        </p:spPr>
+        <p:txBody>
+          <a:bodyPr wrap="none" rtlCol="0">
+            <a:spAutoFit/>
+          </a:bodyPr>
+          <a:lstStyle/>
+          <a:p>
+            <a:r>
+              <a:rPr lang="en-US" b="1" dirty="0"/>
+              <a:t>C1</a:t>
+            </a:r>
+          </a:p>
+        </p:txBody>
+      </p:sp>
+      <p:cxnSp>
+        <p:nvCxnSpPr>
+          <p:cNvPr id="12" name="Straight Connector 11">
+            <a:extLst>
+              <a:ext uri="{FF2B5EF4-FFF2-40B4-BE49-F238E27FC236}">
+                <a16:creationId xmlns:a16="http://schemas.microsoft.com/office/drawing/2014/main" id="{5E665801-9870-8F3A-94D5-574BD5E62AB8}"/>
+              </a:ext>
+            </a:extLst>
+          </p:cNvPr>
+          <p:cNvCxnSpPr>
+            <a:cxnSpLocks/>
+          </p:cNvCxnSpPr>
+          <p:nvPr/>
+        </p:nvCxnSpPr>
+        <p:spPr>
+          <a:xfrm>
+            <a:off x="5713142" y="2747011"/>
+            <a:ext cx="1205865" cy="0"/>
+          </a:xfrm>
+          <a:prstGeom prst="line">
+            <a:avLst/>
+          </a:prstGeom>
+          <a:ln w="57150">
+            <a:solidFill>
+              <a:schemeClr val="tx1"/>
+            </a:solidFill>
+          </a:ln>
+        </p:spPr>
+        <p:style>
+          <a:lnRef idx="2">
+            <a:schemeClr val="accent1"/>
+          </a:lnRef>
+          <a:fillRef idx="0">
+            <a:schemeClr val="accent1"/>
+          </a:fillRef>
+          <a:effectRef idx="1">
+            <a:schemeClr val="accent1"/>
+          </a:effectRef>
+          <a:fontRef idx="minor">
+            <a:schemeClr val="tx1"/>
+          </a:fontRef>
+        </p:style>
+      </p:cxnSp>
+      <p:sp>
+        <p:nvSpPr>
+          <p:cNvPr id="13" name="TextBox 12">
+            <a:extLst>
+              <a:ext uri="{FF2B5EF4-FFF2-40B4-BE49-F238E27FC236}">
+                <a16:creationId xmlns:a16="http://schemas.microsoft.com/office/drawing/2014/main" id="{CA582292-F782-19EC-3ABF-0E5CD0C6FC64}"/>
+              </a:ext>
+            </a:extLst>
+          </p:cNvPr>
+          <p:cNvSpPr txBox="1"/>
+          <p:nvPr/>
+        </p:nvSpPr>
+        <p:spPr>
+          <a:xfrm>
+            <a:off x="5133890" y="2560111"/>
+            <a:ext cx="639919" cy="369332"/>
+          </a:xfrm>
+          <a:prstGeom prst="rect">
+            <a:avLst/>
+          </a:prstGeom>
+          <a:noFill/>
+        </p:spPr>
+        <p:txBody>
+          <a:bodyPr wrap="none" rtlCol="0">
+            <a:spAutoFit/>
+          </a:bodyPr>
+          <a:lstStyle/>
+          <a:p>
+            <a:r>
+              <a:rPr lang="en-US" b="1" dirty="0"/>
+              <a:t>P1.4</a:t>
+            </a:r>
+          </a:p>
+        </p:txBody>
+      </p:sp>
+      <p:sp>
+        <p:nvSpPr>
+          <p:cNvPr id="14" name="TextBox 13">
+            <a:extLst>
+              <a:ext uri="{FF2B5EF4-FFF2-40B4-BE49-F238E27FC236}">
+                <a16:creationId xmlns:a16="http://schemas.microsoft.com/office/drawing/2014/main" id="{063F0B75-9123-AA63-F171-E9197E7D2755}"/>
+              </a:ext>
+            </a:extLst>
+          </p:cNvPr>
+          <p:cNvSpPr txBox="1"/>
+          <p:nvPr/>
+        </p:nvSpPr>
+        <p:spPr>
+          <a:xfrm>
+            <a:off x="6841551" y="3682395"/>
+            <a:ext cx="453970" cy="369332"/>
+          </a:xfrm>
+          <a:prstGeom prst="rect">
+            <a:avLst/>
+          </a:prstGeom>
+          <a:noFill/>
+        </p:spPr>
+        <p:txBody>
+          <a:bodyPr wrap="none" rtlCol="0">
+            <a:spAutoFit/>
+          </a:bodyPr>
+          <a:lstStyle/>
+          <a:p>
+            <a:r>
+              <a:rPr lang="en-US" b="1" dirty="0"/>
+              <a:t>R2</a:t>
+            </a:r>
+          </a:p>
+        </p:txBody>
+      </p:sp>
+      <p:cxnSp>
+        <p:nvCxnSpPr>
+          <p:cNvPr id="31" name="Straight Connector 30">
+            <a:extLst>
+              <a:ext uri="{FF2B5EF4-FFF2-40B4-BE49-F238E27FC236}">
+                <a16:creationId xmlns:a16="http://schemas.microsoft.com/office/drawing/2014/main" id="{7AE69E43-CA60-8E94-B739-577AFB648365}"/>
+              </a:ext>
+            </a:extLst>
+          </p:cNvPr>
+          <p:cNvCxnSpPr>
+            <a:cxnSpLocks/>
+          </p:cNvCxnSpPr>
+          <p:nvPr/>
+        </p:nvCxnSpPr>
+        <p:spPr>
+          <a:xfrm>
+            <a:off x="5701342" y="3885583"/>
+            <a:ext cx="1205865" cy="0"/>
+          </a:xfrm>
+          <a:prstGeom prst="line">
+            <a:avLst/>
+          </a:prstGeom>
+          <a:ln w="57150">
+            <a:solidFill>
+              <a:schemeClr val="tx1"/>
+            </a:solidFill>
+          </a:ln>
+        </p:spPr>
+        <p:style>
+          <a:lnRef idx="2">
+            <a:schemeClr val="accent1"/>
+          </a:lnRef>
+          <a:fillRef idx="0">
+            <a:schemeClr val="accent1"/>
+          </a:fillRef>
+          <a:effectRef idx="1">
+            <a:schemeClr val="accent1"/>
+          </a:effectRef>
+          <a:fontRef idx="minor">
+            <a:schemeClr val="tx1"/>
+          </a:fontRef>
+        </p:style>
+      </p:cxnSp>
+      <p:sp>
+        <p:nvSpPr>
+          <p:cNvPr id="32" name="TextBox 31">
+            <a:extLst>
+              <a:ext uri="{FF2B5EF4-FFF2-40B4-BE49-F238E27FC236}">
+                <a16:creationId xmlns:a16="http://schemas.microsoft.com/office/drawing/2014/main" id="{ACFEF066-018D-F4BF-EB0B-B485A5100FB8}"/>
+              </a:ext>
+            </a:extLst>
+          </p:cNvPr>
+          <p:cNvSpPr txBox="1"/>
+          <p:nvPr/>
+        </p:nvSpPr>
+        <p:spPr>
+          <a:xfrm>
+            <a:off x="5122090" y="3698683"/>
+            <a:ext cx="639919" cy="369332"/>
+          </a:xfrm>
+          <a:prstGeom prst="rect">
+            <a:avLst/>
+          </a:prstGeom>
+          <a:noFill/>
+        </p:spPr>
+        <p:txBody>
+          <a:bodyPr wrap="none" rtlCol="0">
+            <a:spAutoFit/>
+          </a:bodyPr>
+          <a:lstStyle/>
+          <a:p>
+            <a:r>
+              <a:rPr lang="en-US" b="1" dirty="0"/>
+              <a:t>P1.1</a:t>
+            </a:r>
+          </a:p>
+        </p:txBody>
+      </p:sp>
+      <p:sp>
+        <p:nvSpPr>
+          <p:cNvPr id="34" name="TextBox 33">
+            <a:extLst>
+              <a:ext uri="{FF2B5EF4-FFF2-40B4-BE49-F238E27FC236}">
+                <a16:creationId xmlns:a16="http://schemas.microsoft.com/office/drawing/2014/main" id="{415FE3E9-08DE-98A2-A8F4-4024FFAA4AA3}"/>
+              </a:ext>
+            </a:extLst>
+          </p:cNvPr>
+          <p:cNvSpPr txBox="1"/>
+          <p:nvPr/>
+        </p:nvSpPr>
+        <p:spPr>
+          <a:xfrm>
+            <a:off x="6840571" y="3899689"/>
+            <a:ext cx="453970" cy="369332"/>
+          </a:xfrm>
+          <a:prstGeom prst="rect">
+            <a:avLst/>
+          </a:prstGeom>
+          <a:noFill/>
+        </p:spPr>
+        <p:txBody>
+          <a:bodyPr wrap="none" rtlCol="0">
+            <a:spAutoFit/>
+          </a:bodyPr>
+          <a:lstStyle/>
+          <a:p>
+            <a:r>
+              <a:rPr lang="en-US" b="1" dirty="0"/>
+              <a:t>R3</a:t>
+            </a:r>
+          </a:p>
+        </p:txBody>
+      </p:sp>
+      <p:cxnSp>
+        <p:nvCxnSpPr>
+          <p:cNvPr id="36" name="Straight Connector 35">
+            <a:extLst>
+              <a:ext uri="{FF2B5EF4-FFF2-40B4-BE49-F238E27FC236}">
+                <a16:creationId xmlns:a16="http://schemas.microsoft.com/office/drawing/2014/main" id="{70EBD2B0-8623-AB9C-ADBB-9037A88212AE}"/>
+              </a:ext>
+            </a:extLst>
+          </p:cNvPr>
+          <p:cNvCxnSpPr>
+            <a:cxnSpLocks/>
+          </p:cNvCxnSpPr>
+          <p:nvPr/>
+        </p:nvCxnSpPr>
+        <p:spPr>
+          <a:xfrm>
+            <a:off x="5700362" y="4102877"/>
+            <a:ext cx="1205865" cy="0"/>
+          </a:xfrm>
+          <a:prstGeom prst="line">
+            <a:avLst/>
+          </a:prstGeom>
+          <a:ln w="57150">
+            <a:solidFill>
+              <a:schemeClr val="tx1"/>
+            </a:solidFill>
+          </a:ln>
+        </p:spPr>
+        <p:style>
+          <a:lnRef idx="2">
+            <a:schemeClr val="accent1"/>
+          </a:lnRef>
+          <a:fillRef idx="0">
+            <a:schemeClr val="accent1"/>
+          </a:fillRef>
+          <a:effectRef idx="1">
+            <a:schemeClr val="accent1"/>
+          </a:effectRef>
+          <a:fontRef idx="minor">
+            <a:schemeClr val="tx1"/>
+          </a:fontRef>
+        </p:style>
+      </p:cxnSp>
+      <p:sp>
+        <p:nvSpPr>
+          <p:cNvPr id="43" name="TextBox 42">
+            <a:extLst>
+              <a:ext uri="{FF2B5EF4-FFF2-40B4-BE49-F238E27FC236}">
+                <a16:creationId xmlns:a16="http://schemas.microsoft.com/office/drawing/2014/main" id="{CA3FF621-22E7-F02C-5D2B-17EC668EF2CD}"/>
+              </a:ext>
+            </a:extLst>
+          </p:cNvPr>
+          <p:cNvSpPr txBox="1"/>
+          <p:nvPr/>
+        </p:nvSpPr>
+        <p:spPr>
+          <a:xfrm>
+            <a:off x="5121110" y="3915977"/>
+            <a:ext cx="639919" cy="369332"/>
+          </a:xfrm>
+          <a:prstGeom prst="rect">
+            <a:avLst/>
+          </a:prstGeom>
+          <a:noFill/>
+        </p:spPr>
+        <p:txBody>
+          <a:bodyPr wrap="none" rtlCol="0">
+            <a:spAutoFit/>
+          </a:bodyPr>
+          <a:lstStyle/>
+          <a:p>
+            <a:r>
+              <a:rPr lang="en-US" b="1" dirty="0"/>
+              <a:t>P3.5</a:t>
+            </a:r>
+          </a:p>
+        </p:txBody>
+      </p:sp>
+      <p:sp>
+        <p:nvSpPr>
+          <p:cNvPr id="51" name="TextBox 50">
+            <a:extLst>
+              <a:ext uri="{FF2B5EF4-FFF2-40B4-BE49-F238E27FC236}">
+                <a16:creationId xmlns:a16="http://schemas.microsoft.com/office/drawing/2014/main" id="{FEFF436F-D902-3F47-716F-FE1C577D49D5}"/>
+              </a:ext>
+            </a:extLst>
+          </p:cNvPr>
+          <p:cNvSpPr txBox="1"/>
+          <p:nvPr/>
+        </p:nvSpPr>
+        <p:spPr>
+          <a:xfrm>
+            <a:off x="6839591" y="4116983"/>
+            <a:ext cx="453970" cy="369332"/>
+          </a:xfrm>
+          <a:prstGeom prst="rect">
+            <a:avLst/>
+          </a:prstGeom>
+          <a:noFill/>
+        </p:spPr>
+        <p:txBody>
+          <a:bodyPr wrap="none" rtlCol="0">
+            <a:spAutoFit/>
+          </a:bodyPr>
+          <a:lstStyle/>
+          <a:p>
+            <a:r>
+              <a:rPr lang="en-US" b="1" dirty="0"/>
+              <a:t>R4</a:t>
+            </a:r>
+          </a:p>
+        </p:txBody>
+      </p:sp>
+      <p:cxnSp>
+        <p:nvCxnSpPr>
+          <p:cNvPr id="52" name="Straight Connector 51">
+            <a:extLst>
+              <a:ext uri="{FF2B5EF4-FFF2-40B4-BE49-F238E27FC236}">
+                <a16:creationId xmlns:a16="http://schemas.microsoft.com/office/drawing/2014/main" id="{250A42A6-5BBB-9115-F997-9A41ADEAE526}"/>
+              </a:ext>
+            </a:extLst>
+          </p:cNvPr>
+          <p:cNvCxnSpPr>
+            <a:cxnSpLocks/>
+          </p:cNvCxnSpPr>
+          <p:nvPr/>
+        </p:nvCxnSpPr>
+        <p:spPr>
+          <a:xfrm>
+            <a:off x="5699382" y="4320171"/>
+            <a:ext cx="1205865" cy="0"/>
+          </a:xfrm>
+          <a:prstGeom prst="line">
+            <a:avLst/>
+          </a:prstGeom>
+          <a:ln w="57150">
+            <a:solidFill>
+              <a:schemeClr val="tx1"/>
+            </a:solidFill>
+          </a:ln>
+        </p:spPr>
+        <p:style>
+          <a:lnRef idx="2">
+            <a:schemeClr val="accent1"/>
+          </a:lnRef>
+          <a:fillRef idx="0">
+            <a:schemeClr val="accent1"/>
+          </a:fillRef>
+          <a:effectRef idx="1">
+            <a:schemeClr val="accent1"/>
+          </a:effectRef>
+          <a:fontRef idx="minor">
+            <a:schemeClr val="tx1"/>
+          </a:fontRef>
+        </p:style>
+      </p:cxnSp>
+      <p:sp>
+        <p:nvSpPr>
+          <p:cNvPr id="53" name="TextBox 52">
+            <a:extLst>
+              <a:ext uri="{FF2B5EF4-FFF2-40B4-BE49-F238E27FC236}">
+                <a16:creationId xmlns:a16="http://schemas.microsoft.com/office/drawing/2014/main" id="{B5A014DE-91F3-E29C-914F-1AFD8A65AF44}"/>
+              </a:ext>
+            </a:extLst>
+          </p:cNvPr>
+          <p:cNvSpPr txBox="1"/>
+          <p:nvPr/>
+        </p:nvSpPr>
+        <p:spPr>
+          <a:xfrm>
+            <a:off x="5120130" y="4133271"/>
+            <a:ext cx="639919" cy="369332"/>
+          </a:xfrm>
+          <a:prstGeom prst="rect">
+            <a:avLst/>
+          </a:prstGeom>
+          <a:noFill/>
+        </p:spPr>
+        <p:txBody>
+          <a:bodyPr wrap="none" rtlCol="0">
+            <a:spAutoFit/>
+          </a:bodyPr>
+          <a:lstStyle/>
+          <a:p>
+            <a:r>
+              <a:rPr lang="en-US" b="1" dirty="0"/>
+              <a:t>P3.1</a:t>
+            </a:r>
+          </a:p>
+        </p:txBody>
+      </p:sp>
+      <p:pic>
+        <p:nvPicPr>
+          <p:cNvPr id="72" name="Picture 71">
+            <a:extLst>
+              <a:ext uri="{FF2B5EF4-FFF2-40B4-BE49-F238E27FC236}">
+                <a16:creationId xmlns:a16="http://schemas.microsoft.com/office/drawing/2014/main" id="{5B06FA17-6352-8768-E1E9-F3140475DDF2}"/>
               </a:ext>
             </a:extLst>
           </p:cNvPr>
@@ -6194,9 +8886,9 @@
           <a:stretch/>
         </p:blipFill>
         <p:spPr>
-          <a:xfrm>
-            <a:off x="2457573" y="2423946"/>
-            <a:ext cx="368677" cy="369332"/>
+          <a:xfrm flipH="1">
+            <a:off x="2979603" y="3839479"/>
+            <a:ext cx="339589" cy="369332"/>
           </a:xfrm>
           <a:prstGeom prst="rect">
             <a:avLst/>
@@ -6205,10 +8897,10 @@
       </p:pic>
       <p:sp>
         <p:nvSpPr>
-          <p:cNvPr id="182" name="TextBox 181">
-            <a:extLst>
-              <a:ext uri="{FF2B5EF4-FFF2-40B4-BE49-F238E27FC236}">
-                <a16:creationId xmlns:a16="http://schemas.microsoft.com/office/drawing/2014/main" id="{A0A2619C-49AF-7F3B-3AEA-E35674B7F6A8}"/>
+          <p:cNvPr id="96" name="TextBox 95">
+            <a:extLst>
+              <a:ext uri="{FF2B5EF4-FFF2-40B4-BE49-F238E27FC236}">
+                <a16:creationId xmlns:a16="http://schemas.microsoft.com/office/drawing/2014/main" id="{1D4514F7-FD23-40ED-828A-5248F72C8353}"/>
               </a:ext>
             </a:extLst>
           </p:cNvPr>
@@ -6217,7 +8909,7 @@
         </p:nvSpPr>
         <p:spPr>
           <a:xfrm>
-            <a:off x="3556558" y="2489146"/>
+            <a:off x="3535083" y="4147248"/>
             <a:ext cx="639919" cy="369332"/>
           </a:xfrm>
           <a:prstGeom prst="rect">
@@ -6233,17 +8925,192 @@
           <a:p>
             <a:r>
               <a:rPr lang="en-US" b="1" dirty="0"/>
-              <a:t>P1.5</a:t>
+              <a:t>P6.1</a:t>
+            </a:r>
+          </a:p>
+        </p:txBody>
+      </p:sp>
+      <p:sp>
+        <p:nvSpPr>
+          <p:cNvPr id="99" name="TextBox 98">
+            <a:extLst>
+              <a:ext uri="{FF2B5EF4-FFF2-40B4-BE49-F238E27FC236}">
+                <a16:creationId xmlns:a16="http://schemas.microsoft.com/office/drawing/2014/main" id="{269AC8F1-CC7B-90DE-3794-FDFA38F1F385}"/>
+              </a:ext>
+            </a:extLst>
+          </p:cNvPr>
+          <p:cNvSpPr txBox="1"/>
+          <p:nvPr/>
+        </p:nvSpPr>
+        <p:spPr>
+          <a:xfrm>
+            <a:off x="3534789" y="4372773"/>
+            <a:ext cx="639919" cy="369332"/>
+          </a:xfrm>
+          <a:prstGeom prst="rect">
+            <a:avLst/>
+          </a:prstGeom>
+          <a:noFill/>
+        </p:spPr>
+        <p:txBody>
+          <a:bodyPr wrap="none" rtlCol="0">
+            <a:spAutoFit/>
+          </a:bodyPr>
+          <a:lstStyle/>
+          <a:p>
+            <a:r>
+              <a:rPr lang="en-US" b="1" dirty="0"/>
+              <a:t>P6.2</a:t>
+            </a:r>
+          </a:p>
+        </p:txBody>
+      </p:sp>
+      <p:sp>
+        <p:nvSpPr>
+          <p:cNvPr id="109" name="TextBox 108">
+            <a:extLst>
+              <a:ext uri="{FF2B5EF4-FFF2-40B4-BE49-F238E27FC236}">
+                <a16:creationId xmlns:a16="http://schemas.microsoft.com/office/drawing/2014/main" id="{F88A8B20-9B22-7571-D90E-562928C93D63}"/>
+              </a:ext>
+            </a:extLst>
+          </p:cNvPr>
+          <p:cNvSpPr txBox="1"/>
+          <p:nvPr/>
+        </p:nvSpPr>
+        <p:spPr>
+          <a:xfrm>
+            <a:off x="3533415" y="4610413"/>
+            <a:ext cx="639919" cy="369332"/>
+          </a:xfrm>
+          <a:prstGeom prst="rect">
+            <a:avLst/>
+          </a:prstGeom>
+          <a:noFill/>
+        </p:spPr>
+        <p:txBody>
+          <a:bodyPr wrap="none" rtlCol="0">
+            <a:spAutoFit/>
+          </a:bodyPr>
+          <a:lstStyle/>
+          <a:p>
+            <a:r>
+              <a:rPr lang="en-US" b="1" dirty="0"/>
+              <a:t>P6.3</a:t>
+            </a:r>
+          </a:p>
+        </p:txBody>
+      </p:sp>
+      <p:sp>
+        <p:nvSpPr>
+          <p:cNvPr id="112" name="TextBox 111">
+            <a:extLst>
+              <a:ext uri="{FF2B5EF4-FFF2-40B4-BE49-F238E27FC236}">
+                <a16:creationId xmlns:a16="http://schemas.microsoft.com/office/drawing/2014/main" id="{7BAE6126-FD35-ECEC-A0A5-609957407696}"/>
+              </a:ext>
+            </a:extLst>
+          </p:cNvPr>
+          <p:cNvSpPr txBox="1"/>
+          <p:nvPr/>
+        </p:nvSpPr>
+        <p:spPr>
+          <a:xfrm>
+            <a:off x="3528417" y="4836023"/>
+            <a:ext cx="639919" cy="369332"/>
+          </a:xfrm>
+          <a:prstGeom prst="rect">
+            <a:avLst/>
+          </a:prstGeom>
+          <a:noFill/>
+        </p:spPr>
+        <p:txBody>
+          <a:bodyPr wrap="none" rtlCol="0">
+            <a:spAutoFit/>
+          </a:bodyPr>
+          <a:lstStyle/>
+          <a:p>
+            <a:r>
+              <a:rPr lang="en-US" b="1" dirty="0"/>
+              <a:t>P6.4</a:t>
+            </a:r>
+          </a:p>
+        </p:txBody>
+      </p:sp>
+      <p:sp>
+        <p:nvSpPr>
+          <p:cNvPr id="113" name="TextBox 112">
+            <a:extLst>
+              <a:ext uri="{FF2B5EF4-FFF2-40B4-BE49-F238E27FC236}">
+                <a16:creationId xmlns:a16="http://schemas.microsoft.com/office/drawing/2014/main" id="{5D9E7B4F-8BCD-5DAC-BF3E-22AEE9D61285}"/>
+              </a:ext>
+            </a:extLst>
+          </p:cNvPr>
+          <p:cNvSpPr txBox="1"/>
+          <p:nvPr/>
+        </p:nvSpPr>
+        <p:spPr>
+          <a:xfrm>
+            <a:off x="3540002" y="3916190"/>
+            <a:ext cx="639919" cy="369332"/>
+          </a:xfrm>
+          <a:prstGeom prst="rect">
+            <a:avLst/>
+          </a:prstGeom>
+          <a:noFill/>
+        </p:spPr>
+        <p:txBody>
+          <a:bodyPr wrap="none" rtlCol="0">
+            <a:spAutoFit/>
+          </a:bodyPr>
+          <a:lstStyle/>
+          <a:p>
+            <a:r>
+              <a:rPr lang="en-US" b="1" dirty="0"/>
+              <a:t>P6.0</a:t>
+            </a:r>
+          </a:p>
+        </p:txBody>
+      </p:sp>
+      <p:sp>
+        <p:nvSpPr>
+          <p:cNvPr id="114" name="TextBox 113">
+            <a:extLst>
+              <a:ext uri="{FF2B5EF4-FFF2-40B4-BE49-F238E27FC236}">
+                <a16:creationId xmlns:a16="http://schemas.microsoft.com/office/drawing/2014/main" id="{E2BAE6A4-C6EF-2C8D-7175-4669BA5B6348}"/>
+              </a:ext>
+            </a:extLst>
+          </p:cNvPr>
+          <p:cNvSpPr txBox="1"/>
+          <p:nvPr/>
+        </p:nvSpPr>
+        <p:spPr>
+          <a:xfrm>
+            <a:off x="3528202" y="5060661"/>
+            <a:ext cx="639919" cy="369332"/>
+          </a:xfrm>
+          <a:prstGeom prst="rect">
+            <a:avLst/>
+          </a:prstGeom>
+          <a:noFill/>
+        </p:spPr>
+        <p:txBody>
+          <a:bodyPr wrap="none" rtlCol="0">
+            <a:spAutoFit/>
+          </a:bodyPr>
+          <a:lstStyle/>
+          <a:p>
+            <a:r>
+              <a:rPr lang="en-US" b="1" dirty="0"/>
+              <a:t>P6.5</a:t>
             </a:r>
           </a:p>
         </p:txBody>
       </p:sp>
       <p:pic>
         <p:nvPicPr>
-          <p:cNvPr id="183" name="Picture 4">
-            <a:extLst>
-              <a:ext uri="{FF2B5EF4-FFF2-40B4-BE49-F238E27FC236}">
-                <a16:creationId xmlns:a16="http://schemas.microsoft.com/office/drawing/2014/main" id="{86F68755-4A90-25F2-CC7D-E56033F2A847}"/>
+          <p:cNvPr id="122" name="Picture 4">
+            <a:extLst>
+              <a:ext uri="{FF2B5EF4-FFF2-40B4-BE49-F238E27FC236}">
+                <a16:creationId xmlns:a16="http://schemas.microsoft.com/office/drawing/2014/main" id="{5DF18AE5-21EB-FEDB-D67B-506E8DE8650F}"/>
               </a:ext>
             </a:extLst>
           </p:cNvPr>
@@ -6267,7 +9134,7 @@
         </p:blipFill>
         <p:spPr bwMode="auto">
           <a:xfrm>
-            <a:off x="2705998" y="2538570"/>
+            <a:off x="2312864" y="3957768"/>
             <a:ext cx="762000" cy="285750"/>
           </a:xfrm>
           <a:prstGeom prst="rect">
@@ -6287,10 +9154,936 @@
       </p:pic>
       <p:cxnSp>
         <p:nvCxnSpPr>
+          <p:cNvPr id="125" name="Straight Connector 124">
+            <a:extLst>
+              <a:ext uri="{FF2B5EF4-FFF2-40B4-BE49-F238E27FC236}">
+                <a16:creationId xmlns:a16="http://schemas.microsoft.com/office/drawing/2014/main" id="{9D941834-5E12-F23D-6C70-07D1CC766310}"/>
+              </a:ext>
+            </a:extLst>
+          </p:cNvPr>
+          <p:cNvCxnSpPr>
+            <a:cxnSpLocks/>
+          </p:cNvCxnSpPr>
+          <p:nvPr/>
+        </p:nvCxnSpPr>
+        <p:spPr>
+          <a:xfrm>
+            <a:off x="3319192" y="4102644"/>
+            <a:ext cx="271137" cy="0"/>
+          </a:xfrm>
+          <a:prstGeom prst="line">
+            <a:avLst/>
+          </a:prstGeom>
+          <a:ln w="57150">
+            <a:solidFill>
+              <a:schemeClr val="tx1"/>
+            </a:solidFill>
+          </a:ln>
+        </p:spPr>
+        <p:style>
+          <a:lnRef idx="2">
+            <a:schemeClr val="accent1"/>
+          </a:lnRef>
+          <a:fillRef idx="0">
+            <a:schemeClr val="accent1"/>
+          </a:fillRef>
+          <a:effectRef idx="1">
+            <a:schemeClr val="accent1"/>
+          </a:effectRef>
+          <a:fontRef idx="minor">
+            <a:schemeClr val="tx1"/>
+          </a:fontRef>
+        </p:style>
+      </p:cxnSp>
+      <p:pic>
+        <p:nvPicPr>
+          <p:cNvPr id="127" name="Picture 126">
+            <a:extLst>
+              <a:ext uri="{FF2B5EF4-FFF2-40B4-BE49-F238E27FC236}">
+                <a16:creationId xmlns:a16="http://schemas.microsoft.com/office/drawing/2014/main" id="{480A52D9-4804-0F15-239F-BA2A20E03170}"/>
+              </a:ext>
+            </a:extLst>
+          </p:cNvPr>
+          <p:cNvPicPr>
+            <a:picLocks noChangeAspect="1"/>
+          </p:cNvPicPr>
+          <p:nvPr/>
+        </p:nvPicPr>
+        <p:blipFill>
+          <a:blip r:embed="rId2">
+            <a:duotone>
+              <a:schemeClr val="accent2">
+                <a:shade val="45000"/>
+                <a:satMod val="135000"/>
+              </a:schemeClr>
+              <a:prstClr val="white"/>
+            </a:duotone>
+          </a:blip>
+          <a:srcRect l="20829" r="19585"/>
+          <a:stretch/>
+        </p:blipFill>
+        <p:spPr>
+          <a:xfrm flipH="1">
+            <a:off x="2978621" y="4062667"/>
+            <a:ext cx="339589" cy="369332"/>
+          </a:xfrm>
+          <a:prstGeom prst="rect">
+            <a:avLst/>
+          </a:prstGeom>
+        </p:spPr>
+      </p:pic>
+      <p:pic>
+        <p:nvPicPr>
+          <p:cNvPr id="132" name="Picture 4">
+            <a:extLst>
+              <a:ext uri="{FF2B5EF4-FFF2-40B4-BE49-F238E27FC236}">
+                <a16:creationId xmlns:a16="http://schemas.microsoft.com/office/drawing/2014/main" id="{7A90B3BD-4899-360B-83CF-C80CBC2615F5}"/>
+              </a:ext>
+            </a:extLst>
+          </p:cNvPr>
+          <p:cNvPicPr>
+            <a:picLocks noChangeAspect="1" noChangeArrowheads="1"/>
+          </p:cNvPicPr>
+          <p:nvPr/>
+        </p:nvPicPr>
+        <p:blipFill>
+          <a:blip r:embed="rId3">
+            <a:extLst>
+              <a:ext uri="{28A0092B-C50C-407E-A947-70E740481C1C}">
+                <a14:useLocalDpi xmlns:a14="http://schemas.microsoft.com/office/drawing/2010/main" val="0"/>
+              </a:ext>
+            </a:extLst>
+          </a:blip>
+          <a:srcRect/>
+          <a:stretch>
+            <a:fillRect/>
+          </a:stretch>
+        </p:blipFill>
+        <p:spPr bwMode="auto">
+          <a:xfrm>
+            <a:off x="2311882" y="4180956"/>
+            <a:ext cx="762000" cy="285750"/>
+          </a:xfrm>
+          <a:prstGeom prst="rect">
+            <a:avLst/>
+          </a:prstGeom>
+          <a:noFill/>
+          <a:extLst>
+            <a:ext uri="{909E8E84-426E-40DD-AFC4-6F175D3DCCD1}">
+              <a14:hiddenFill xmlns:a14="http://schemas.microsoft.com/office/drawing/2010/main">
+                <a:solidFill>
+                  <a:srgbClr val="FFFFFF"/>
+                </a:solidFill>
+              </a14:hiddenFill>
+            </a:ext>
+          </a:extLst>
+        </p:spPr>
+      </p:pic>
+      <p:cxnSp>
+        <p:nvCxnSpPr>
+          <p:cNvPr id="135" name="Straight Connector 134">
+            <a:extLst>
+              <a:ext uri="{FF2B5EF4-FFF2-40B4-BE49-F238E27FC236}">
+                <a16:creationId xmlns:a16="http://schemas.microsoft.com/office/drawing/2014/main" id="{C32F161B-2242-EC90-CDC4-DF46715CC2C2}"/>
+              </a:ext>
+            </a:extLst>
+          </p:cNvPr>
+          <p:cNvCxnSpPr>
+            <a:cxnSpLocks/>
+          </p:cNvCxnSpPr>
+          <p:nvPr/>
+        </p:nvCxnSpPr>
+        <p:spPr>
+          <a:xfrm>
+            <a:off x="3318210" y="4325832"/>
+            <a:ext cx="271137" cy="0"/>
+          </a:xfrm>
+          <a:prstGeom prst="line">
+            <a:avLst/>
+          </a:prstGeom>
+          <a:ln w="57150">
+            <a:solidFill>
+              <a:schemeClr val="tx1"/>
+            </a:solidFill>
+          </a:ln>
+        </p:spPr>
+        <p:style>
+          <a:lnRef idx="2">
+            <a:schemeClr val="accent1"/>
+          </a:lnRef>
+          <a:fillRef idx="0">
+            <a:schemeClr val="accent1"/>
+          </a:fillRef>
+          <a:effectRef idx="1">
+            <a:schemeClr val="accent1"/>
+          </a:effectRef>
+          <a:fontRef idx="minor">
+            <a:schemeClr val="tx1"/>
+          </a:fontRef>
+        </p:style>
+      </p:cxnSp>
+      <p:pic>
+        <p:nvPicPr>
+          <p:cNvPr id="143" name="Picture 142">
+            <a:extLst>
+              <a:ext uri="{FF2B5EF4-FFF2-40B4-BE49-F238E27FC236}">
+                <a16:creationId xmlns:a16="http://schemas.microsoft.com/office/drawing/2014/main" id="{31D74CFD-9FC9-9920-CC3F-CD954DA9D408}"/>
+              </a:ext>
+            </a:extLst>
+          </p:cNvPr>
+          <p:cNvPicPr>
+            <a:picLocks noChangeAspect="1"/>
+          </p:cNvPicPr>
+          <p:nvPr/>
+        </p:nvPicPr>
+        <p:blipFill>
+          <a:blip r:embed="rId2">
+            <a:duotone>
+              <a:schemeClr val="accent2">
+                <a:shade val="45000"/>
+                <a:satMod val="135000"/>
+              </a:schemeClr>
+              <a:prstClr val="white"/>
+            </a:duotone>
+          </a:blip>
+          <a:srcRect l="20829" r="19585"/>
+          <a:stretch/>
+        </p:blipFill>
+        <p:spPr>
+          <a:xfrm flipH="1">
+            <a:off x="2977639" y="4285855"/>
+            <a:ext cx="339589" cy="369332"/>
+          </a:xfrm>
+          <a:prstGeom prst="rect">
+            <a:avLst/>
+          </a:prstGeom>
+        </p:spPr>
+      </p:pic>
+      <p:pic>
+        <p:nvPicPr>
+          <p:cNvPr id="150" name="Picture 4">
+            <a:extLst>
+              <a:ext uri="{FF2B5EF4-FFF2-40B4-BE49-F238E27FC236}">
+                <a16:creationId xmlns:a16="http://schemas.microsoft.com/office/drawing/2014/main" id="{8EB1B9A1-B9D3-8322-BD04-B782B121F633}"/>
+              </a:ext>
+            </a:extLst>
+          </p:cNvPr>
+          <p:cNvPicPr>
+            <a:picLocks noChangeAspect="1" noChangeArrowheads="1"/>
+          </p:cNvPicPr>
+          <p:nvPr/>
+        </p:nvPicPr>
+        <p:blipFill>
+          <a:blip r:embed="rId3">
+            <a:extLst>
+              <a:ext uri="{28A0092B-C50C-407E-A947-70E740481C1C}">
+                <a14:useLocalDpi xmlns:a14="http://schemas.microsoft.com/office/drawing/2010/main" val="0"/>
+              </a:ext>
+            </a:extLst>
+          </a:blip>
+          <a:srcRect/>
+          <a:stretch>
+            <a:fillRect/>
+          </a:stretch>
+        </p:blipFill>
+        <p:spPr bwMode="auto">
+          <a:xfrm>
+            <a:off x="2310900" y="4404144"/>
+            <a:ext cx="762000" cy="285750"/>
+          </a:xfrm>
+          <a:prstGeom prst="rect">
+            <a:avLst/>
+          </a:prstGeom>
+          <a:noFill/>
+          <a:extLst>
+            <a:ext uri="{909E8E84-426E-40DD-AFC4-6F175D3DCCD1}">
+              <a14:hiddenFill xmlns:a14="http://schemas.microsoft.com/office/drawing/2010/main">
+                <a:solidFill>
+                  <a:srgbClr val="FFFFFF"/>
+                </a:solidFill>
+              </a14:hiddenFill>
+            </a:ext>
+          </a:extLst>
+        </p:spPr>
+      </p:pic>
+      <p:cxnSp>
+        <p:nvCxnSpPr>
+          <p:cNvPr id="151" name="Straight Connector 150">
+            <a:extLst>
+              <a:ext uri="{FF2B5EF4-FFF2-40B4-BE49-F238E27FC236}">
+                <a16:creationId xmlns:a16="http://schemas.microsoft.com/office/drawing/2014/main" id="{074FE567-71E3-4181-D26E-F1513F2B5305}"/>
+              </a:ext>
+            </a:extLst>
+          </p:cNvPr>
+          <p:cNvCxnSpPr>
+            <a:cxnSpLocks/>
+          </p:cNvCxnSpPr>
+          <p:nvPr/>
+        </p:nvCxnSpPr>
+        <p:spPr>
+          <a:xfrm>
+            <a:off x="3317228" y="4549020"/>
+            <a:ext cx="271137" cy="0"/>
+          </a:xfrm>
+          <a:prstGeom prst="line">
+            <a:avLst/>
+          </a:prstGeom>
+          <a:ln w="57150">
+            <a:solidFill>
+              <a:schemeClr val="tx1"/>
+            </a:solidFill>
+          </a:ln>
+        </p:spPr>
+        <p:style>
+          <a:lnRef idx="2">
+            <a:schemeClr val="accent1"/>
+          </a:lnRef>
+          <a:fillRef idx="0">
+            <a:schemeClr val="accent1"/>
+          </a:fillRef>
+          <a:effectRef idx="1">
+            <a:schemeClr val="accent1"/>
+          </a:effectRef>
+          <a:fontRef idx="minor">
+            <a:schemeClr val="tx1"/>
+          </a:fontRef>
+        </p:style>
+      </p:cxnSp>
+      <p:pic>
+        <p:nvPicPr>
+          <p:cNvPr id="152" name="Picture 151">
+            <a:extLst>
+              <a:ext uri="{FF2B5EF4-FFF2-40B4-BE49-F238E27FC236}">
+                <a16:creationId xmlns:a16="http://schemas.microsoft.com/office/drawing/2014/main" id="{301412A5-1F5E-89E9-17F0-AB0A965E7A34}"/>
+              </a:ext>
+            </a:extLst>
+          </p:cNvPr>
+          <p:cNvPicPr>
+            <a:picLocks noChangeAspect="1"/>
+          </p:cNvPicPr>
+          <p:nvPr/>
+        </p:nvPicPr>
+        <p:blipFill>
+          <a:blip r:embed="rId2">
+            <a:duotone>
+              <a:schemeClr val="accent2">
+                <a:shade val="45000"/>
+                <a:satMod val="135000"/>
+              </a:schemeClr>
+              <a:prstClr val="white"/>
+            </a:duotone>
+          </a:blip>
+          <a:srcRect l="20829" r="19585"/>
+          <a:stretch/>
+        </p:blipFill>
+        <p:spPr>
+          <a:xfrm flipH="1">
+            <a:off x="2976657" y="4509043"/>
+            <a:ext cx="339589" cy="369332"/>
+          </a:xfrm>
+          <a:prstGeom prst="rect">
+            <a:avLst/>
+          </a:prstGeom>
+        </p:spPr>
+      </p:pic>
+      <p:pic>
+        <p:nvPicPr>
+          <p:cNvPr id="153" name="Picture 4">
+            <a:extLst>
+              <a:ext uri="{FF2B5EF4-FFF2-40B4-BE49-F238E27FC236}">
+                <a16:creationId xmlns:a16="http://schemas.microsoft.com/office/drawing/2014/main" id="{8DFA3CDE-C727-A804-E13D-445D1E387F07}"/>
+              </a:ext>
+            </a:extLst>
+          </p:cNvPr>
+          <p:cNvPicPr>
+            <a:picLocks noChangeAspect="1" noChangeArrowheads="1"/>
+          </p:cNvPicPr>
+          <p:nvPr/>
+        </p:nvPicPr>
+        <p:blipFill>
+          <a:blip r:embed="rId3">
+            <a:extLst>
+              <a:ext uri="{28A0092B-C50C-407E-A947-70E740481C1C}">
+                <a14:useLocalDpi xmlns:a14="http://schemas.microsoft.com/office/drawing/2010/main" val="0"/>
+              </a:ext>
+            </a:extLst>
+          </a:blip>
+          <a:srcRect/>
+          <a:stretch>
+            <a:fillRect/>
+          </a:stretch>
+        </p:blipFill>
+        <p:spPr bwMode="auto">
+          <a:xfrm>
+            <a:off x="2309918" y="4627332"/>
+            <a:ext cx="762000" cy="285750"/>
+          </a:xfrm>
+          <a:prstGeom prst="rect">
+            <a:avLst/>
+          </a:prstGeom>
+          <a:noFill/>
+          <a:extLst>
+            <a:ext uri="{909E8E84-426E-40DD-AFC4-6F175D3DCCD1}">
+              <a14:hiddenFill xmlns:a14="http://schemas.microsoft.com/office/drawing/2010/main">
+                <a:solidFill>
+                  <a:srgbClr val="FFFFFF"/>
+                </a:solidFill>
+              </a14:hiddenFill>
+            </a:ext>
+          </a:extLst>
+        </p:spPr>
+      </p:pic>
+      <p:cxnSp>
+        <p:nvCxnSpPr>
+          <p:cNvPr id="154" name="Straight Connector 153">
+            <a:extLst>
+              <a:ext uri="{FF2B5EF4-FFF2-40B4-BE49-F238E27FC236}">
+                <a16:creationId xmlns:a16="http://schemas.microsoft.com/office/drawing/2014/main" id="{FC69C1FC-8458-40B4-0CA2-A03391AE123F}"/>
+              </a:ext>
+            </a:extLst>
+          </p:cNvPr>
+          <p:cNvCxnSpPr>
+            <a:cxnSpLocks/>
+          </p:cNvCxnSpPr>
+          <p:nvPr/>
+        </p:nvCxnSpPr>
+        <p:spPr>
+          <a:xfrm>
+            <a:off x="3316246" y="4772208"/>
+            <a:ext cx="271137" cy="0"/>
+          </a:xfrm>
+          <a:prstGeom prst="line">
+            <a:avLst/>
+          </a:prstGeom>
+          <a:ln w="57150">
+            <a:solidFill>
+              <a:schemeClr val="tx1"/>
+            </a:solidFill>
+          </a:ln>
+        </p:spPr>
+        <p:style>
+          <a:lnRef idx="2">
+            <a:schemeClr val="accent1"/>
+          </a:lnRef>
+          <a:fillRef idx="0">
+            <a:schemeClr val="accent1"/>
+          </a:fillRef>
+          <a:effectRef idx="1">
+            <a:schemeClr val="accent1"/>
+          </a:effectRef>
+          <a:fontRef idx="minor">
+            <a:schemeClr val="tx1"/>
+          </a:fontRef>
+        </p:style>
+      </p:cxnSp>
+      <p:pic>
+        <p:nvPicPr>
+          <p:cNvPr id="160" name="Picture 159">
+            <a:extLst>
+              <a:ext uri="{FF2B5EF4-FFF2-40B4-BE49-F238E27FC236}">
+                <a16:creationId xmlns:a16="http://schemas.microsoft.com/office/drawing/2014/main" id="{34114B26-6C41-5ADB-250D-551811864B01}"/>
+              </a:ext>
+            </a:extLst>
+          </p:cNvPr>
+          <p:cNvPicPr>
+            <a:picLocks noChangeAspect="1"/>
+          </p:cNvPicPr>
+          <p:nvPr/>
+        </p:nvPicPr>
+        <p:blipFill>
+          <a:blip r:embed="rId2">
+            <a:duotone>
+              <a:schemeClr val="accent2">
+                <a:shade val="45000"/>
+                <a:satMod val="135000"/>
+              </a:schemeClr>
+              <a:prstClr val="white"/>
+            </a:duotone>
+          </a:blip>
+          <a:srcRect l="20829" r="19585"/>
+          <a:stretch/>
+        </p:blipFill>
+        <p:spPr>
+          <a:xfrm flipH="1">
+            <a:off x="2975675" y="4732231"/>
+            <a:ext cx="339589" cy="369332"/>
+          </a:xfrm>
+          <a:prstGeom prst="rect">
+            <a:avLst/>
+          </a:prstGeom>
+        </p:spPr>
+      </p:pic>
+      <p:pic>
+        <p:nvPicPr>
+          <p:cNvPr id="161" name="Picture 4">
+            <a:extLst>
+              <a:ext uri="{FF2B5EF4-FFF2-40B4-BE49-F238E27FC236}">
+                <a16:creationId xmlns:a16="http://schemas.microsoft.com/office/drawing/2014/main" id="{F1E65D15-6FE9-0F7D-B43E-983A69A06F27}"/>
+              </a:ext>
+            </a:extLst>
+          </p:cNvPr>
+          <p:cNvPicPr>
+            <a:picLocks noChangeAspect="1" noChangeArrowheads="1"/>
+          </p:cNvPicPr>
+          <p:nvPr/>
+        </p:nvPicPr>
+        <p:blipFill>
+          <a:blip r:embed="rId3">
+            <a:extLst>
+              <a:ext uri="{28A0092B-C50C-407E-A947-70E740481C1C}">
+                <a14:useLocalDpi xmlns:a14="http://schemas.microsoft.com/office/drawing/2010/main" val="0"/>
+              </a:ext>
+            </a:extLst>
+          </a:blip>
+          <a:srcRect/>
+          <a:stretch>
+            <a:fillRect/>
+          </a:stretch>
+        </p:blipFill>
+        <p:spPr bwMode="auto">
+          <a:xfrm>
+            <a:off x="2308936" y="4850520"/>
+            <a:ext cx="762000" cy="285750"/>
+          </a:xfrm>
+          <a:prstGeom prst="rect">
+            <a:avLst/>
+          </a:prstGeom>
+          <a:noFill/>
+          <a:extLst>
+            <a:ext uri="{909E8E84-426E-40DD-AFC4-6F175D3DCCD1}">
+              <a14:hiddenFill xmlns:a14="http://schemas.microsoft.com/office/drawing/2010/main">
+                <a:solidFill>
+                  <a:srgbClr val="FFFFFF"/>
+                </a:solidFill>
+              </a14:hiddenFill>
+            </a:ext>
+          </a:extLst>
+        </p:spPr>
+      </p:pic>
+      <p:cxnSp>
+        <p:nvCxnSpPr>
+          <p:cNvPr id="162" name="Straight Connector 161">
+            <a:extLst>
+              <a:ext uri="{FF2B5EF4-FFF2-40B4-BE49-F238E27FC236}">
+                <a16:creationId xmlns:a16="http://schemas.microsoft.com/office/drawing/2014/main" id="{4CC12E89-222E-304A-A0D4-EECE927514BA}"/>
+              </a:ext>
+            </a:extLst>
+          </p:cNvPr>
+          <p:cNvCxnSpPr>
+            <a:cxnSpLocks/>
+          </p:cNvCxnSpPr>
+          <p:nvPr/>
+        </p:nvCxnSpPr>
+        <p:spPr>
+          <a:xfrm>
+            <a:off x="3315264" y="4995396"/>
+            <a:ext cx="271137" cy="0"/>
+          </a:xfrm>
+          <a:prstGeom prst="line">
+            <a:avLst/>
+          </a:prstGeom>
+          <a:ln w="57150">
+            <a:solidFill>
+              <a:schemeClr val="tx1"/>
+            </a:solidFill>
+          </a:ln>
+        </p:spPr>
+        <p:style>
+          <a:lnRef idx="2">
+            <a:schemeClr val="accent1"/>
+          </a:lnRef>
+          <a:fillRef idx="0">
+            <a:schemeClr val="accent1"/>
+          </a:fillRef>
+          <a:effectRef idx="1">
+            <a:schemeClr val="accent1"/>
+          </a:effectRef>
+          <a:fontRef idx="minor">
+            <a:schemeClr val="tx1"/>
+          </a:fontRef>
+        </p:style>
+      </p:cxnSp>
+      <p:pic>
+        <p:nvPicPr>
+          <p:cNvPr id="163" name="Picture 162">
+            <a:extLst>
+              <a:ext uri="{FF2B5EF4-FFF2-40B4-BE49-F238E27FC236}">
+                <a16:creationId xmlns:a16="http://schemas.microsoft.com/office/drawing/2014/main" id="{0E411964-BE98-4311-A0D4-0DA7FDE6A982}"/>
+              </a:ext>
+            </a:extLst>
+          </p:cNvPr>
+          <p:cNvPicPr>
+            <a:picLocks noChangeAspect="1"/>
+          </p:cNvPicPr>
+          <p:nvPr/>
+        </p:nvPicPr>
+        <p:blipFill>
+          <a:blip r:embed="rId2">
+            <a:duotone>
+              <a:schemeClr val="accent2">
+                <a:shade val="45000"/>
+                <a:satMod val="135000"/>
+              </a:schemeClr>
+              <a:prstClr val="white"/>
+            </a:duotone>
+          </a:blip>
+          <a:srcRect l="20829" r="19585"/>
+          <a:stretch/>
+        </p:blipFill>
+        <p:spPr>
+          <a:xfrm flipH="1">
+            <a:off x="2974693" y="4955419"/>
+            <a:ext cx="339589" cy="369332"/>
+          </a:xfrm>
+          <a:prstGeom prst="rect">
+            <a:avLst/>
+          </a:prstGeom>
+        </p:spPr>
+      </p:pic>
+      <p:pic>
+        <p:nvPicPr>
+          <p:cNvPr id="164" name="Picture 4">
+            <a:extLst>
+              <a:ext uri="{FF2B5EF4-FFF2-40B4-BE49-F238E27FC236}">
+                <a16:creationId xmlns:a16="http://schemas.microsoft.com/office/drawing/2014/main" id="{425E0C19-907E-0C6C-7B3B-7D568B11FAB9}"/>
+              </a:ext>
+            </a:extLst>
+          </p:cNvPr>
+          <p:cNvPicPr>
+            <a:picLocks noChangeAspect="1" noChangeArrowheads="1"/>
+          </p:cNvPicPr>
+          <p:nvPr/>
+        </p:nvPicPr>
+        <p:blipFill>
+          <a:blip r:embed="rId3">
+            <a:extLst>
+              <a:ext uri="{28A0092B-C50C-407E-A947-70E740481C1C}">
+                <a14:useLocalDpi xmlns:a14="http://schemas.microsoft.com/office/drawing/2010/main" val="0"/>
+              </a:ext>
+            </a:extLst>
+          </a:blip>
+          <a:srcRect/>
+          <a:stretch>
+            <a:fillRect/>
+          </a:stretch>
+        </p:blipFill>
+        <p:spPr bwMode="auto">
+          <a:xfrm>
+            <a:off x="2307954" y="5073708"/>
+            <a:ext cx="762000" cy="285750"/>
+          </a:xfrm>
+          <a:prstGeom prst="rect">
+            <a:avLst/>
+          </a:prstGeom>
+          <a:noFill/>
+          <a:extLst>
+            <a:ext uri="{909E8E84-426E-40DD-AFC4-6F175D3DCCD1}">
+              <a14:hiddenFill xmlns:a14="http://schemas.microsoft.com/office/drawing/2010/main">
+                <a:solidFill>
+                  <a:srgbClr val="FFFFFF"/>
+                </a:solidFill>
+              </a14:hiddenFill>
+            </a:ext>
+          </a:extLst>
+        </p:spPr>
+      </p:pic>
+      <p:cxnSp>
+        <p:nvCxnSpPr>
+          <p:cNvPr id="165" name="Straight Connector 164">
+            <a:extLst>
+              <a:ext uri="{FF2B5EF4-FFF2-40B4-BE49-F238E27FC236}">
+                <a16:creationId xmlns:a16="http://schemas.microsoft.com/office/drawing/2014/main" id="{F57695A0-0A42-713D-9EF6-2C4D035FDED0}"/>
+              </a:ext>
+            </a:extLst>
+          </p:cNvPr>
+          <p:cNvCxnSpPr>
+            <a:cxnSpLocks/>
+          </p:cNvCxnSpPr>
+          <p:nvPr/>
+        </p:nvCxnSpPr>
+        <p:spPr>
+          <a:xfrm>
+            <a:off x="3314282" y="5218584"/>
+            <a:ext cx="271137" cy="0"/>
+          </a:xfrm>
+          <a:prstGeom prst="line">
+            <a:avLst/>
+          </a:prstGeom>
+          <a:ln w="57150">
+            <a:solidFill>
+              <a:schemeClr val="tx1"/>
+            </a:solidFill>
+          </a:ln>
+        </p:spPr>
+        <p:style>
+          <a:lnRef idx="2">
+            <a:schemeClr val="accent1"/>
+          </a:lnRef>
+          <a:fillRef idx="0">
+            <a:schemeClr val="accent1"/>
+          </a:fillRef>
+          <a:effectRef idx="1">
+            <a:schemeClr val="accent1"/>
+          </a:effectRef>
+          <a:fontRef idx="minor">
+            <a:schemeClr val="tx1"/>
+          </a:fontRef>
+        </p:style>
+      </p:cxnSp>
+      <p:cxnSp>
+        <p:nvCxnSpPr>
+          <p:cNvPr id="172" name="Straight Connector 171">
+            <a:extLst>
+              <a:ext uri="{FF2B5EF4-FFF2-40B4-BE49-F238E27FC236}">
+                <a16:creationId xmlns:a16="http://schemas.microsoft.com/office/drawing/2014/main" id="{ECFA02DA-E2C8-E7E2-8C94-AFBC5A2D3A11}"/>
+              </a:ext>
+            </a:extLst>
+          </p:cNvPr>
+          <p:cNvCxnSpPr>
+            <a:cxnSpLocks/>
+          </p:cNvCxnSpPr>
+          <p:nvPr/>
+        </p:nvCxnSpPr>
+        <p:spPr>
+          <a:xfrm flipH="1" flipV="1">
+            <a:off x="2372100" y="4069855"/>
+            <a:ext cx="9376" cy="1904676"/>
+          </a:xfrm>
+          <a:prstGeom prst="line">
+            <a:avLst/>
+          </a:prstGeom>
+          <a:ln w="57150">
+            <a:solidFill>
+              <a:schemeClr val="tx1"/>
+            </a:solidFill>
+          </a:ln>
+        </p:spPr>
+        <p:style>
+          <a:lnRef idx="2">
+            <a:schemeClr val="accent1"/>
+          </a:lnRef>
+          <a:fillRef idx="0">
+            <a:schemeClr val="accent1"/>
+          </a:fillRef>
+          <a:effectRef idx="1">
+            <a:schemeClr val="accent1"/>
+          </a:effectRef>
+          <a:fontRef idx="minor">
+            <a:schemeClr val="tx1"/>
+          </a:fontRef>
+        </p:style>
+      </p:cxnSp>
+      <p:cxnSp>
+        <p:nvCxnSpPr>
+          <p:cNvPr id="173" name="Straight Connector 172">
+            <a:extLst>
+              <a:ext uri="{FF2B5EF4-FFF2-40B4-BE49-F238E27FC236}">
+                <a16:creationId xmlns:a16="http://schemas.microsoft.com/office/drawing/2014/main" id="{6546638B-5DA5-BF3A-7CA9-E483DE419991}"/>
+              </a:ext>
+            </a:extLst>
+          </p:cNvPr>
+          <p:cNvCxnSpPr>
+            <a:cxnSpLocks/>
+          </p:cNvCxnSpPr>
+          <p:nvPr/>
+        </p:nvCxnSpPr>
+        <p:spPr>
+          <a:xfrm>
+            <a:off x="2232373" y="5974531"/>
+            <a:ext cx="280276" cy="0"/>
+          </a:xfrm>
+          <a:prstGeom prst="line">
+            <a:avLst/>
+          </a:prstGeom>
+          <a:ln w="57150">
+            <a:solidFill>
+              <a:schemeClr val="tx1"/>
+            </a:solidFill>
+          </a:ln>
+        </p:spPr>
+        <p:style>
+          <a:lnRef idx="2">
+            <a:schemeClr val="accent1"/>
+          </a:lnRef>
+          <a:fillRef idx="0">
+            <a:schemeClr val="accent1"/>
+          </a:fillRef>
+          <a:effectRef idx="1">
+            <a:schemeClr val="accent1"/>
+          </a:effectRef>
+          <a:fontRef idx="minor">
+            <a:schemeClr val="tx1"/>
+          </a:fontRef>
+        </p:style>
+      </p:cxnSp>
+      <p:cxnSp>
+        <p:nvCxnSpPr>
+          <p:cNvPr id="174" name="Straight Connector 173">
+            <a:extLst>
+              <a:ext uri="{FF2B5EF4-FFF2-40B4-BE49-F238E27FC236}">
+                <a16:creationId xmlns:a16="http://schemas.microsoft.com/office/drawing/2014/main" id="{3B8B8C0D-8701-8577-90FD-10079BC4DE13}"/>
+              </a:ext>
+            </a:extLst>
+          </p:cNvPr>
+          <p:cNvCxnSpPr>
+            <a:cxnSpLocks/>
+          </p:cNvCxnSpPr>
+          <p:nvPr/>
+        </p:nvCxnSpPr>
+        <p:spPr>
+          <a:xfrm>
+            <a:off x="2318736" y="6073922"/>
+            <a:ext cx="119344" cy="0"/>
+          </a:xfrm>
+          <a:prstGeom prst="line">
+            <a:avLst/>
+          </a:prstGeom>
+          <a:ln w="57150">
+            <a:solidFill>
+              <a:schemeClr val="tx1"/>
+            </a:solidFill>
+          </a:ln>
+        </p:spPr>
+        <p:style>
+          <a:lnRef idx="2">
+            <a:schemeClr val="accent1"/>
+          </a:lnRef>
+          <a:fillRef idx="0">
+            <a:schemeClr val="accent1"/>
+          </a:fillRef>
+          <a:effectRef idx="1">
+            <a:schemeClr val="accent1"/>
+          </a:effectRef>
+          <a:fontRef idx="minor">
+            <a:schemeClr val="tx1"/>
+          </a:fontRef>
+        </p:style>
+      </p:cxnSp>
+      <p:pic>
+        <p:nvPicPr>
+          <p:cNvPr id="180" name="Picture 179">
+            <a:extLst>
+              <a:ext uri="{FF2B5EF4-FFF2-40B4-BE49-F238E27FC236}">
+                <a16:creationId xmlns:a16="http://schemas.microsoft.com/office/drawing/2014/main" id="{1946CB49-5EC2-8547-5082-7D751820681D}"/>
+              </a:ext>
+            </a:extLst>
+          </p:cNvPr>
+          <p:cNvPicPr>
+            <a:picLocks noChangeAspect="1"/>
+          </p:cNvPicPr>
+          <p:nvPr/>
+        </p:nvPicPr>
+        <p:blipFill>
+          <a:blip r:embed="rId2">
+            <a:duotone>
+              <a:schemeClr val="accent2">
+                <a:shade val="45000"/>
+                <a:satMod val="135000"/>
+              </a:schemeClr>
+              <a:prstClr val="white"/>
+            </a:duotone>
+          </a:blip>
+          <a:srcRect l="20829" r="19585"/>
+          <a:stretch/>
+        </p:blipFill>
+        <p:spPr>
+          <a:xfrm>
+            <a:off x="2457573" y="2423946"/>
+            <a:ext cx="368677" cy="369332"/>
+          </a:xfrm>
+          <a:prstGeom prst="rect">
+            <a:avLst/>
+          </a:prstGeom>
+        </p:spPr>
+      </p:pic>
+      <p:sp>
+        <p:nvSpPr>
+          <p:cNvPr id="182" name="TextBox 181">
+            <a:extLst>
+              <a:ext uri="{FF2B5EF4-FFF2-40B4-BE49-F238E27FC236}">
+                <a16:creationId xmlns:a16="http://schemas.microsoft.com/office/drawing/2014/main" id="{B5FBA39D-EF25-216A-4D81-E8F7BB5A8F71}"/>
+              </a:ext>
+            </a:extLst>
+          </p:cNvPr>
+          <p:cNvSpPr txBox="1"/>
+          <p:nvPr/>
+        </p:nvSpPr>
+        <p:spPr>
+          <a:xfrm>
+            <a:off x="3556558" y="2489146"/>
+            <a:ext cx="639919" cy="369332"/>
+          </a:xfrm>
+          <a:prstGeom prst="rect">
+            <a:avLst/>
+          </a:prstGeom>
+          <a:noFill/>
+        </p:spPr>
+        <p:txBody>
+          <a:bodyPr wrap="none" rtlCol="0">
+            <a:spAutoFit/>
+          </a:bodyPr>
+          <a:lstStyle/>
+          <a:p>
+            <a:r>
+              <a:rPr lang="en-US" b="1" dirty="0"/>
+              <a:t>P1.5</a:t>
+            </a:r>
+          </a:p>
+        </p:txBody>
+      </p:sp>
+      <p:pic>
+        <p:nvPicPr>
+          <p:cNvPr id="183" name="Picture 4">
+            <a:extLst>
+              <a:ext uri="{FF2B5EF4-FFF2-40B4-BE49-F238E27FC236}">
+                <a16:creationId xmlns:a16="http://schemas.microsoft.com/office/drawing/2014/main" id="{25DED3F7-C7C4-4894-1D5E-6A4E7FBA5685}"/>
+              </a:ext>
+            </a:extLst>
+          </p:cNvPr>
+          <p:cNvPicPr>
+            <a:picLocks noChangeAspect="1" noChangeArrowheads="1"/>
+          </p:cNvPicPr>
+          <p:nvPr/>
+        </p:nvPicPr>
+        <p:blipFill>
+          <a:blip r:embed="rId3">
+            <a:extLst>
+              <a:ext uri="{28A0092B-C50C-407E-A947-70E740481C1C}">
+                <a14:useLocalDpi xmlns:a14="http://schemas.microsoft.com/office/drawing/2010/main" val="0"/>
+              </a:ext>
+            </a:extLst>
+          </a:blip>
+          <a:srcRect/>
+          <a:stretch>
+            <a:fillRect/>
+          </a:stretch>
+        </p:blipFill>
+        <p:spPr bwMode="auto">
+          <a:xfrm>
+            <a:off x="2705998" y="2538570"/>
+            <a:ext cx="762000" cy="285750"/>
+          </a:xfrm>
+          <a:prstGeom prst="rect">
+            <a:avLst/>
+          </a:prstGeom>
+          <a:noFill/>
+          <a:extLst>
+            <a:ext uri="{909E8E84-426E-40DD-AFC4-6F175D3DCCD1}">
+              <a14:hiddenFill xmlns:a14="http://schemas.microsoft.com/office/drawing/2010/main">
+                <a:solidFill>
+                  <a:srgbClr val="FFFFFF"/>
+                </a:solidFill>
+              </a14:hiddenFill>
+            </a:ext>
+          </a:extLst>
+        </p:spPr>
+      </p:pic>
+      <p:cxnSp>
+        <p:nvCxnSpPr>
           <p:cNvPr id="184" name="Straight Connector 183">
             <a:extLst>
               <a:ext uri="{FF2B5EF4-FFF2-40B4-BE49-F238E27FC236}">
-                <a16:creationId xmlns:a16="http://schemas.microsoft.com/office/drawing/2014/main" id="{2CB8FC1C-527C-0437-A949-29DDB25566B5}"/>
+                <a16:creationId xmlns:a16="http://schemas.microsoft.com/office/drawing/2014/main" id="{930CA814-4AB3-3F04-B0A5-BE5D50DBF8CC}"/>
               </a:ext>
             </a:extLst>
           </p:cNvPr>
@@ -6333,7 +10126,7 @@
           <p:cNvPr id="191" name="Picture 190">
             <a:extLst>
               <a:ext uri="{FF2B5EF4-FFF2-40B4-BE49-F238E27FC236}">
-                <a16:creationId xmlns:a16="http://schemas.microsoft.com/office/drawing/2014/main" id="{C9F00168-7624-EA3C-0B77-E4E6DF80116C}"/>
+                <a16:creationId xmlns:a16="http://schemas.microsoft.com/office/drawing/2014/main" id="{D745A4D8-6107-BD92-9419-CE929EF68BA3}"/>
               </a:ext>
             </a:extLst>
           </p:cNvPr>
@@ -6370,7 +10163,7 @@
           <p:cNvPr id="1024" name="TextBox 1023">
             <a:extLst>
               <a:ext uri="{FF2B5EF4-FFF2-40B4-BE49-F238E27FC236}">
-                <a16:creationId xmlns:a16="http://schemas.microsoft.com/office/drawing/2014/main" id="{2D8B82FD-B730-4FF5-1CCA-F944FF0308C4}"/>
+                <a16:creationId xmlns:a16="http://schemas.microsoft.com/office/drawing/2014/main" id="{B585FCED-29F8-58BB-1B34-AB5AA9944CFE}"/>
               </a:ext>
             </a:extLst>
           </p:cNvPr>
@@ -6405,7 +10198,7 @@
           <p:cNvPr id="1025" name="Picture 4">
             <a:extLst>
               <a:ext uri="{FF2B5EF4-FFF2-40B4-BE49-F238E27FC236}">
-                <a16:creationId xmlns:a16="http://schemas.microsoft.com/office/drawing/2014/main" id="{57FF38B3-228C-B81D-B61A-EA239C854698}"/>
+                <a16:creationId xmlns:a16="http://schemas.microsoft.com/office/drawing/2014/main" id="{F25E106F-C433-7276-8C14-3751EEC8BAB2}"/>
               </a:ext>
             </a:extLst>
           </p:cNvPr>
@@ -6452,7 +10245,7 @@
           <p:cNvPr id="1027" name="Straight Connector 1026">
             <a:extLst>
               <a:ext uri="{FF2B5EF4-FFF2-40B4-BE49-F238E27FC236}">
-                <a16:creationId xmlns:a16="http://schemas.microsoft.com/office/drawing/2014/main" id="{B07F8D8F-E462-952F-A494-539DB182C8E1}"/>
+                <a16:creationId xmlns:a16="http://schemas.microsoft.com/office/drawing/2014/main" id="{06CE8F47-CA77-1095-70E7-477CE2B4F24F}"/>
               </a:ext>
             </a:extLst>
           </p:cNvPr>
@@ -6495,7 +10288,7 @@
           <p:cNvPr id="1029" name="Picture 1028">
             <a:extLst>
               <a:ext uri="{FF2B5EF4-FFF2-40B4-BE49-F238E27FC236}">
-                <a16:creationId xmlns:a16="http://schemas.microsoft.com/office/drawing/2014/main" id="{33746920-42B3-5D6A-C37E-83037BDE0815}"/>
+                <a16:creationId xmlns:a16="http://schemas.microsoft.com/office/drawing/2014/main" id="{3186FA59-F1C8-C6C3-2B0D-1551BDC8684B}"/>
               </a:ext>
             </a:extLst>
           </p:cNvPr>
@@ -6532,7 +10325,7 @@
           <p:cNvPr id="1030" name="TextBox 1029">
             <a:extLst>
               <a:ext uri="{FF2B5EF4-FFF2-40B4-BE49-F238E27FC236}">
-                <a16:creationId xmlns:a16="http://schemas.microsoft.com/office/drawing/2014/main" id="{6DF09C74-2B3C-C937-03AC-5E9AE7832BBF}"/>
+                <a16:creationId xmlns:a16="http://schemas.microsoft.com/office/drawing/2014/main" id="{A1DA5216-F6EC-D8E8-4D4A-9B3BBA9E3CEE}"/>
               </a:ext>
             </a:extLst>
           </p:cNvPr>
@@ -6567,7 +10360,7 @@
           <p:cNvPr id="1031" name="Picture 4">
             <a:extLst>
               <a:ext uri="{FF2B5EF4-FFF2-40B4-BE49-F238E27FC236}">
-                <a16:creationId xmlns:a16="http://schemas.microsoft.com/office/drawing/2014/main" id="{ACA22657-D44B-B473-7123-137280DA31F3}"/>
+                <a16:creationId xmlns:a16="http://schemas.microsoft.com/office/drawing/2014/main" id="{4ED4CEC9-860A-8F18-7AD5-AFD9E24D4AD0}"/>
               </a:ext>
             </a:extLst>
           </p:cNvPr>
@@ -6614,7 +10407,7 @@
           <p:cNvPr id="1032" name="Straight Connector 1031">
             <a:extLst>
               <a:ext uri="{FF2B5EF4-FFF2-40B4-BE49-F238E27FC236}">
-                <a16:creationId xmlns:a16="http://schemas.microsoft.com/office/drawing/2014/main" id="{23BEB5E8-3369-C3DE-E4D0-26A4EB64D9CB}"/>
+                <a16:creationId xmlns:a16="http://schemas.microsoft.com/office/drawing/2014/main" id="{33422C38-B31A-6435-779A-3FCC3A2CD37C}"/>
               </a:ext>
             </a:extLst>
           </p:cNvPr>
@@ -6657,7 +10450,7 @@
           <p:cNvPr id="1037" name="Straight Connector 1036">
             <a:extLst>
               <a:ext uri="{FF2B5EF4-FFF2-40B4-BE49-F238E27FC236}">
-                <a16:creationId xmlns:a16="http://schemas.microsoft.com/office/drawing/2014/main" id="{A5620C6A-5DE1-7BA9-2D82-D61A17593A43}"/>
+                <a16:creationId xmlns:a16="http://schemas.microsoft.com/office/drawing/2014/main" id="{681C59C2-113A-AA88-B41D-9738F34BA51A}"/>
               </a:ext>
             </a:extLst>
           </p:cNvPr>
@@ -6700,7 +10493,7 @@
           <p:cNvPr id="1038" name="TextBox 1037">
             <a:extLst>
               <a:ext uri="{FF2B5EF4-FFF2-40B4-BE49-F238E27FC236}">
-                <a16:creationId xmlns:a16="http://schemas.microsoft.com/office/drawing/2014/main" id="{07074D8B-D5AD-C2DC-8F89-8D36A47B3D29}"/>
+                <a16:creationId xmlns:a16="http://schemas.microsoft.com/office/drawing/2014/main" id="{5D5BAA90-FB84-C024-1AB1-C82EE003D318}"/>
               </a:ext>
             </a:extLst>
           </p:cNvPr>
@@ -6735,7 +10528,7 @@
           <p:cNvPr id="1039" name="Straight Connector 1038">
             <a:extLst>
               <a:ext uri="{FF2B5EF4-FFF2-40B4-BE49-F238E27FC236}">
-                <a16:creationId xmlns:a16="http://schemas.microsoft.com/office/drawing/2014/main" id="{4EEB6870-EDC5-A567-7C5A-51A174F56154}"/>
+                <a16:creationId xmlns:a16="http://schemas.microsoft.com/office/drawing/2014/main" id="{1699AEDE-4F9F-353B-2AA9-2916CEDF74F1}"/>
               </a:ext>
             </a:extLst>
           </p:cNvPr>
@@ -6778,7 +10571,7 @@
           <p:cNvPr id="1040" name="Straight Connector 1039">
             <a:extLst>
               <a:ext uri="{FF2B5EF4-FFF2-40B4-BE49-F238E27FC236}">
-                <a16:creationId xmlns:a16="http://schemas.microsoft.com/office/drawing/2014/main" id="{E84A13D8-EA2C-0664-6374-42EEA6F9AD48}"/>
+                <a16:creationId xmlns:a16="http://schemas.microsoft.com/office/drawing/2014/main" id="{C63FCEC2-5FB1-A19A-9F81-62AD0FC78F63}"/>
               </a:ext>
             </a:extLst>
           </p:cNvPr>
@@ -6819,7 +10612,7 @@
     </p:spTree>
     <p:extLst>
       <p:ext uri="{BB962C8B-B14F-4D97-AF65-F5344CB8AC3E}">
-        <p14:creationId xmlns:p14="http://schemas.microsoft.com/office/powerpoint/2010/main" val="3058246117"/>
+        <p14:creationId xmlns:p14="http://schemas.microsoft.com/office/powerpoint/2010/main" val="1234752517"/>
       </p:ext>
     </p:extLst>
   </p:cSld>
@@ -6829,7 +10622,7 @@
 </p:sld>
 </file>
 
-<file path=ppt/slides/slide2.xml><?xml version="1.0" encoding="utf-8"?>
+<file path=ppt/slides/slide4.xml><?xml version="1.0" encoding="utf-8"?>
 <p:sld xmlns:a="http://schemas.openxmlformats.org/drawingml/2006/main" xmlns:r="http://schemas.openxmlformats.org/officeDocument/2006/relationships" xmlns:p="http://schemas.openxmlformats.org/presentationml/2006/main">
   <p:cSld>
     <p:spTree>
@@ -7880,7 +11673,7 @@
 </p:sld>
 </file>
 
-<file path=ppt/slides/slide3.xml><?xml version="1.0" encoding="utf-8"?>
+<file path=ppt/slides/slide5.xml><?xml version="1.0" encoding="utf-8"?>
 <p:sld xmlns:a="http://schemas.openxmlformats.org/drawingml/2006/main" xmlns:r="http://schemas.openxmlformats.org/officeDocument/2006/relationships" xmlns:p="http://schemas.openxmlformats.org/presentationml/2006/main">
   <p:cSld>
     <p:spTree>
@@ -8505,7 +12298,7 @@
 </p:sld>
 </file>
 
-<file path=ppt/slides/slide4.xml><?xml version="1.0" encoding="utf-8"?>
+<file path=ppt/slides/slide6.xml><?xml version="1.0" encoding="utf-8"?>
 <p:sld xmlns:a="http://schemas.openxmlformats.org/drawingml/2006/main" xmlns:r="http://schemas.openxmlformats.org/officeDocument/2006/relationships" xmlns:p="http://schemas.openxmlformats.org/presentationml/2006/main">
   <p:cSld>
     <p:spTree>
@@ -9173,7 +12966,7 @@
 </p:sld>
 </file>
 
-<file path=ppt/slides/slide5.xml><?xml version="1.0" encoding="utf-8"?>
+<file path=ppt/slides/slide7.xml><?xml version="1.0" encoding="utf-8"?>
 <p:sld xmlns:a="http://schemas.openxmlformats.org/drawingml/2006/main" xmlns:r="http://schemas.openxmlformats.org/officeDocument/2006/relationships" xmlns:p="http://schemas.openxmlformats.org/presentationml/2006/main">
   <p:cSld>
     <p:spTree>

--- a/docs/planning/PinDiagramFlowChart.pptx
+++ b/docs/planning/PinDiagramFlowChart.pptx
@@ -9,9 +9,11 @@
     <p:sldId id="266" r:id="rId3"/>
     <p:sldId id="267" r:id="rId4"/>
     <p:sldId id="256" r:id="rId5"/>
-    <p:sldId id="262" r:id="rId6"/>
-    <p:sldId id="263" r:id="rId7"/>
-    <p:sldId id="265" r:id="rId8"/>
+    <p:sldId id="268" r:id="rId6"/>
+    <p:sldId id="270" r:id="rId7"/>
+    <p:sldId id="262" r:id="rId8"/>
+    <p:sldId id="263" r:id="rId9"/>
+    <p:sldId id="265" r:id="rId10"/>
   </p:sldIdLst>
   <p:sldSz cx="12192000" cy="6858000"/>
   <p:notesSz cx="6858000" cy="9144000"/>
@@ -265,7 +267,7 @@
           <a:p>
             <a:fld id="{43859641-87B3-4D4C-932C-222F1A0ADC66}" type="datetimeFigureOut">
               <a:rPr lang="en-US" smtClean="0"/>
-              <a:t>3/6/2025</a:t>
+              <a:t>3/27/2025</a:t>
             </a:fld>
             <a:endParaRPr lang="en-US"/>
           </a:p>
@@ -463,7 +465,7 @@
           <a:p>
             <a:fld id="{43859641-87B3-4D4C-932C-222F1A0ADC66}" type="datetimeFigureOut">
               <a:rPr lang="en-US" smtClean="0"/>
-              <a:t>3/6/2025</a:t>
+              <a:t>3/27/2025</a:t>
             </a:fld>
             <a:endParaRPr lang="en-US"/>
           </a:p>
@@ -671,7 +673,7 @@
           <a:p>
             <a:fld id="{43859641-87B3-4D4C-932C-222F1A0ADC66}" type="datetimeFigureOut">
               <a:rPr lang="en-US" smtClean="0"/>
-              <a:t>3/6/2025</a:t>
+              <a:t>3/27/2025</a:t>
             </a:fld>
             <a:endParaRPr lang="en-US"/>
           </a:p>
@@ -869,7 +871,7 @@
           <a:p>
             <a:fld id="{43859641-87B3-4D4C-932C-222F1A0ADC66}" type="datetimeFigureOut">
               <a:rPr lang="en-US" smtClean="0"/>
-              <a:t>3/6/2025</a:t>
+              <a:t>3/27/2025</a:t>
             </a:fld>
             <a:endParaRPr lang="en-US"/>
           </a:p>
@@ -1144,7 +1146,7 @@
           <a:p>
             <a:fld id="{43859641-87B3-4D4C-932C-222F1A0ADC66}" type="datetimeFigureOut">
               <a:rPr lang="en-US" smtClean="0"/>
-              <a:t>3/6/2025</a:t>
+              <a:t>3/27/2025</a:t>
             </a:fld>
             <a:endParaRPr lang="en-US"/>
           </a:p>
@@ -1409,7 +1411,7 @@
           <a:p>
             <a:fld id="{43859641-87B3-4D4C-932C-222F1A0ADC66}" type="datetimeFigureOut">
               <a:rPr lang="en-US" smtClean="0"/>
-              <a:t>3/6/2025</a:t>
+              <a:t>3/27/2025</a:t>
             </a:fld>
             <a:endParaRPr lang="en-US"/>
           </a:p>
@@ -1821,7 +1823,7 @@
           <a:p>
             <a:fld id="{43859641-87B3-4D4C-932C-222F1A0ADC66}" type="datetimeFigureOut">
               <a:rPr lang="en-US" smtClean="0"/>
-              <a:t>3/6/2025</a:t>
+              <a:t>3/27/2025</a:t>
             </a:fld>
             <a:endParaRPr lang="en-US"/>
           </a:p>
@@ -1962,7 +1964,7 @@
           <a:p>
             <a:fld id="{43859641-87B3-4D4C-932C-222F1A0ADC66}" type="datetimeFigureOut">
               <a:rPr lang="en-US" smtClean="0"/>
-              <a:t>3/6/2025</a:t>
+              <a:t>3/27/2025</a:t>
             </a:fld>
             <a:endParaRPr lang="en-US"/>
           </a:p>
@@ -2075,7 +2077,7 @@
           <a:p>
             <a:fld id="{43859641-87B3-4D4C-932C-222F1A0ADC66}" type="datetimeFigureOut">
               <a:rPr lang="en-US" smtClean="0"/>
-              <a:t>3/6/2025</a:t>
+              <a:t>3/27/2025</a:t>
             </a:fld>
             <a:endParaRPr lang="en-US"/>
           </a:p>
@@ -2386,7 +2388,7 @@
           <a:p>
             <a:fld id="{43859641-87B3-4D4C-932C-222F1A0ADC66}" type="datetimeFigureOut">
               <a:rPr lang="en-US" smtClean="0"/>
-              <a:t>3/6/2025</a:t>
+              <a:t>3/27/2025</a:t>
             </a:fld>
             <a:endParaRPr lang="en-US"/>
           </a:p>
@@ -2674,7 +2676,7 @@
           <a:p>
             <a:fld id="{43859641-87B3-4D4C-932C-222F1A0ADC66}" type="datetimeFigureOut">
               <a:rPr lang="en-US" smtClean="0"/>
-              <a:t>3/6/2025</a:t>
+              <a:t>3/27/2025</a:t>
             </a:fld>
             <a:endParaRPr lang="en-US"/>
           </a:p>
@@ -2915,7 +2917,7 @@
           <a:p>
             <a:fld id="{43859641-87B3-4D4C-932C-222F1A0ADC66}" type="datetimeFigureOut">
               <a:rPr lang="en-US" smtClean="0"/>
-              <a:t>3/6/2025</a:t>
+              <a:t>3/27/2025</a:t>
             </a:fld>
             <a:endParaRPr lang="en-US"/>
           </a:p>
@@ -3368,7 +3370,7 @@
           <a:p>
             <a:r>
               <a:rPr lang="en-US" sz="4000" dirty="0"/>
-              <a:t>Project 3 Pin Diagram - Master</a:t>
+              <a:t>Project 4 Pin Diagram - Master</a:t>
             </a:r>
           </a:p>
         </p:txBody>
@@ -5246,7 +5248,7 @@
           <a:p>
             <a:r>
               <a:rPr lang="en-US" sz="4000" dirty="0"/>
-              <a:t>Project 3 Pin Diagram – LED Slave</a:t>
+              <a:t>Project 4 Pin Diagram – LED Slave</a:t>
             </a:r>
           </a:p>
         </p:txBody>
@@ -10967,7 +10969,7 @@
           <a:p>
             <a:r>
               <a:rPr lang="en-US" sz="4000" dirty="0"/>
-              <a:t>Project 3 Flowchart - Main</a:t>
+              <a:t>Project 4 Flowchart - Main</a:t>
             </a:r>
           </a:p>
         </p:txBody>
@@ -11674,6 +11676,1591 @@
 </file>
 
 <file path=ppt/slides/slide5.xml><?xml version="1.0" encoding="utf-8"?>
+<p:sld xmlns:a="http://schemas.openxmlformats.org/drawingml/2006/main" xmlns:r="http://schemas.openxmlformats.org/officeDocument/2006/relationships" xmlns:p="http://schemas.openxmlformats.org/presentationml/2006/main">
+  <p:cSld>
+    <p:spTree>
+      <p:nvGrpSpPr>
+        <p:cNvPr id="1" name="">
+          <a:extLst>
+            <a:ext uri="{FF2B5EF4-FFF2-40B4-BE49-F238E27FC236}">
+              <a16:creationId xmlns:a16="http://schemas.microsoft.com/office/drawing/2014/main" id="{9AAFFC45-10F3-74E7-6D87-CEB848B25EDB}"/>
+            </a:ext>
+          </a:extLst>
+        </p:cNvPr>
+        <p:cNvGrpSpPr/>
+        <p:nvPr/>
+      </p:nvGrpSpPr>
+      <p:grpSpPr>
+        <a:xfrm>
+          <a:off x="0" y="0"/>
+          <a:ext cx="0" cy="0"/>
+          <a:chOff x="0" y="0"/>
+          <a:chExt cx="0" cy="0"/>
+        </a:xfrm>
+      </p:grpSpPr>
+      <p:cxnSp>
+        <p:nvCxnSpPr>
+          <p:cNvPr id="23" name="Straight Connector 22">
+            <a:extLst>
+              <a:ext uri="{FF2B5EF4-FFF2-40B4-BE49-F238E27FC236}">
+                <a16:creationId xmlns:a16="http://schemas.microsoft.com/office/drawing/2014/main" id="{F66D092F-D643-716A-D460-55602BCD6BE3}"/>
+              </a:ext>
+            </a:extLst>
+          </p:cNvPr>
+          <p:cNvCxnSpPr/>
+          <p:nvPr/>
+        </p:nvCxnSpPr>
+        <p:spPr>
+          <a:xfrm>
+            <a:off x="5142217" y="5538599"/>
+            <a:ext cx="998924" cy="0"/>
+          </a:xfrm>
+          <a:prstGeom prst="line">
+            <a:avLst/>
+          </a:prstGeom>
+          <a:ln w="38100">
+            <a:solidFill>
+              <a:schemeClr val="tx1"/>
+            </a:solidFill>
+          </a:ln>
+        </p:spPr>
+        <p:style>
+          <a:lnRef idx="2">
+            <a:schemeClr val="accent1"/>
+          </a:lnRef>
+          <a:fillRef idx="0">
+            <a:schemeClr val="accent1"/>
+          </a:fillRef>
+          <a:effectRef idx="1">
+            <a:schemeClr val="accent1"/>
+          </a:effectRef>
+          <a:fontRef idx="minor">
+            <a:schemeClr val="tx1"/>
+          </a:fontRef>
+        </p:style>
+      </p:cxnSp>
+      <p:cxnSp>
+        <p:nvCxnSpPr>
+          <p:cNvPr id="89" name="Straight Arrow Connector 88">
+            <a:extLst>
+              <a:ext uri="{FF2B5EF4-FFF2-40B4-BE49-F238E27FC236}">
+                <a16:creationId xmlns:a16="http://schemas.microsoft.com/office/drawing/2014/main" id="{8E38A15F-F0DA-00C5-053E-15DA856B3EC3}"/>
+              </a:ext>
+            </a:extLst>
+          </p:cNvPr>
+          <p:cNvCxnSpPr>
+            <a:cxnSpLocks/>
+          </p:cNvCxnSpPr>
+          <p:nvPr/>
+        </p:nvCxnSpPr>
+        <p:spPr>
+          <a:xfrm>
+            <a:off x="3205245" y="1455880"/>
+            <a:ext cx="1217234" cy="0"/>
+          </a:xfrm>
+          <a:prstGeom prst="straightConnector1">
+            <a:avLst/>
+          </a:prstGeom>
+          <a:ln w="76200">
+            <a:solidFill>
+              <a:schemeClr val="tx1"/>
+            </a:solidFill>
+            <a:tailEnd type="triangle"/>
+          </a:ln>
+        </p:spPr>
+        <p:style>
+          <a:lnRef idx="2">
+            <a:schemeClr val="dk1"/>
+          </a:lnRef>
+          <a:fillRef idx="0">
+            <a:schemeClr val="dk1"/>
+          </a:fillRef>
+          <a:effectRef idx="1">
+            <a:schemeClr val="dk1"/>
+          </a:effectRef>
+          <a:fontRef idx="minor">
+            <a:schemeClr val="tx1"/>
+          </a:fontRef>
+        </p:style>
+      </p:cxnSp>
+      <p:sp>
+        <p:nvSpPr>
+          <p:cNvPr id="4" name="Flowchart: Document 3">
+            <a:extLst>
+              <a:ext uri="{FF2B5EF4-FFF2-40B4-BE49-F238E27FC236}">
+                <a16:creationId xmlns:a16="http://schemas.microsoft.com/office/drawing/2014/main" id="{6C5B6324-2DED-2E79-C96E-5D7F2E9D09E2}"/>
+              </a:ext>
+            </a:extLst>
+          </p:cNvPr>
+          <p:cNvSpPr/>
+          <p:nvPr/>
+        </p:nvSpPr>
+        <p:spPr>
+          <a:xfrm>
+            <a:off x="294524" y="1304960"/>
+            <a:ext cx="2910722" cy="4395192"/>
+          </a:xfrm>
+          <a:prstGeom prst="flowChartDocument">
+            <a:avLst/>
+          </a:prstGeom>
+          <a:solidFill>
+            <a:srgbClr val="19A796"/>
+          </a:solidFill>
+        </p:spPr>
+        <p:style>
+          <a:lnRef idx="2">
+            <a:schemeClr val="accent1">
+              <a:shade val="15000"/>
+            </a:schemeClr>
+          </a:lnRef>
+          <a:fillRef idx="1">
+            <a:schemeClr val="accent1"/>
+          </a:fillRef>
+          <a:effectRef idx="0">
+            <a:schemeClr val="accent1"/>
+          </a:effectRef>
+          <a:fontRef idx="minor">
+            <a:schemeClr val="lt1"/>
+          </a:fontRef>
+        </p:style>
+        <p:txBody>
+          <a:bodyPr wrap="square" rtlCol="0" anchor="t" anchorCtr="0">
+            <a:spAutoFit/>
+          </a:bodyPr>
+          <a:lstStyle/>
+          <a:p>
+            <a:r>
+              <a:rPr lang="en-US" sz="1600" b="1" u="sng" dirty="0"/>
+              <a:t>Init</a:t>
+            </a:r>
+          </a:p>
+          <a:p>
+            <a:pPr marL="285750" indent="-285750">
+              <a:buFont typeface="Arial" panose="020B0604020202020204" pitchFamily="34" charset="0"/>
+              <a:buChar char="•"/>
+            </a:pPr>
+            <a:r>
+              <a:rPr lang="en-US" sz="1600" dirty="0"/>
+              <a:t>Heartbeat on P2.0</a:t>
+            </a:r>
+          </a:p>
+          <a:p>
+            <a:pPr marL="285750" indent="-285750">
+              <a:buFont typeface="Arial" panose="020B0604020202020204" pitchFamily="34" charset="0"/>
+              <a:buChar char="•"/>
+            </a:pPr>
+            <a:r>
+              <a:rPr lang="en-US" sz="1600" dirty="0"/>
+              <a:t>Initialize LED 1-8 as outputs on P1.1, P1.0, P2.7, P2.6, P1.4, P1.5, P1.6, P1.7 respectively</a:t>
+            </a:r>
+          </a:p>
+          <a:p>
+            <a:pPr marL="285750" indent="-285750">
+              <a:buFont typeface="Arial" panose="020B0604020202020204" pitchFamily="34" charset="0"/>
+              <a:buChar char="•"/>
+            </a:pPr>
+            <a:r>
+              <a:rPr lang="en-US" sz="1600" dirty="0"/>
+              <a:t>Initialize vars for pattern display (patterns, vars for iterating through and pattern memory)</a:t>
+            </a:r>
+          </a:p>
+          <a:p>
+            <a:pPr marL="285750" indent="-285750">
+              <a:buFont typeface="Arial" panose="020B0604020202020204" pitchFamily="34" charset="0"/>
+              <a:buChar char="•"/>
+            </a:pPr>
+            <a:r>
+              <a:rPr lang="en-US" sz="1600" dirty="0"/>
+              <a:t>Timer for displaying patterns on TB1</a:t>
+            </a:r>
+          </a:p>
+          <a:p>
+            <a:pPr marL="285750" indent="-285750">
+              <a:buFont typeface="Arial" panose="020B0604020202020204" pitchFamily="34" charset="0"/>
+              <a:buChar char="•"/>
+            </a:pPr>
+            <a:r>
+              <a:rPr lang="en-US" sz="1600" dirty="0"/>
+              <a:t>I2C slave operation</a:t>
+            </a:r>
+          </a:p>
+          <a:p>
+            <a:pPr marL="285750" indent="-285750">
+              <a:buFont typeface="Arial" panose="020B0604020202020204" pitchFamily="34" charset="0"/>
+              <a:buChar char="•"/>
+            </a:pPr>
+            <a:endParaRPr lang="en-US" sz="1600" dirty="0"/>
+          </a:p>
+        </p:txBody>
+      </p:sp>
+      <p:sp>
+        <p:nvSpPr>
+          <p:cNvPr id="5" name="Rectangle: Rounded Corners 4">
+            <a:extLst>
+              <a:ext uri="{FF2B5EF4-FFF2-40B4-BE49-F238E27FC236}">
+                <a16:creationId xmlns:a16="http://schemas.microsoft.com/office/drawing/2014/main" id="{AE8E72EE-CE70-A888-1FC3-71FEC1C1D94E}"/>
+              </a:ext>
+            </a:extLst>
+          </p:cNvPr>
+          <p:cNvSpPr/>
+          <p:nvPr/>
+        </p:nvSpPr>
+        <p:spPr>
+          <a:xfrm>
+            <a:off x="4422479" y="1268594"/>
+            <a:ext cx="2078958" cy="374571"/>
+          </a:xfrm>
+          <a:prstGeom prst="roundRect">
+            <a:avLst/>
+          </a:prstGeom>
+          <a:solidFill>
+            <a:schemeClr val="accent2"/>
+          </a:solidFill>
+        </p:spPr>
+        <p:style>
+          <a:lnRef idx="2">
+            <a:schemeClr val="accent1">
+              <a:shade val="15000"/>
+            </a:schemeClr>
+          </a:lnRef>
+          <a:fillRef idx="1">
+            <a:schemeClr val="accent1"/>
+          </a:fillRef>
+          <a:effectRef idx="0">
+            <a:schemeClr val="accent1"/>
+          </a:effectRef>
+          <a:fontRef idx="minor">
+            <a:schemeClr val="lt1"/>
+          </a:fontRef>
+        </p:style>
+        <p:txBody>
+          <a:bodyPr wrap="square" rtlCol="0" anchor="ctr">
+            <a:spAutoFit/>
+          </a:bodyPr>
+          <a:lstStyle/>
+          <a:p>
+            <a:pPr algn="ctr"/>
+            <a:r>
+              <a:rPr lang="en-US" sz="1600" b="1" u="sng" dirty="0"/>
+              <a:t>Main</a:t>
+            </a:r>
+          </a:p>
+        </p:txBody>
+      </p:sp>
+      <p:sp>
+        <p:nvSpPr>
+          <p:cNvPr id="87" name="TextBox 86">
+            <a:extLst>
+              <a:ext uri="{FF2B5EF4-FFF2-40B4-BE49-F238E27FC236}">
+                <a16:creationId xmlns:a16="http://schemas.microsoft.com/office/drawing/2014/main" id="{5EB01609-3FFE-E669-AF53-9163884FC31C}"/>
+              </a:ext>
+            </a:extLst>
+          </p:cNvPr>
+          <p:cNvSpPr txBox="1"/>
+          <p:nvPr/>
+        </p:nvSpPr>
+        <p:spPr>
+          <a:xfrm>
+            <a:off x="3205245" y="241954"/>
+            <a:ext cx="6637202" cy="707886"/>
+          </a:xfrm>
+          <a:prstGeom prst="rect">
+            <a:avLst/>
+          </a:prstGeom>
+          <a:noFill/>
+        </p:spPr>
+        <p:txBody>
+          <a:bodyPr wrap="none" rtlCol="0">
+            <a:spAutoFit/>
+          </a:bodyPr>
+          <a:lstStyle/>
+          <a:p>
+            <a:r>
+              <a:rPr lang="en-US" sz="4000" dirty="0"/>
+              <a:t>Project 4 Flowchart – LED Bar</a:t>
+            </a:r>
+          </a:p>
+        </p:txBody>
+      </p:sp>
+      <p:cxnSp>
+        <p:nvCxnSpPr>
+          <p:cNvPr id="10" name="Straight Arrow Connector 9">
+            <a:extLst>
+              <a:ext uri="{FF2B5EF4-FFF2-40B4-BE49-F238E27FC236}">
+                <a16:creationId xmlns:a16="http://schemas.microsoft.com/office/drawing/2014/main" id="{7F75AAF5-5C8D-FFB2-1B13-EAE525AE8649}"/>
+              </a:ext>
+            </a:extLst>
+          </p:cNvPr>
+          <p:cNvCxnSpPr>
+            <a:cxnSpLocks/>
+            <a:stCxn id="5" idx="2"/>
+          </p:cNvCxnSpPr>
+          <p:nvPr/>
+        </p:nvCxnSpPr>
+        <p:spPr>
+          <a:xfrm>
+            <a:off x="5461958" y="1643165"/>
+            <a:ext cx="0" cy="442616"/>
+          </a:xfrm>
+          <a:prstGeom prst="straightConnector1">
+            <a:avLst/>
+          </a:prstGeom>
+          <a:ln w="76200">
+            <a:solidFill>
+              <a:schemeClr val="tx1"/>
+            </a:solidFill>
+            <a:tailEnd type="triangle"/>
+          </a:ln>
+        </p:spPr>
+        <p:style>
+          <a:lnRef idx="2">
+            <a:schemeClr val="dk1"/>
+          </a:lnRef>
+          <a:fillRef idx="0">
+            <a:schemeClr val="dk1"/>
+          </a:fillRef>
+          <a:effectRef idx="1">
+            <a:schemeClr val="dk1"/>
+          </a:effectRef>
+          <a:fontRef idx="minor">
+            <a:schemeClr val="tx1"/>
+          </a:fontRef>
+        </p:style>
+      </p:cxnSp>
+      <p:cxnSp>
+        <p:nvCxnSpPr>
+          <p:cNvPr id="13" name="Straight Arrow Connector 12">
+            <a:extLst>
+              <a:ext uri="{FF2B5EF4-FFF2-40B4-BE49-F238E27FC236}">
+                <a16:creationId xmlns:a16="http://schemas.microsoft.com/office/drawing/2014/main" id="{3025971C-908A-B2A8-C014-F41209C25FEA}"/>
+              </a:ext>
+            </a:extLst>
+          </p:cNvPr>
+          <p:cNvCxnSpPr>
+            <a:cxnSpLocks/>
+          </p:cNvCxnSpPr>
+          <p:nvPr/>
+        </p:nvCxnSpPr>
+        <p:spPr>
+          <a:xfrm>
+            <a:off x="5461958" y="3793123"/>
+            <a:ext cx="0" cy="442616"/>
+          </a:xfrm>
+          <a:prstGeom prst="straightConnector1">
+            <a:avLst/>
+          </a:prstGeom>
+          <a:ln w="76200">
+            <a:solidFill>
+              <a:schemeClr val="tx1"/>
+            </a:solidFill>
+            <a:tailEnd type="triangle"/>
+          </a:ln>
+        </p:spPr>
+        <p:style>
+          <a:lnRef idx="2">
+            <a:schemeClr val="dk1"/>
+          </a:lnRef>
+          <a:fillRef idx="0">
+            <a:schemeClr val="dk1"/>
+          </a:fillRef>
+          <a:effectRef idx="1">
+            <a:schemeClr val="dk1"/>
+          </a:effectRef>
+          <a:fontRef idx="minor">
+            <a:schemeClr val="tx1"/>
+          </a:fontRef>
+        </p:style>
+      </p:cxnSp>
+      <p:sp>
+        <p:nvSpPr>
+          <p:cNvPr id="14" name="Rectangle 13">
+            <a:extLst>
+              <a:ext uri="{FF2B5EF4-FFF2-40B4-BE49-F238E27FC236}">
+                <a16:creationId xmlns:a16="http://schemas.microsoft.com/office/drawing/2014/main" id="{9819C3FA-6EFA-F97C-0A9D-7D4A1335AED4}"/>
+              </a:ext>
+            </a:extLst>
+          </p:cNvPr>
+          <p:cNvSpPr/>
+          <p:nvPr/>
+        </p:nvSpPr>
+        <p:spPr>
+          <a:xfrm>
+            <a:off x="3205245" y="5392375"/>
+            <a:ext cx="2204390" cy="307777"/>
+          </a:xfrm>
+          <a:prstGeom prst="rect">
+            <a:avLst/>
+          </a:prstGeom>
+          <a:solidFill>
+            <a:schemeClr val="tx2">
+              <a:lumMod val="50000"/>
+              <a:lumOff val="50000"/>
+            </a:schemeClr>
+          </a:solidFill>
+        </p:spPr>
+        <p:style>
+          <a:lnRef idx="2">
+            <a:schemeClr val="accent1">
+              <a:shade val="15000"/>
+            </a:schemeClr>
+          </a:lnRef>
+          <a:fillRef idx="1">
+            <a:schemeClr val="accent1"/>
+          </a:fillRef>
+          <a:effectRef idx="0">
+            <a:schemeClr val="accent1"/>
+          </a:effectRef>
+          <a:fontRef idx="minor">
+            <a:schemeClr val="lt1"/>
+          </a:fontRef>
+        </p:style>
+        <p:txBody>
+          <a:bodyPr wrap="square" lIns="91440" tIns="45720" rIns="91440" bIns="45720" rtlCol="0" anchor="ctr">
+            <a:spAutoFit/>
+          </a:bodyPr>
+          <a:lstStyle/>
+          <a:p>
+            <a:pPr algn="ctr"/>
+            <a:r>
+              <a:rPr lang="en-US" sz="1400" dirty="0"/>
+              <a:t>Set delay fast</a:t>
+            </a:r>
+          </a:p>
+        </p:txBody>
+      </p:sp>
+      <p:sp>
+        <p:nvSpPr>
+          <p:cNvPr id="16" name="Rectangle 15">
+            <a:extLst>
+              <a:ext uri="{FF2B5EF4-FFF2-40B4-BE49-F238E27FC236}">
+                <a16:creationId xmlns:a16="http://schemas.microsoft.com/office/drawing/2014/main" id="{15CB99FB-6AF2-DF0E-7F70-E1944D7BA569}"/>
+              </a:ext>
+            </a:extLst>
+          </p:cNvPr>
+          <p:cNvSpPr/>
+          <p:nvPr/>
+        </p:nvSpPr>
+        <p:spPr>
+          <a:xfrm>
+            <a:off x="4359763" y="2094137"/>
+            <a:ext cx="2204390" cy="307777"/>
+          </a:xfrm>
+          <a:prstGeom prst="rect">
+            <a:avLst/>
+          </a:prstGeom>
+          <a:solidFill>
+            <a:schemeClr val="tx2">
+              <a:lumMod val="50000"/>
+              <a:lumOff val="50000"/>
+            </a:schemeClr>
+          </a:solidFill>
+        </p:spPr>
+        <p:style>
+          <a:lnRef idx="2">
+            <a:schemeClr val="accent1">
+              <a:shade val="15000"/>
+            </a:schemeClr>
+          </a:lnRef>
+          <a:fillRef idx="1">
+            <a:schemeClr val="accent1"/>
+          </a:fillRef>
+          <a:effectRef idx="0">
+            <a:schemeClr val="accent1"/>
+          </a:effectRef>
+          <a:fontRef idx="minor">
+            <a:schemeClr val="lt1"/>
+          </a:fontRef>
+        </p:style>
+        <p:txBody>
+          <a:bodyPr wrap="square" lIns="91440" tIns="45720" rIns="91440" bIns="45720" rtlCol="0" anchor="ctr">
+            <a:spAutoFit/>
+          </a:bodyPr>
+          <a:lstStyle/>
+          <a:p>
+            <a:pPr algn="ctr"/>
+            <a:r>
+              <a:rPr lang="en-US" sz="1400" dirty="0"/>
+              <a:t>Toggle Heartbeat LED</a:t>
+            </a:r>
+          </a:p>
+        </p:txBody>
+      </p:sp>
+      <p:cxnSp>
+        <p:nvCxnSpPr>
+          <p:cNvPr id="17" name="Straight Arrow Connector 16">
+            <a:extLst>
+              <a:ext uri="{FF2B5EF4-FFF2-40B4-BE49-F238E27FC236}">
+                <a16:creationId xmlns:a16="http://schemas.microsoft.com/office/drawing/2014/main" id="{7FA965D0-D202-EDDA-7741-C3274C008DE6}"/>
+              </a:ext>
+            </a:extLst>
+          </p:cNvPr>
+          <p:cNvCxnSpPr>
+            <a:cxnSpLocks/>
+          </p:cNvCxnSpPr>
+          <p:nvPr/>
+        </p:nvCxnSpPr>
+        <p:spPr>
+          <a:xfrm>
+            <a:off x="5461958" y="2401914"/>
+            <a:ext cx="0" cy="442616"/>
+          </a:xfrm>
+          <a:prstGeom prst="straightConnector1">
+            <a:avLst/>
+          </a:prstGeom>
+          <a:ln w="76200">
+            <a:solidFill>
+              <a:schemeClr val="tx1"/>
+            </a:solidFill>
+            <a:tailEnd type="triangle"/>
+          </a:ln>
+        </p:spPr>
+        <p:style>
+          <a:lnRef idx="2">
+            <a:schemeClr val="dk1"/>
+          </a:lnRef>
+          <a:fillRef idx="0">
+            <a:schemeClr val="dk1"/>
+          </a:fillRef>
+          <a:effectRef idx="1">
+            <a:schemeClr val="dk1"/>
+          </a:effectRef>
+          <a:fontRef idx="minor">
+            <a:schemeClr val="tx1"/>
+          </a:fontRef>
+        </p:style>
+      </p:cxnSp>
+      <p:sp>
+        <p:nvSpPr>
+          <p:cNvPr id="6" name="Diamond 5">
+            <a:extLst>
+              <a:ext uri="{FF2B5EF4-FFF2-40B4-BE49-F238E27FC236}">
+                <a16:creationId xmlns:a16="http://schemas.microsoft.com/office/drawing/2014/main" id="{75FE6E4B-988A-7618-B3FF-E4328E63DD1A}"/>
+              </a:ext>
+            </a:extLst>
+          </p:cNvPr>
+          <p:cNvSpPr/>
+          <p:nvPr/>
+        </p:nvSpPr>
+        <p:spPr>
+          <a:xfrm>
+            <a:off x="4359763" y="2817684"/>
+            <a:ext cx="2204390" cy="1039356"/>
+          </a:xfrm>
+          <a:prstGeom prst="diamond">
+            <a:avLst/>
+          </a:prstGeom>
+          <a:solidFill>
+            <a:schemeClr val="tx2">
+              <a:lumMod val="50000"/>
+              <a:lumOff val="50000"/>
+            </a:schemeClr>
+          </a:solidFill>
+        </p:spPr>
+        <p:style>
+          <a:lnRef idx="2">
+            <a:schemeClr val="accent1">
+              <a:shade val="15000"/>
+            </a:schemeClr>
+          </a:lnRef>
+          <a:fillRef idx="1">
+            <a:schemeClr val="accent1"/>
+          </a:fillRef>
+          <a:effectRef idx="0">
+            <a:schemeClr val="accent1"/>
+          </a:effectRef>
+          <a:fontRef idx="minor">
+            <a:schemeClr val="lt1"/>
+          </a:fontRef>
+        </p:style>
+        <p:txBody>
+          <a:bodyPr wrap="square" rtlCol="0" anchor="ctr">
+            <a:spAutoFit/>
+          </a:bodyPr>
+          <a:lstStyle/>
+          <a:p>
+            <a:pPr algn="ctr"/>
+            <a:r>
+              <a:rPr lang="en-US" sz="1400" dirty="0"/>
+              <a:t>Wait for DELAY</a:t>
+            </a:r>
+          </a:p>
+        </p:txBody>
+      </p:sp>
+      <p:sp>
+        <p:nvSpPr>
+          <p:cNvPr id="21" name="Diamond 20">
+            <a:extLst>
+              <a:ext uri="{FF2B5EF4-FFF2-40B4-BE49-F238E27FC236}">
+                <a16:creationId xmlns:a16="http://schemas.microsoft.com/office/drawing/2014/main" id="{F8DEA2A7-9F30-5047-FA13-B7D532CA5DDA}"/>
+              </a:ext>
+            </a:extLst>
+          </p:cNvPr>
+          <p:cNvSpPr/>
+          <p:nvPr/>
+        </p:nvSpPr>
+        <p:spPr>
+          <a:xfrm>
+            <a:off x="4359763" y="4226019"/>
+            <a:ext cx="2204390" cy="1039356"/>
+          </a:xfrm>
+          <a:prstGeom prst="diamond">
+            <a:avLst/>
+          </a:prstGeom>
+          <a:solidFill>
+            <a:schemeClr val="tx2">
+              <a:lumMod val="50000"/>
+              <a:lumOff val="50000"/>
+            </a:schemeClr>
+          </a:solidFill>
+        </p:spPr>
+        <p:style>
+          <a:lnRef idx="2">
+            <a:schemeClr val="accent1">
+              <a:shade val="15000"/>
+            </a:schemeClr>
+          </a:lnRef>
+          <a:fillRef idx="1">
+            <a:schemeClr val="accent1"/>
+          </a:fillRef>
+          <a:effectRef idx="0">
+            <a:schemeClr val="accent1"/>
+          </a:effectRef>
+          <a:fontRef idx="minor">
+            <a:schemeClr val="lt1"/>
+          </a:fontRef>
+        </p:style>
+        <p:txBody>
+          <a:bodyPr wrap="square" rtlCol="0" anchor="ctr">
+            <a:spAutoFit/>
+          </a:bodyPr>
+          <a:lstStyle/>
+          <a:p>
+            <a:pPr algn="ctr"/>
+            <a:r>
+              <a:rPr lang="en-US" sz="1400" dirty="0"/>
+              <a:t>Is I2C RX triggered?</a:t>
+            </a:r>
+          </a:p>
+        </p:txBody>
+      </p:sp>
+      <p:cxnSp>
+        <p:nvCxnSpPr>
+          <p:cNvPr id="22" name="Straight Arrow Connector 21">
+            <a:extLst>
+              <a:ext uri="{FF2B5EF4-FFF2-40B4-BE49-F238E27FC236}">
+                <a16:creationId xmlns:a16="http://schemas.microsoft.com/office/drawing/2014/main" id="{C2AA4BCE-8F2B-F971-58E3-E9EDCEB7B47B}"/>
+              </a:ext>
+            </a:extLst>
+          </p:cNvPr>
+          <p:cNvCxnSpPr>
+            <a:cxnSpLocks/>
+            <a:endCxn id="14" idx="0"/>
+          </p:cNvCxnSpPr>
+          <p:nvPr/>
+        </p:nvCxnSpPr>
+        <p:spPr>
+          <a:xfrm flipH="1">
+            <a:off x="4307440" y="4754080"/>
+            <a:ext cx="64703" cy="638295"/>
+          </a:xfrm>
+          <a:prstGeom prst="straightConnector1">
+            <a:avLst/>
+          </a:prstGeom>
+          <a:ln w="76200">
+            <a:solidFill>
+              <a:schemeClr val="tx1"/>
+            </a:solidFill>
+            <a:tailEnd type="triangle"/>
+          </a:ln>
+        </p:spPr>
+        <p:style>
+          <a:lnRef idx="2">
+            <a:schemeClr val="dk1"/>
+          </a:lnRef>
+          <a:fillRef idx="0">
+            <a:schemeClr val="dk1"/>
+          </a:fillRef>
+          <a:effectRef idx="1">
+            <a:schemeClr val="dk1"/>
+          </a:effectRef>
+          <a:fontRef idx="minor">
+            <a:schemeClr val="tx1"/>
+          </a:fontRef>
+        </p:style>
+      </p:cxnSp>
+      <p:sp>
+        <p:nvSpPr>
+          <p:cNvPr id="24" name="Arrow: U-Turn 23">
+            <a:extLst>
+              <a:ext uri="{FF2B5EF4-FFF2-40B4-BE49-F238E27FC236}">
+                <a16:creationId xmlns:a16="http://schemas.microsoft.com/office/drawing/2014/main" id="{5723857A-B608-E41C-3649-B0B5AC1981E2}"/>
+              </a:ext>
+            </a:extLst>
+          </p:cNvPr>
+          <p:cNvSpPr/>
+          <p:nvPr/>
+        </p:nvSpPr>
+        <p:spPr>
+          <a:xfrm rot="16200000" flipV="1">
+            <a:off x="4975764" y="2516175"/>
+            <a:ext cx="4487476" cy="1557371"/>
+          </a:xfrm>
+          <a:prstGeom prst="uturnArrow">
+            <a:avLst>
+              <a:gd name="adj1" fmla="val 1891"/>
+              <a:gd name="adj2" fmla="val 16345"/>
+              <a:gd name="adj3" fmla="val 15465"/>
+              <a:gd name="adj4" fmla="val 49178"/>
+              <a:gd name="adj5" fmla="val 95936"/>
+            </a:avLst>
+          </a:prstGeom>
+          <a:solidFill>
+            <a:schemeClr val="tx1"/>
+          </a:solidFill>
+        </p:spPr>
+        <p:style>
+          <a:lnRef idx="2">
+            <a:schemeClr val="accent1">
+              <a:shade val="15000"/>
+            </a:schemeClr>
+          </a:lnRef>
+          <a:fillRef idx="1">
+            <a:schemeClr val="accent1"/>
+          </a:fillRef>
+          <a:effectRef idx="0">
+            <a:schemeClr val="accent1"/>
+          </a:effectRef>
+          <a:fontRef idx="minor">
+            <a:schemeClr val="lt1"/>
+          </a:fontRef>
+        </p:style>
+        <p:txBody>
+          <a:bodyPr rtlCol="0" anchor="ctr"/>
+          <a:lstStyle/>
+          <a:p>
+            <a:pPr algn="ctr"/>
+            <a:endParaRPr lang="en-US">
+              <a:solidFill>
+                <a:schemeClr val="tx1"/>
+              </a:solidFill>
+            </a:endParaRPr>
+          </a:p>
+        </p:txBody>
+      </p:sp>
+      <p:sp>
+        <p:nvSpPr>
+          <p:cNvPr id="2" name="Rectangle 1">
+            <a:extLst>
+              <a:ext uri="{FF2B5EF4-FFF2-40B4-BE49-F238E27FC236}">
+                <a16:creationId xmlns:a16="http://schemas.microsoft.com/office/drawing/2014/main" id="{E40E7600-8806-A206-725B-3FE20B1A6A8C}"/>
+              </a:ext>
+            </a:extLst>
+          </p:cNvPr>
+          <p:cNvSpPr/>
+          <p:nvPr/>
+        </p:nvSpPr>
+        <p:spPr>
+          <a:xfrm>
+            <a:off x="5756977" y="5383993"/>
+            <a:ext cx="2204390" cy="307777"/>
+          </a:xfrm>
+          <a:prstGeom prst="rect">
+            <a:avLst/>
+          </a:prstGeom>
+          <a:solidFill>
+            <a:schemeClr val="tx2">
+              <a:lumMod val="50000"/>
+              <a:lumOff val="50000"/>
+            </a:schemeClr>
+          </a:solidFill>
+        </p:spPr>
+        <p:style>
+          <a:lnRef idx="2">
+            <a:schemeClr val="accent1">
+              <a:shade val="15000"/>
+            </a:schemeClr>
+          </a:lnRef>
+          <a:fillRef idx="1">
+            <a:schemeClr val="accent1"/>
+          </a:fillRef>
+          <a:effectRef idx="0">
+            <a:schemeClr val="accent1"/>
+          </a:effectRef>
+          <a:fontRef idx="minor">
+            <a:schemeClr val="lt1"/>
+          </a:fontRef>
+        </p:style>
+        <p:txBody>
+          <a:bodyPr wrap="square" lIns="91440" tIns="45720" rIns="91440" bIns="45720" rtlCol="0" anchor="ctr">
+            <a:spAutoFit/>
+          </a:bodyPr>
+          <a:lstStyle/>
+          <a:p>
+            <a:pPr algn="ctr"/>
+            <a:r>
+              <a:rPr lang="en-US" sz="1400" dirty="0"/>
+              <a:t>Set delay slow</a:t>
+            </a:r>
+          </a:p>
+        </p:txBody>
+      </p:sp>
+      <p:sp>
+        <p:nvSpPr>
+          <p:cNvPr id="9" name="TextBox 8">
+            <a:extLst>
+              <a:ext uri="{FF2B5EF4-FFF2-40B4-BE49-F238E27FC236}">
+                <a16:creationId xmlns:a16="http://schemas.microsoft.com/office/drawing/2014/main" id="{7538A791-2C5E-83B9-D8E2-3315D4C4C85B}"/>
+              </a:ext>
+            </a:extLst>
+          </p:cNvPr>
+          <p:cNvSpPr txBox="1"/>
+          <p:nvPr/>
+        </p:nvSpPr>
+        <p:spPr>
+          <a:xfrm>
+            <a:off x="3459413" y="4854720"/>
+            <a:ext cx="611899" cy="369332"/>
+          </a:xfrm>
+          <a:prstGeom prst="rect">
+            <a:avLst/>
+          </a:prstGeom>
+          <a:noFill/>
+        </p:spPr>
+        <p:txBody>
+          <a:bodyPr wrap="none" rtlCol="0">
+            <a:spAutoFit/>
+          </a:bodyPr>
+          <a:lstStyle/>
+          <a:p>
+            <a:r>
+              <a:rPr lang="en-US" dirty="0"/>
+              <a:t>True</a:t>
+            </a:r>
+          </a:p>
+        </p:txBody>
+      </p:sp>
+      <p:sp>
+        <p:nvSpPr>
+          <p:cNvPr id="11" name="TextBox 10">
+            <a:extLst>
+              <a:ext uri="{FF2B5EF4-FFF2-40B4-BE49-F238E27FC236}">
+                <a16:creationId xmlns:a16="http://schemas.microsoft.com/office/drawing/2014/main" id="{9A1EAB3C-3F5B-81E3-435E-1EC70818BD40}"/>
+              </a:ext>
+            </a:extLst>
+          </p:cNvPr>
+          <p:cNvSpPr txBox="1"/>
+          <p:nvPr/>
+        </p:nvSpPr>
+        <p:spPr>
+          <a:xfrm>
+            <a:off x="6859172" y="4832283"/>
+            <a:ext cx="720454" cy="369332"/>
+          </a:xfrm>
+          <a:prstGeom prst="rect">
+            <a:avLst/>
+          </a:prstGeom>
+          <a:noFill/>
+        </p:spPr>
+        <p:txBody>
+          <a:bodyPr wrap="none" rtlCol="0">
+            <a:spAutoFit/>
+          </a:bodyPr>
+          <a:lstStyle/>
+          <a:p>
+            <a:r>
+              <a:rPr lang="en-US" dirty="0"/>
+              <a:t>False</a:t>
+            </a:r>
+          </a:p>
+        </p:txBody>
+      </p:sp>
+      <p:cxnSp>
+        <p:nvCxnSpPr>
+          <p:cNvPr id="12" name="Straight Arrow Connector 11">
+            <a:extLst>
+              <a:ext uri="{FF2B5EF4-FFF2-40B4-BE49-F238E27FC236}">
+                <a16:creationId xmlns:a16="http://schemas.microsoft.com/office/drawing/2014/main" id="{3F607685-EAA3-9962-2CFC-734F7E762321}"/>
+              </a:ext>
+            </a:extLst>
+          </p:cNvPr>
+          <p:cNvCxnSpPr>
+            <a:cxnSpLocks/>
+          </p:cNvCxnSpPr>
+          <p:nvPr/>
+        </p:nvCxnSpPr>
+        <p:spPr>
+          <a:xfrm>
+            <a:off x="6604558" y="4754080"/>
+            <a:ext cx="74753" cy="638295"/>
+          </a:xfrm>
+          <a:prstGeom prst="straightConnector1">
+            <a:avLst/>
+          </a:prstGeom>
+          <a:ln w="76200">
+            <a:solidFill>
+              <a:schemeClr val="tx1"/>
+            </a:solidFill>
+            <a:tailEnd type="triangle"/>
+          </a:ln>
+        </p:spPr>
+        <p:style>
+          <a:lnRef idx="2">
+            <a:schemeClr val="dk1"/>
+          </a:lnRef>
+          <a:fillRef idx="0">
+            <a:schemeClr val="dk1"/>
+          </a:fillRef>
+          <a:effectRef idx="1">
+            <a:schemeClr val="dk1"/>
+          </a:effectRef>
+          <a:fontRef idx="minor">
+            <a:schemeClr val="tx1"/>
+          </a:fontRef>
+        </p:style>
+      </p:cxnSp>
+      <p:sp>
+        <p:nvSpPr>
+          <p:cNvPr id="27" name="Flowchart: Document 26">
+            <a:extLst>
+              <a:ext uri="{FF2B5EF4-FFF2-40B4-BE49-F238E27FC236}">
+                <a16:creationId xmlns:a16="http://schemas.microsoft.com/office/drawing/2014/main" id="{68250CFD-274A-74BA-4374-A3E6363740A6}"/>
+              </a:ext>
+            </a:extLst>
+          </p:cNvPr>
+          <p:cNvSpPr/>
+          <p:nvPr/>
+        </p:nvSpPr>
+        <p:spPr>
+          <a:xfrm>
+            <a:off x="8986754" y="1455879"/>
+            <a:ext cx="2910722" cy="2560677"/>
+          </a:xfrm>
+          <a:prstGeom prst="flowChartDocument">
+            <a:avLst/>
+          </a:prstGeom>
+          <a:solidFill>
+            <a:srgbClr val="19A796"/>
+          </a:solidFill>
+        </p:spPr>
+        <p:style>
+          <a:lnRef idx="2">
+            <a:schemeClr val="accent1">
+              <a:shade val="15000"/>
+            </a:schemeClr>
+          </a:lnRef>
+          <a:fillRef idx="1">
+            <a:schemeClr val="accent1"/>
+          </a:fillRef>
+          <a:effectRef idx="0">
+            <a:schemeClr val="accent1"/>
+          </a:effectRef>
+          <a:fontRef idx="minor">
+            <a:schemeClr val="lt1"/>
+          </a:fontRef>
+        </p:style>
+        <p:txBody>
+          <a:bodyPr wrap="square" rtlCol="0" anchor="t" anchorCtr="0">
+            <a:spAutoFit/>
+          </a:bodyPr>
+          <a:lstStyle/>
+          <a:p>
+            <a:r>
+              <a:rPr lang="en-US" sz="1600" b="1" u="sng" dirty="0"/>
+              <a:t>RX ISR:</a:t>
+            </a:r>
+          </a:p>
+          <a:p>
+            <a:pPr marL="285750" indent="-285750">
+              <a:buFont typeface="Arial" panose="020B0604020202020204" pitchFamily="34" charset="0"/>
+              <a:buChar char="•"/>
+            </a:pPr>
+            <a:r>
+              <a:rPr lang="en-US" sz="1600" dirty="0"/>
+              <a:t>Read in integer</a:t>
+            </a:r>
+          </a:p>
+          <a:p>
+            <a:pPr marL="285750" indent="-285750">
+              <a:buFont typeface="Arial" panose="020B0604020202020204" pitchFamily="34" charset="0"/>
+              <a:buChar char="•"/>
+            </a:pPr>
+            <a:r>
+              <a:rPr lang="en-US" sz="1600" dirty="0"/>
+              <a:t>Update previous pattern and associated state</a:t>
+            </a:r>
+          </a:p>
+          <a:p>
+            <a:pPr marL="285750" indent="-285750">
+              <a:buFont typeface="Arial" panose="020B0604020202020204" pitchFamily="34" charset="0"/>
+              <a:buChar char="•"/>
+            </a:pPr>
+            <a:r>
+              <a:rPr lang="en-US" sz="1600" dirty="0"/>
+              <a:t>Update pattern and state to be displayed</a:t>
+            </a:r>
+          </a:p>
+          <a:p>
+            <a:pPr marL="285750" indent="-285750">
+              <a:buFont typeface="Arial" panose="020B0604020202020204" pitchFamily="34" charset="0"/>
+              <a:buChar char="•"/>
+            </a:pPr>
+            <a:r>
+              <a:rPr lang="en-US" sz="1600" dirty="0"/>
+              <a:t>Set delay fast</a:t>
+            </a:r>
+          </a:p>
+          <a:p>
+            <a:pPr marL="285750" indent="-285750">
+              <a:buFont typeface="Arial" panose="020B0604020202020204" pitchFamily="34" charset="0"/>
+              <a:buChar char="•"/>
+            </a:pPr>
+            <a:endParaRPr lang="en-US" sz="1600" dirty="0"/>
+          </a:p>
+        </p:txBody>
+      </p:sp>
+      <p:cxnSp>
+        <p:nvCxnSpPr>
+          <p:cNvPr id="28" name="Straight Connector 27">
+            <a:extLst>
+              <a:ext uri="{FF2B5EF4-FFF2-40B4-BE49-F238E27FC236}">
+                <a16:creationId xmlns:a16="http://schemas.microsoft.com/office/drawing/2014/main" id="{98F9CE4B-ED10-ED12-5445-A54DF4A02E07}"/>
+              </a:ext>
+            </a:extLst>
+          </p:cNvPr>
+          <p:cNvCxnSpPr>
+            <a:cxnSpLocks/>
+          </p:cNvCxnSpPr>
+          <p:nvPr/>
+        </p:nvCxnSpPr>
+        <p:spPr>
+          <a:xfrm flipV="1">
+            <a:off x="8498541" y="1137237"/>
+            <a:ext cx="0" cy="5255879"/>
+          </a:xfrm>
+          <a:prstGeom prst="line">
+            <a:avLst/>
+          </a:prstGeom>
+          <a:ln w="38100">
+            <a:solidFill>
+              <a:schemeClr val="tx1"/>
+            </a:solidFill>
+            <a:prstDash val="dash"/>
+          </a:ln>
+        </p:spPr>
+        <p:style>
+          <a:lnRef idx="2">
+            <a:schemeClr val="accent1"/>
+          </a:lnRef>
+          <a:fillRef idx="0">
+            <a:schemeClr val="accent1"/>
+          </a:fillRef>
+          <a:effectRef idx="1">
+            <a:schemeClr val="accent1"/>
+          </a:effectRef>
+          <a:fontRef idx="minor">
+            <a:schemeClr val="tx1"/>
+          </a:fontRef>
+        </p:style>
+      </p:cxnSp>
+    </p:spTree>
+    <p:extLst>
+      <p:ext uri="{BB962C8B-B14F-4D97-AF65-F5344CB8AC3E}">
+        <p14:creationId xmlns:p14="http://schemas.microsoft.com/office/powerpoint/2010/main" val="82588961"/>
+      </p:ext>
+    </p:extLst>
+  </p:cSld>
+  <p:clrMapOvr>
+    <a:masterClrMapping/>
+  </p:clrMapOvr>
+</p:sld>
+</file>
+
+<file path=ppt/slides/slide6.xml><?xml version="1.0" encoding="utf-8"?>
+<p:sld xmlns:a="http://schemas.openxmlformats.org/drawingml/2006/main" xmlns:r="http://schemas.openxmlformats.org/officeDocument/2006/relationships" xmlns:p="http://schemas.openxmlformats.org/presentationml/2006/main">
+  <p:cSld>
+    <p:spTree>
+      <p:nvGrpSpPr>
+        <p:cNvPr id="1" name="">
+          <a:extLst>
+            <a:ext uri="{FF2B5EF4-FFF2-40B4-BE49-F238E27FC236}">
+              <a16:creationId xmlns:a16="http://schemas.microsoft.com/office/drawing/2014/main" id="{94EC615A-39FA-CE5F-EC99-DD081994951F}"/>
+            </a:ext>
+          </a:extLst>
+        </p:cNvPr>
+        <p:cNvGrpSpPr/>
+        <p:nvPr/>
+      </p:nvGrpSpPr>
+      <p:grpSpPr>
+        <a:xfrm>
+          <a:off x="0" y="0"/>
+          <a:ext cx="0" cy="0"/>
+          <a:chOff x="0" y="0"/>
+          <a:chExt cx="0" cy="0"/>
+        </a:xfrm>
+      </p:grpSpPr>
+      <p:cxnSp>
+        <p:nvCxnSpPr>
+          <p:cNvPr id="89" name="Straight Arrow Connector 88">
+            <a:extLst>
+              <a:ext uri="{FF2B5EF4-FFF2-40B4-BE49-F238E27FC236}">
+                <a16:creationId xmlns:a16="http://schemas.microsoft.com/office/drawing/2014/main" id="{8E64E6CD-FACB-3ECC-867C-0194C8B04BDF}"/>
+              </a:ext>
+            </a:extLst>
+          </p:cNvPr>
+          <p:cNvCxnSpPr>
+            <a:cxnSpLocks/>
+          </p:cNvCxnSpPr>
+          <p:nvPr/>
+        </p:nvCxnSpPr>
+        <p:spPr>
+          <a:xfrm>
+            <a:off x="3205245" y="1455880"/>
+            <a:ext cx="1217234" cy="0"/>
+          </a:xfrm>
+          <a:prstGeom prst="straightConnector1">
+            <a:avLst/>
+          </a:prstGeom>
+          <a:ln w="76200">
+            <a:solidFill>
+              <a:schemeClr val="tx1"/>
+            </a:solidFill>
+            <a:tailEnd type="triangle"/>
+          </a:ln>
+        </p:spPr>
+        <p:style>
+          <a:lnRef idx="2">
+            <a:schemeClr val="dk1"/>
+          </a:lnRef>
+          <a:fillRef idx="0">
+            <a:schemeClr val="dk1"/>
+          </a:fillRef>
+          <a:effectRef idx="1">
+            <a:schemeClr val="dk1"/>
+          </a:effectRef>
+          <a:fontRef idx="minor">
+            <a:schemeClr val="tx1"/>
+          </a:fontRef>
+        </p:style>
+      </p:cxnSp>
+      <p:sp>
+        <p:nvSpPr>
+          <p:cNvPr id="4" name="Flowchart: Document 3">
+            <a:extLst>
+              <a:ext uri="{FF2B5EF4-FFF2-40B4-BE49-F238E27FC236}">
+                <a16:creationId xmlns:a16="http://schemas.microsoft.com/office/drawing/2014/main" id="{0326DF28-3146-D20C-FEFD-5F0162796FF5}"/>
+              </a:ext>
+            </a:extLst>
+          </p:cNvPr>
+          <p:cNvSpPr/>
+          <p:nvPr/>
+        </p:nvSpPr>
+        <p:spPr>
+          <a:xfrm>
+            <a:off x="294524" y="1304960"/>
+            <a:ext cx="2910722" cy="1643420"/>
+          </a:xfrm>
+          <a:prstGeom prst="flowChartDocument">
+            <a:avLst/>
+          </a:prstGeom>
+          <a:solidFill>
+            <a:srgbClr val="19A796"/>
+          </a:solidFill>
+        </p:spPr>
+        <p:style>
+          <a:lnRef idx="2">
+            <a:schemeClr val="accent1">
+              <a:shade val="15000"/>
+            </a:schemeClr>
+          </a:lnRef>
+          <a:fillRef idx="1">
+            <a:schemeClr val="accent1"/>
+          </a:fillRef>
+          <a:effectRef idx="0">
+            <a:schemeClr val="accent1"/>
+          </a:effectRef>
+          <a:fontRef idx="minor">
+            <a:schemeClr val="lt1"/>
+          </a:fontRef>
+        </p:style>
+        <p:txBody>
+          <a:bodyPr wrap="square" rtlCol="0" anchor="t" anchorCtr="0">
+            <a:spAutoFit/>
+          </a:bodyPr>
+          <a:lstStyle/>
+          <a:p>
+            <a:r>
+              <a:rPr lang="en-US" sz="1600" b="1" u="sng" dirty="0"/>
+              <a:t>Init</a:t>
+            </a:r>
+          </a:p>
+          <a:p>
+            <a:pPr marL="285750" indent="-285750">
+              <a:buFont typeface="Arial" panose="020B0604020202020204" pitchFamily="34" charset="0"/>
+              <a:buChar char="•"/>
+            </a:pPr>
+            <a:r>
+              <a:rPr lang="en-US" sz="1600" dirty="0"/>
+              <a:t>I2C slave operation</a:t>
+            </a:r>
+          </a:p>
+          <a:p>
+            <a:pPr marL="285750" indent="-285750">
+              <a:buFont typeface="Arial" panose="020B0604020202020204" pitchFamily="34" charset="0"/>
+              <a:buChar char="•"/>
+            </a:pPr>
+            <a:r>
+              <a:rPr lang="en-US" sz="1600" dirty="0"/>
+              <a:t>LCD initialization (pins,8-bit mode, </a:t>
+            </a:r>
+            <a:r>
+              <a:rPr lang="en-US" sz="1600"/>
+              <a:t>cursor mode)</a:t>
+            </a:r>
+            <a:endParaRPr lang="en-US" sz="1600" dirty="0"/>
+          </a:p>
+          <a:p>
+            <a:pPr marL="285750" indent="-285750">
+              <a:buFont typeface="Arial" panose="020B0604020202020204" pitchFamily="34" charset="0"/>
+              <a:buChar char="•"/>
+            </a:pPr>
+            <a:endParaRPr lang="en-US" sz="1600" dirty="0"/>
+          </a:p>
+        </p:txBody>
+      </p:sp>
+      <p:sp>
+        <p:nvSpPr>
+          <p:cNvPr id="5" name="Rectangle: Rounded Corners 4">
+            <a:extLst>
+              <a:ext uri="{FF2B5EF4-FFF2-40B4-BE49-F238E27FC236}">
+                <a16:creationId xmlns:a16="http://schemas.microsoft.com/office/drawing/2014/main" id="{CEBAE152-6A38-0CBC-B8C2-55ACEB7D56D8}"/>
+              </a:ext>
+            </a:extLst>
+          </p:cNvPr>
+          <p:cNvSpPr/>
+          <p:nvPr/>
+        </p:nvSpPr>
+        <p:spPr>
+          <a:xfrm>
+            <a:off x="4422479" y="1268594"/>
+            <a:ext cx="2078958" cy="374571"/>
+          </a:xfrm>
+          <a:prstGeom prst="roundRect">
+            <a:avLst/>
+          </a:prstGeom>
+          <a:solidFill>
+            <a:schemeClr val="accent2"/>
+          </a:solidFill>
+        </p:spPr>
+        <p:style>
+          <a:lnRef idx="2">
+            <a:schemeClr val="accent1">
+              <a:shade val="15000"/>
+            </a:schemeClr>
+          </a:lnRef>
+          <a:fillRef idx="1">
+            <a:schemeClr val="accent1"/>
+          </a:fillRef>
+          <a:effectRef idx="0">
+            <a:schemeClr val="accent1"/>
+          </a:effectRef>
+          <a:fontRef idx="minor">
+            <a:schemeClr val="lt1"/>
+          </a:fontRef>
+        </p:style>
+        <p:txBody>
+          <a:bodyPr wrap="square" rtlCol="0" anchor="ctr">
+            <a:spAutoFit/>
+          </a:bodyPr>
+          <a:lstStyle/>
+          <a:p>
+            <a:pPr algn="ctr"/>
+            <a:r>
+              <a:rPr lang="en-US" sz="1600" b="1" u="sng" dirty="0"/>
+              <a:t>Main</a:t>
+            </a:r>
+          </a:p>
+        </p:txBody>
+      </p:sp>
+      <p:sp>
+        <p:nvSpPr>
+          <p:cNvPr id="87" name="TextBox 86">
+            <a:extLst>
+              <a:ext uri="{FF2B5EF4-FFF2-40B4-BE49-F238E27FC236}">
+                <a16:creationId xmlns:a16="http://schemas.microsoft.com/office/drawing/2014/main" id="{2171C6BF-A282-2438-D2B7-9B3BAB8C6E3A}"/>
+              </a:ext>
+            </a:extLst>
+          </p:cNvPr>
+          <p:cNvSpPr txBox="1"/>
+          <p:nvPr/>
+        </p:nvSpPr>
+        <p:spPr>
+          <a:xfrm>
+            <a:off x="3205245" y="241954"/>
+            <a:ext cx="7082132" cy="707886"/>
+          </a:xfrm>
+          <a:prstGeom prst="rect">
+            <a:avLst/>
+          </a:prstGeom>
+          <a:noFill/>
+        </p:spPr>
+        <p:txBody>
+          <a:bodyPr wrap="none" rtlCol="0">
+            <a:spAutoFit/>
+          </a:bodyPr>
+          <a:lstStyle/>
+          <a:p>
+            <a:r>
+              <a:rPr lang="en-US" sz="4000" dirty="0"/>
+              <a:t>Project 4 Flowchart – LCD Disp.</a:t>
+            </a:r>
+          </a:p>
+        </p:txBody>
+      </p:sp>
+      <p:cxnSp>
+        <p:nvCxnSpPr>
+          <p:cNvPr id="10" name="Straight Arrow Connector 9">
+            <a:extLst>
+              <a:ext uri="{FF2B5EF4-FFF2-40B4-BE49-F238E27FC236}">
+                <a16:creationId xmlns:a16="http://schemas.microsoft.com/office/drawing/2014/main" id="{0E0A5710-21AA-58F3-860B-A15466AE4611}"/>
+              </a:ext>
+            </a:extLst>
+          </p:cNvPr>
+          <p:cNvCxnSpPr>
+            <a:cxnSpLocks/>
+            <a:stCxn id="5" idx="2"/>
+          </p:cNvCxnSpPr>
+          <p:nvPr/>
+        </p:nvCxnSpPr>
+        <p:spPr>
+          <a:xfrm>
+            <a:off x="5461958" y="1643165"/>
+            <a:ext cx="0" cy="442616"/>
+          </a:xfrm>
+          <a:prstGeom prst="straightConnector1">
+            <a:avLst/>
+          </a:prstGeom>
+          <a:ln w="76200">
+            <a:solidFill>
+              <a:schemeClr val="tx1"/>
+            </a:solidFill>
+            <a:tailEnd type="triangle"/>
+          </a:ln>
+        </p:spPr>
+        <p:style>
+          <a:lnRef idx="2">
+            <a:schemeClr val="dk1"/>
+          </a:lnRef>
+          <a:fillRef idx="0">
+            <a:schemeClr val="dk1"/>
+          </a:fillRef>
+          <a:effectRef idx="1">
+            <a:schemeClr val="dk1"/>
+          </a:effectRef>
+          <a:fontRef idx="minor">
+            <a:schemeClr val="tx1"/>
+          </a:fontRef>
+        </p:style>
+      </p:cxnSp>
+      <p:sp>
+        <p:nvSpPr>
+          <p:cNvPr id="24" name="Arrow: U-Turn 23">
+            <a:extLst>
+              <a:ext uri="{FF2B5EF4-FFF2-40B4-BE49-F238E27FC236}">
+                <a16:creationId xmlns:a16="http://schemas.microsoft.com/office/drawing/2014/main" id="{4AAA987E-98B9-2023-C743-2995A83F1732}"/>
+              </a:ext>
+            </a:extLst>
+          </p:cNvPr>
+          <p:cNvSpPr/>
+          <p:nvPr/>
+        </p:nvSpPr>
+        <p:spPr>
+          <a:xfrm rot="16200000" flipV="1">
+            <a:off x="5712746" y="1017805"/>
+            <a:ext cx="882935" cy="1384512"/>
+          </a:xfrm>
+          <a:prstGeom prst="uturnArrow">
+            <a:avLst>
+              <a:gd name="adj1" fmla="val 1891"/>
+              <a:gd name="adj2" fmla="val 16345"/>
+              <a:gd name="adj3" fmla="val 15465"/>
+              <a:gd name="adj4" fmla="val 49178"/>
+              <a:gd name="adj5" fmla="val 22812"/>
+            </a:avLst>
+          </a:prstGeom>
+          <a:solidFill>
+            <a:schemeClr val="tx1"/>
+          </a:solidFill>
+        </p:spPr>
+        <p:style>
+          <a:lnRef idx="2">
+            <a:schemeClr val="accent1">
+              <a:shade val="15000"/>
+            </a:schemeClr>
+          </a:lnRef>
+          <a:fillRef idx="1">
+            <a:schemeClr val="accent1"/>
+          </a:fillRef>
+          <a:effectRef idx="0">
+            <a:schemeClr val="accent1"/>
+          </a:effectRef>
+          <a:fontRef idx="minor">
+            <a:schemeClr val="lt1"/>
+          </a:fontRef>
+        </p:style>
+        <p:txBody>
+          <a:bodyPr rtlCol="0" anchor="ctr"/>
+          <a:lstStyle/>
+          <a:p>
+            <a:pPr algn="ctr"/>
+            <a:endParaRPr lang="en-US">
+              <a:solidFill>
+                <a:schemeClr val="tx1"/>
+              </a:solidFill>
+            </a:endParaRPr>
+          </a:p>
+        </p:txBody>
+      </p:sp>
+      <p:sp>
+        <p:nvSpPr>
+          <p:cNvPr id="27" name="Flowchart: Document 26">
+            <a:extLst>
+              <a:ext uri="{FF2B5EF4-FFF2-40B4-BE49-F238E27FC236}">
+                <a16:creationId xmlns:a16="http://schemas.microsoft.com/office/drawing/2014/main" id="{ED2EBB3B-9C92-D0D8-C4B6-7F7060044B9D}"/>
+              </a:ext>
+            </a:extLst>
+          </p:cNvPr>
+          <p:cNvSpPr/>
+          <p:nvPr/>
+        </p:nvSpPr>
+        <p:spPr>
+          <a:xfrm>
+            <a:off x="8556448" y="1416947"/>
+            <a:ext cx="2910722" cy="1337667"/>
+          </a:xfrm>
+          <a:prstGeom prst="flowChartDocument">
+            <a:avLst/>
+          </a:prstGeom>
+          <a:solidFill>
+            <a:srgbClr val="19A796"/>
+          </a:solidFill>
+        </p:spPr>
+        <p:style>
+          <a:lnRef idx="2">
+            <a:schemeClr val="accent1">
+              <a:shade val="15000"/>
+            </a:schemeClr>
+          </a:lnRef>
+          <a:fillRef idx="1">
+            <a:schemeClr val="accent1"/>
+          </a:fillRef>
+          <a:effectRef idx="0">
+            <a:schemeClr val="accent1"/>
+          </a:effectRef>
+          <a:fontRef idx="minor">
+            <a:schemeClr val="lt1"/>
+          </a:fontRef>
+        </p:style>
+        <p:txBody>
+          <a:bodyPr wrap="square" rtlCol="0" anchor="t" anchorCtr="0">
+            <a:spAutoFit/>
+          </a:bodyPr>
+          <a:lstStyle/>
+          <a:p>
+            <a:r>
+              <a:rPr lang="en-US" sz="1600" b="1" u="sng" dirty="0"/>
+              <a:t>RX ISR:</a:t>
+            </a:r>
+          </a:p>
+          <a:p>
+            <a:pPr marL="285750" indent="-285750">
+              <a:buFont typeface="Arial" panose="020B0604020202020204" pitchFamily="34" charset="0"/>
+              <a:buChar char="•"/>
+            </a:pPr>
+            <a:r>
+              <a:rPr lang="en-US" sz="1600" dirty="0"/>
+              <a:t>Read all characters</a:t>
+            </a:r>
+          </a:p>
+          <a:p>
+            <a:pPr marL="285750" indent="-285750">
+              <a:buFont typeface="Arial" panose="020B0604020202020204" pitchFamily="34" charset="0"/>
+              <a:buChar char="•"/>
+            </a:pPr>
+            <a:r>
+              <a:rPr lang="en-US" sz="1600" dirty="0"/>
+              <a:t>Clear LCD</a:t>
+            </a:r>
+          </a:p>
+          <a:p>
+            <a:pPr marL="285750" indent="-285750">
+              <a:buFont typeface="Arial" panose="020B0604020202020204" pitchFamily="34" charset="0"/>
+              <a:buChar char="•"/>
+            </a:pPr>
+            <a:r>
+              <a:rPr lang="en-US" sz="1600" dirty="0"/>
+              <a:t>Write message to LCD</a:t>
+            </a:r>
+          </a:p>
+        </p:txBody>
+      </p:sp>
+      <p:cxnSp>
+        <p:nvCxnSpPr>
+          <p:cNvPr id="28" name="Straight Connector 27">
+            <a:extLst>
+              <a:ext uri="{FF2B5EF4-FFF2-40B4-BE49-F238E27FC236}">
+                <a16:creationId xmlns:a16="http://schemas.microsoft.com/office/drawing/2014/main" id="{22308F92-DAAD-EA66-AC80-2C3AC48233C4}"/>
+              </a:ext>
+            </a:extLst>
+          </p:cNvPr>
+          <p:cNvCxnSpPr>
+            <a:cxnSpLocks/>
+          </p:cNvCxnSpPr>
+          <p:nvPr/>
+        </p:nvCxnSpPr>
+        <p:spPr>
+          <a:xfrm flipV="1">
+            <a:off x="7991395" y="1075765"/>
+            <a:ext cx="0" cy="5255879"/>
+          </a:xfrm>
+          <a:prstGeom prst="line">
+            <a:avLst/>
+          </a:prstGeom>
+          <a:ln w="38100">
+            <a:solidFill>
+              <a:schemeClr val="tx1"/>
+            </a:solidFill>
+            <a:prstDash val="dash"/>
+          </a:ln>
+        </p:spPr>
+        <p:style>
+          <a:lnRef idx="2">
+            <a:schemeClr val="accent1"/>
+          </a:lnRef>
+          <a:fillRef idx="0">
+            <a:schemeClr val="accent1"/>
+          </a:fillRef>
+          <a:effectRef idx="1">
+            <a:schemeClr val="accent1"/>
+          </a:effectRef>
+          <a:fontRef idx="minor">
+            <a:schemeClr val="tx1"/>
+          </a:fontRef>
+        </p:style>
+      </p:cxnSp>
+    </p:spTree>
+    <p:extLst>
+      <p:ext uri="{BB962C8B-B14F-4D97-AF65-F5344CB8AC3E}">
+        <p14:creationId xmlns:p14="http://schemas.microsoft.com/office/powerpoint/2010/main" val="1415771112"/>
+      </p:ext>
+    </p:extLst>
+  </p:cSld>
+  <p:clrMapOvr>
+    <a:masterClrMapping/>
+  </p:clrMapOvr>
+</p:sld>
+</file>
+
+<file path=ppt/slides/slide7.xml><?xml version="1.0" encoding="utf-8"?>
 <p:sld xmlns:a="http://schemas.openxmlformats.org/drawingml/2006/main" xmlns:r="http://schemas.openxmlformats.org/officeDocument/2006/relationships" xmlns:p="http://schemas.openxmlformats.org/presentationml/2006/main">
   <p:cSld>
     <p:spTree>
@@ -12298,7 +13885,7 @@
 </p:sld>
 </file>
 
-<file path=ppt/slides/slide6.xml><?xml version="1.0" encoding="utf-8"?>
+<file path=ppt/slides/slide8.xml><?xml version="1.0" encoding="utf-8"?>
 <p:sld xmlns:a="http://schemas.openxmlformats.org/drawingml/2006/main" xmlns:r="http://schemas.openxmlformats.org/officeDocument/2006/relationships" xmlns:p="http://schemas.openxmlformats.org/presentationml/2006/main">
   <p:cSld>
     <p:spTree>
@@ -12966,7 +14553,7 @@
 </p:sld>
 </file>
 
-<file path=ppt/slides/slide7.xml><?xml version="1.0" encoding="utf-8"?>
+<file path=ppt/slides/slide9.xml><?xml version="1.0" encoding="utf-8"?>
 <p:sld xmlns:a="http://schemas.openxmlformats.org/drawingml/2006/main" xmlns:r="http://schemas.openxmlformats.org/officeDocument/2006/relationships" xmlns:p="http://schemas.openxmlformats.org/presentationml/2006/main">
   <p:cSld>
     <p:spTree>
@@ -13096,7 +14683,7 @@
         </p:nvSpPr>
         <p:spPr>
           <a:xfrm>
-            <a:off x="4513212" y="1602810"/>
+            <a:off x="4513212" y="1595126"/>
             <a:ext cx="2701524" cy="307777"/>
           </a:xfrm>
           <a:prstGeom prst="rect">
@@ -13134,7 +14721,7 @@
             <a:pPr algn="ctr"/>
             <a:r>
               <a:rPr lang="en-US" sz="1400" dirty="0"/>
-              <a:t>LED Light Bar</a:t>
+              <a:t>LCD Display</a:t>
             </a:r>
           </a:p>
         </p:txBody>
@@ -13314,8 +14901,8 @@
         </p:nvCxnSpPr>
         <p:spPr>
           <a:xfrm flipV="1">
-            <a:off x="5863972" y="1910587"/>
-            <a:ext cx="2" cy="3144400"/>
+            <a:off x="5863972" y="1902903"/>
+            <a:ext cx="2" cy="3152084"/>
           </a:xfrm>
           <a:prstGeom prst="straightConnector1">
             <a:avLst/>
